--- a/Figures/pictures.pptx
+++ b/Figures/pictures.pptx
@@ -25,6 +25,7 @@
     <p:sldId id="281" r:id="rId19"/>
     <p:sldId id="282" r:id="rId20"/>
     <p:sldId id="283" r:id="rId21"/>
+    <p:sldId id="284" r:id="rId22"/>
   </p:sldIdLst>
   <p:sldSz cx="9144000" cy="6858000" type="screen4x3"/>
   <p:notesSz cx="6858000" cy="9144000"/>
@@ -123,6 +124,22 @@
       </a:defRPr>
     </a:lvl9pPr>
   </p:defaultTextStyle>
+  <p:extLst>
+    <p:ext uri="{EFAFB233-063F-42B5-8137-9DF3F51BA10A}">
+      <p15:sldGuideLst xmlns:p15="http://schemas.microsoft.com/office/powerpoint/2012/main">
+        <p15:guide id="1" orient="horz" pos="2160">
+          <p15:clr>
+            <a:srgbClr val="A4A3A4"/>
+          </p15:clr>
+        </p15:guide>
+        <p15:guide id="2" pos="2880">
+          <p15:clr>
+            <a:srgbClr val="A4A3A4"/>
+          </p15:clr>
+        </p15:guide>
+      </p15:sldGuideLst>
+    </p:ext>
+  </p:extLst>
 </p:presentation>
 </file>
 
@@ -5404,7 +5421,7 @@
           <a:p>
             <a:fld id="{1002A3FA-D19E-4168-98A7-1417A36215A9}" type="datetimeFigureOut">
               <a:rPr lang="en-US" smtClean="0"/>
-              <a:t>11/23/2017</a:t>
+              <a:t>08/20/2018</a:t>
             </a:fld>
             <a:endParaRPr lang="en-US"/>
           </a:p>
@@ -5446,7 +5463,7 @@
           <a:p>
             <a:fld id="{58A95CEF-CE61-4EDF-BEBF-AE9C93C69B9F}" type="slidenum">
               <a:rPr lang="en-US" smtClean="0"/>
-              <a:t>‹#›</a:t>
+              <a:t>‹nr.›</a:t>
             </a:fld>
             <a:endParaRPr lang="en-US"/>
           </a:p>
@@ -5574,7 +5591,7 @@
           <a:p>
             <a:fld id="{1002A3FA-D19E-4168-98A7-1417A36215A9}" type="datetimeFigureOut">
               <a:rPr lang="en-US" smtClean="0"/>
-              <a:t>11/23/2017</a:t>
+              <a:t>08/20/2018</a:t>
             </a:fld>
             <a:endParaRPr lang="en-US"/>
           </a:p>
@@ -5616,7 +5633,7 @@
           <a:p>
             <a:fld id="{58A95CEF-CE61-4EDF-BEBF-AE9C93C69B9F}" type="slidenum">
               <a:rPr lang="en-US" smtClean="0"/>
-              <a:t>‹#›</a:t>
+              <a:t>‹nr.›</a:t>
             </a:fld>
             <a:endParaRPr lang="en-US"/>
           </a:p>
@@ -5754,7 +5771,7 @@
           <a:p>
             <a:fld id="{1002A3FA-D19E-4168-98A7-1417A36215A9}" type="datetimeFigureOut">
               <a:rPr lang="en-US" smtClean="0"/>
-              <a:t>11/23/2017</a:t>
+              <a:t>08/20/2018</a:t>
             </a:fld>
             <a:endParaRPr lang="en-US"/>
           </a:p>
@@ -5796,7 +5813,7 @@
           <a:p>
             <a:fld id="{58A95CEF-CE61-4EDF-BEBF-AE9C93C69B9F}" type="slidenum">
               <a:rPr lang="en-US" smtClean="0"/>
-              <a:t>‹#›</a:t>
+              <a:t>‹nr.›</a:t>
             </a:fld>
             <a:endParaRPr lang="en-US"/>
           </a:p>
@@ -5924,7 +5941,7 @@
           <a:p>
             <a:fld id="{1002A3FA-D19E-4168-98A7-1417A36215A9}" type="datetimeFigureOut">
               <a:rPr lang="en-US" smtClean="0"/>
-              <a:t>11/23/2017</a:t>
+              <a:t>08/20/2018</a:t>
             </a:fld>
             <a:endParaRPr lang="en-US"/>
           </a:p>
@@ -5966,7 +5983,7 @@
           <a:p>
             <a:fld id="{58A95CEF-CE61-4EDF-BEBF-AE9C93C69B9F}" type="slidenum">
               <a:rPr lang="en-US" smtClean="0"/>
-              <a:t>‹#›</a:t>
+              <a:t>‹nr.›</a:t>
             </a:fld>
             <a:endParaRPr lang="en-US"/>
           </a:p>
@@ -6170,7 +6187,7 @@
           <a:p>
             <a:fld id="{1002A3FA-D19E-4168-98A7-1417A36215A9}" type="datetimeFigureOut">
               <a:rPr lang="en-US" smtClean="0"/>
-              <a:t>11/23/2017</a:t>
+              <a:t>08/20/2018</a:t>
             </a:fld>
             <a:endParaRPr lang="en-US"/>
           </a:p>
@@ -6212,7 +6229,7 @@
           <a:p>
             <a:fld id="{58A95CEF-CE61-4EDF-BEBF-AE9C93C69B9F}" type="slidenum">
               <a:rPr lang="en-US" smtClean="0"/>
-              <a:t>‹#›</a:t>
+              <a:t>‹nr.›</a:t>
             </a:fld>
             <a:endParaRPr lang="en-US"/>
           </a:p>
@@ -6458,7 +6475,7 @@
           <a:p>
             <a:fld id="{1002A3FA-D19E-4168-98A7-1417A36215A9}" type="datetimeFigureOut">
               <a:rPr lang="en-US" smtClean="0"/>
-              <a:t>11/23/2017</a:t>
+              <a:t>08/20/2018</a:t>
             </a:fld>
             <a:endParaRPr lang="en-US"/>
           </a:p>
@@ -6500,7 +6517,7 @@
           <a:p>
             <a:fld id="{58A95CEF-CE61-4EDF-BEBF-AE9C93C69B9F}" type="slidenum">
               <a:rPr lang="en-US" smtClean="0"/>
-              <a:t>‹#›</a:t>
+              <a:t>‹nr.›</a:t>
             </a:fld>
             <a:endParaRPr lang="en-US"/>
           </a:p>
@@ -6880,7 +6897,7 @@
           <a:p>
             <a:fld id="{1002A3FA-D19E-4168-98A7-1417A36215A9}" type="datetimeFigureOut">
               <a:rPr lang="en-US" smtClean="0"/>
-              <a:t>11/23/2017</a:t>
+              <a:t>08/20/2018</a:t>
             </a:fld>
             <a:endParaRPr lang="en-US"/>
           </a:p>
@@ -6922,7 +6939,7 @@
           <a:p>
             <a:fld id="{58A95CEF-CE61-4EDF-BEBF-AE9C93C69B9F}" type="slidenum">
               <a:rPr lang="en-US" smtClean="0"/>
-              <a:t>‹#›</a:t>
+              <a:t>‹nr.›</a:t>
             </a:fld>
             <a:endParaRPr lang="en-US"/>
           </a:p>
@@ -6998,7 +7015,7 @@
           <a:p>
             <a:fld id="{1002A3FA-D19E-4168-98A7-1417A36215A9}" type="datetimeFigureOut">
               <a:rPr lang="en-US" smtClean="0"/>
-              <a:t>11/23/2017</a:t>
+              <a:t>08/20/2018</a:t>
             </a:fld>
             <a:endParaRPr lang="en-US"/>
           </a:p>
@@ -7040,7 +7057,7 @@
           <a:p>
             <a:fld id="{58A95CEF-CE61-4EDF-BEBF-AE9C93C69B9F}" type="slidenum">
               <a:rPr lang="en-US" smtClean="0"/>
-              <a:t>‹#›</a:t>
+              <a:t>‹nr.›</a:t>
             </a:fld>
             <a:endParaRPr lang="en-US"/>
           </a:p>
@@ -7093,7 +7110,7 @@
           <a:p>
             <a:fld id="{1002A3FA-D19E-4168-98A7-1417A36215A9}" type="datetimeFigureOut">
               <a:rPr lang="en-US" smtClean="0"/>
-              <a:t>11/23/2017</a:t>
+              <a:t>08/20/2018</a:t>
             </a:fld>
             <a:endParaRPr lang="en-US"/>
           </a:p>
@@ -7135,7 +7152,7 @@
           <a:p>
             <a:fld id="{58A95CEF-CE61-4EDF-BEBF-AE9C93C69B9F}" type="slidenum">
               <a:rPr lang="en-US" smtClean="0"/>
-              <a:t>‹#›</a:t>
+              <a:t>‹nr.›</a:t>
             </a:fld>
             <a:endParaRPr lang="en-US"/>
           </a:p>
@@ -7370,7 +7387,7 @@
           <a:p>
             <a:fld id="{1002A3FA-D19E-4168-98A7-1417A36215A9}" type="datetimeFigureOut">
               <a:rPr lang="en-US" smtClean="0"/>
-              <a:t>11/23/2017</a:t>
+              <a:t>08/20/2018</a:t>
             </a:fld>
             <a:endParaRPr lang="en-US"/>
           </a:p>
@@ -7412,7 +7429,7 @@
           <a:p>
             <a:fld id="{58A95CEF-CE61-4EDF-BEBF-AE9C93C69B9F}" type="slidenum">
               <a:rPr lang="en-US" smtClean="0"/>
-              <a:t>‹#›</a:t>
+              <a:t>‹nr.›</a:t>
             </a:fld>
             <a:endParaRPr lang="en-US"/>
           </a:p>
@@ -7623,7 +7640,7 @@
           <a:p>
             <a:fld id="{1002A3FA-D19E-4168-98A7-1417A36215A9}" type="datetimeFigureOut">
               <a:rPr lang="en-US" smtClean="0"/>
-              <a:t>11/23/2017</a:t>
+              <a:t>08/20/2018</a:t>
             </a:fld>
             <a:endParaRPr lang="en-US"/>
           </a:p>
@@ -7665,7 +7682,7 @@
           <a:p>
             <a:fld id="{58A95CEF-CE61-4EDF-BEBF-AE9C93C69B9F}" type="slidenum">
               <a:rPr lang="en-US" smtClean="0"/>
-              <a:t>‹#›</a:t>
+              <a:t>‹nr.›</a:t>
             </a:fld>
             <a:endParaRPr lang="en-US"/>
           </a:p>
@@ -7836,7 +7853,7 @@
           <a:p>
             <a:fld id="{1002A3FA-D19E-4168-98A7-1417A36215A9}" type="datetimeFigureOut">
               <a:rPr lang="en-US" smtClean="0"/>
-              <a:t>11/23/2017</a:t>
+              <a:t>08/20/2018</a:t>
             </a:fld>
             <a:endParaRPr lang="en-US"/>
           </a:p>
@@ -7914,7 +7931,7 @@
           <a:p>
             <a:fld id="{58A95CEF-CE61-4EDF-BEBF-AE9C93C69B9F}" type="slidenum">
               <a:rPr lang="en-US" smtClean="0"/>
-              <a:t>‹#›</a:t>
+              <a:t>‹nr.›</a:t>
             </a:fld>
             <a:endParaRPr lang="en-US"/>
           </a:p>
@@ -8236,16 +8253,76 @@
                 <a:tableStyleId>{5C22544A-7EE6-4342-B048-85BDC9FD1C3A}</a:tableStyleId>
               </a:tblPr>
               <a:tblGrid>
-                <a:gridCol w="830580"/>
-                <a:gridCol w="830580"/>
-                <a:gridCol w="830580"/>
-                <a:gridCol w="830580"/>
-                <a:gridCol w="830580"/>
-                <a:gridCol w="830580"/>
-                <a:gridCol w="830580"/>
-                <a:gridCol w="830580"/>
-                <a:gridCol w="830580"/>
-                <a:gridCol w="830580"/>
+                <a:gridCol w="830580">
+                  <a:extLst>
+                    <a:ext uri="{9D8B030D-6E8A-4147-A177-3AD203B41FA5}">
+                      <a16:colId xmlns:a16="http://schemas.microsoft.com/office/drawing/2014/main" val="20000"/>
+                    </a:ext>
+                  </a:extLst>
+                </a:gridCol>
+                <a:gridCol w="830580">
+                  <a:extLst>
+                    <a:ext uri="{9D8B030D-6E8A-4147-A177-3AD203B41FA5}">
+                      <a16:colId xmlns:a16="http://schemas.microsoft.com/office/drawing/2014/main" val="20001"/>
+                    </a:ext>
+                  </a:extLst>
+                </a:gridCol>
+                <a:gridCol w="830580">
+                  <a:extLst>
+                    <a:ext uri="{9D8B030D-6E8A-4147-A177-3AD203B41FA5}">
+                      <a16:colId xmlns:a16="http://schemas.microsoft.com/office/drawing/2014/main" val="20002"/>
+                    </a:ext>
+                  </a:extLst>
+                </a:gridCol>
+                <a:gridCol w="830580">
+                  <a:extLst>
+                    <a:ext uri="{9D8B030D-6E8A-4147-A177-3AD203B41FA5}">
+                      <a16:colId xmlns:a16="http://schemas.microsoft.com/office/drawing/2014/main" val="20003"/>
+                    </a:ext>
+                  </a:extLst>
+                </a:gridCol>
+                <a:gridCol w="830580">
+                  <a:extLst>
+                    <a:ext uri="{9D8B030D-6E8A-4147-A177-3AD203B41FA5}">
+                      <a16:colId xmlns:a16="http://schemas.microsoft.com/office/drawing/2014/main" val="20004"/>
+                    </a:ext>
+                  </a:extLst>
+                </a:gridCol>
+                <a:gridCol w="830580">
+                  <a:extLst>
+                    <a:ext uri="{9D8B030D-6E8A-4147-A177-3AD203B41FA5}">
+                      <a16:colId xmlns:a16="http://schemas.microsoft.com/office/drawing/2014/main" val="20005"/>
+                    </a:ext>
+                  </a:extLst>
+                </a:gridCol>
+                <a:gridCol w="830580">
+                  <a:extLst>
+                    <a:ext uri="{9D8B030D-6E8A-4147-A177-3AD203B41FA5}">
+                      <a16:colId xmlns:a16="http://schemas.microsoft.com/office/drawing/2014/main" val="20006"/>
+                    </a:ext>
+                  </a:extLst>
+                </a:gridCol>
+                <a:gridCol w="830580">
+                  <a:extLst>
+                    <a:ext uri="{9D8B030D-6E8A-4147-A177-3AD203B41FA5}">
+                      <a16:colId xmlns:a16="http://schemas.microsoft.com/office/drawing/2014/main" val="20007"/>
+                    </a:ext>
+                  </a:extLst>
+                </a:gridCol>
+                <a:gridCol w="830580">
+                  <a:extLst>
+                    <a:ext uri="{9D8B030D-6E8A-4147-A177-3AD203B41FA5}">
+                      <a16:colId xmlns:a16="http://schemas.microsoft.com/office/drawing/2014/main" val="20008"/>
+                    </a:ext>
+                  </a:extLst>
+                </a:gridCol>
+                <a:gridCol w="830580">
+                  <a:extLst>
+                    <a:ext uri="{9D8B030D-6E8A-4147-A177-3AD203B41FA5}">
+                      <a16:colId xmlns:a16="http://schemas.microsoft.com/office/drawing/2014/main" val="20009"/>
+                    </a:ext>
+                  </a:extLst>
+                </a:gridCol>
               </a:tblGrid>
               <a:tr h="627289">
                 <a:tc>
@@ -8481,6 +8558,11 @@
                     </a:solidFill>
                   </a:tcPr>
                 </a:tc>
+                <a:extLst>
+                  <a:ext uri="{0D108BD9-81ED-4DB2-BD59-A6C34878D82A}">
+                    <a16:rowId xmlns:a16="http://schemas.microsoft.com/office/drawing/2014/main" val="10000"/>
+                  </a:ext>
+                </a:extLst>
               </a:tr>
               <a:tr h="627289">
                 <a:tc>
@@ -8661,6 +8743,11 @@
                     </a:solidFill>
                   </a:tcPr>
                 </a:tc>
+                <a:extLst>
+                  <a:ext uri="{0D108BD9-81ED-4DB2-BD59-A6C34878D82A}">
+                    <a16:rowId xmlns:a16="http://schemas.microsoft.com/office/drawing/2014/main" val="10001"/>
+                  </a:ext>
+                </a:extLst>
               </a:tr>
               <a:tr h="627289">
                 <a:tc>
@@ -8841,6 +8928,11 @@
                     </a:solidFill>
                   </a:tcPr>
                 </a:tc>
+                <a:extLst>
+                  <a:ext uri="{0D108BD9-81ED-4DB2-BD59-A6C34878D82A}">
+                    <a16:rowId xmlns:a16="http://schemas.microsoft.com/office/drawing/2014/main" val="10002"/>
+                  </a:ext>
+                </a:extLst>
               </a:tr>
               <a:tr h="627289">
                 <a:tc>
@@ -9021,6 +9113,11 @@
                     </a:solidFill>
                   </a:tcPr>
                 </a:tc>
+                <a:extLst>
+                  <a:ext uri="{0D108BD9-81ED-4DB2-BD59-A6C34878D82A}">
+                    <a16:rowId xmlns:a16="http://schemas.microsoft.com/office/drawing/2014/main" val="10003"/>
+                  </a:ext>
+                </a:extLst>
               </a:tr>
               <a:tr h="627289">
                 <a:tc>
@@ -9201,6 +9298,11 @@
                     </a:solidFill>
                   </a:tcPr>
                 </a:tc>
+                <a:extLst>
+                  <a:ext uri="{0D108BD9-81ED-4DB2-BD59-A6C34878D82A}">
+                    <a16:rowId xmlns:a16="http://schemas.microsoft.com/office/drawing/2014/main" val="10004"/>
+                  </a:ext>
+                </a:extLst>
               </a:tr>
               <a:tr h="627289">
                 <a:tc>
@@ -9381,6 +9483,11 @@
                     </a:solidFill>
                   </a:tcPr>
                 </a:tc>
+                <a:extLst>
+                  <a:ext uri="{0D108BD9-81ED-4DB2-BD59-A6C34878D82A}">
+                    <a16:rowId xmlns:a16="http://schemas.microsoft.com/office/drawing/2014/main" val="10005"/>
+                  </a:ext>
+                </a:extLst>
               </a:tr>
               <a:tr h="627289">
                 <a:tc>
@@ -9533,6 +9640,11 @@
                     </a:solidFill>
                   </a:tcPr>
                 </a:tc>
+                <a:extLst>
+                  <a:ext uri="{0D108BD9-81ED-4DB2-BD59-A6C34878D82A}">
+                    <a16:rowId xmlns:a16="http://schemas.microsoft.com/office/drawing/2014/main" val="10006"/>
+                  </a:ext>
+                </a:extLst>
               </a:tr>
               <a:tr h="627289">
                 <a:tc>
@@ -9713,6 +9825,11 @@
                     </a:solidFill>
                   </a:tcPr>
                 </a:tc>
+                <a:extLst>
+                  <a:ext uri="{0D108BD9-81ED-4DB2-BD59-A6C34878D82A}">
+                    <a16:rowId xmlns:a16="http://schemas.microsoft.com/office/drawing/2014/main" val="10007"/>
+                  </a:ext>
+                </a:extLst>
               </a:tr>
             </a:tbl>
           </a:graphicData>
@@ -10026,16 +10143,76 @@
                 <a:tableStyleId>{5C22544A-7EE6-4342-B048-85BDC9FD1C3A}</a:tableStyleId>
               </a:tblPr>
               <a:tblGrid>
-                <a:gridCol w="830580"/>
-                <a:gridCol w="830580"/>
-                <a:gridCol w="830580"/>
-                <a:gridCol w="830580"/>
-                <a:gridCol w="830580"/>
-                <a:gridCol w="830580"/>
-                <a:gridCol w="830580"/>
-                <a:gridCol w="830580"/>
-                <a:gridCol w="830580"/>
-                <a:gridCol w="830580"/>
+                <a:gridCol w="830580">
+                  <a:extLst>
+                    <a:ext uri="{9D8B030D-6E8A-4147-A177-3AD203B41FA5}">
+                      <a16:colId xmlns:a16="http://schemas.microsoft.com/office/drawing/2014/main" val="20000"/>
+                    </a:ext>
+                  </a:extLst>
+                </a:gridCol>
+                <a:gridCol w="830580">
+                  <a:extLst>
+                    <a:ext uri="{9D8B030D-6E8A-4147-A177-3AD203B41FA5}">
+                      <a16:colId xmlns:a16="http://schemas.microsoft.com/office/drawing/2014/main" val="20001"/>
+                    </a:ext>
+                  </a:extLst>
+                </a:gridCol>
+                <a:gridCol w="830580">
+                  <a:extLst>
+                    <a:ext uri="{9D8B030D-6E8A-4147-A177-3AD203B41FA5}">
+                      <a16:colId xmlns:a16="http://schemas.microsoft.com/office/drawing/2014/main" val="20002"/>
+                    </a:ext>
+                  </a:extLst>
+                </a:gridCol>
+                <a:gridCol w="830580">
+                  <a:extLst>
+                    <a:ext uri="{9D8B030D-6E8A-4147-A177-3AD203B41FA5}">
+                      <a16:colId xmlns:a16="http://schemas.microsoft.com/office/drawing/2014/main" val="20003"/>
+                    </a:ext>
+                  </a:extLst>
+                </a:gridCol>
+                <a:gridCol w="830580">
+                  <a:extLst>
+                    <a:ext uri="{9D8B030D-6E8A-4147-A177-3AD203B41FA5}">
+                      <a16:colId xmlns:a16="http://schemas.microsoft.com/office/drawing/2014/main" val="20004"/>
+                    </a:ext>
+                  </a:extLst>
+                </a:gridCol>
+                <a:gridCol w="830580">
+                  <a:extLst>
+                    <a:ext uri="{9D8B030D-6E8A-4147-A177-3AD203B41FA5}">
+                      <a16:colId xmlns:a16="http://schemas.microsoft.com/office/drawing/2014/main" val="20005"/>
+                    </a:ext>
+                  </a:extLst>
+                </a:gridCol>
+                <a:gridCol w="830580">
+                  <a:extLst>
+                    <a:ext uri="{9D8B030D-6E8A-4147-A177-3AD203B41FA5}">
+                      <a16:colId xmlns:a16="http://schemas.microsoft.com/office/drawing/2014/main" val="20006"/>
+                    </a:ext>
+                  </a:extLst>
+                </a:gridCol>
+                <a:gridCol w="830580">
+                  <a:extLst>
+                    <a:ext uri="{9D8B030D-6E8A-4147-A177-3AD203B41FA5}">
+                      <a16:colId xmlns:a16="http://schemas.microsoft.com/office/drawing/2014/main" val="20007"/>
+                    </a:ext>
+                  </a:extLst>
+                </a:gridCol>
+                <a:gridCol w="830580">
+                  <a:extLst>
+                    <a:ext uri="{9D8B030D-6E8A-4147-A177-3AD203B41FA5}">
+                      <a16:colId xmlns:a16="http://schemas.microsoft.com/office/drawing/2014/main" val="20008"/>
+                    </a:ext>
+                  </a:extLst>
+                </a:gridCol>
+                <a:gridCol w="830580">
+                  <a:extLst>
+                    <a:ext uri="{9D8B030D-6E8A-4147-A177-3AD203B41FA5}">
+                      <a16:colId xmlns:a16="http://schemas.microsoft.com/office/drawing/2014/main" val="20009"/>
+                    </a:ext>
+                  </a:extLst>
+                </a:gridCol>
               </a:tblGrid>
               <a:tr h="627289">
                 <a:tc>
@@ -10279,6 +10456,11 @@
                     </a:solidFill>
                   </a:tcPr>
                 </a:tc>
+                <a:extLst>
+                  <a:ext uri="{0D108BD9-81ED-4DB2-BD59-A6C34878D82A}">
+                    <a16:rowId xmlns:a16="http://schemas.microsoft.com/office/drawing/2014/main" val="10000"/>
+                  </a:ext>
+                </a:extLst>
               </a:tr>
               <a:tr h="627289">
                 <a:tc>
@@ -10467,6 +10649,11 @@
                     </a:solidFill>
                   </a:tcPr>
                 </a:tc>
+                <a:extLst>
+                  <a:ext uri="{0D108BD9-81ED-4DB2-BD59-A6C34878D82A}">
+                    <a16:rowId xmlns:a16="http://schemas.microsoft.com/office/drawing/2014/main" val="10001"/>
+                  </a:ext>
+                </a:extLst>
               </a:tr>
               <a:tr h="627289">
                 <a:tc>
@@ -10655,6 +10842,11 @@
                     </a:solidFill>
                   </a:tcPr>
                 </a:tc>
+                <a:extLst>
+                  <a:ext uri="{0D108BD9-81ED-4DB2-BD59-A6C34878D82A}">
+                    <a16:rowId xmlns:a16="http://schemas.microsoft.com/office/drawing/2014/main" val="10002"/>
+                  </a:ext>
+                </a:extLst>
               </a:tr>
               <a:tr h="627289">
                 <a:tc>
@@ -10843,6 +11035,11 @@
                     </a:solidFill>
                   </a:tcPr>
                 </a:tc>
+                <a:extLst>
+                  <a:ext uri="{0D108BD9-81ED-4DB2-BD59-A6C34878D82A}">
+                    <a16:rowId xmlns:a16="http://schemas.microsoft.com/office/drawing/2014/main" val="10003"/>
+                  </a:ext>
+                </a:extLst>
               </a:tr>
               <a:tr h="627289">
                 <a:tc>
@@ -11031,6 +11228,11 @@
                     </a:solidFill>
                   </a:tcPr>
                 </a:tc>
+                <a:extLst>
+                  <a:ext uri="{0D108BD9-81ED-4DB2-BD59-A6C34878D82A}">
+                    <a16:rowId xmlns:a16="http://schemas.microsoft.com/office/drawing/2014/main" val="10004"/>
+                  </a:ext>
+                </a:extLst>
               </a:tr>
               <a:tr h="627289">
                 <a:tc>
@@ -11219,6 +11421,11 @@
                     </a:solidFill>
                   </a:tcPr>
                 </a:tc>
+                <a:extLst>
+                  <a:ext uri="{0D108BD9-81ED-4DB2-BD59-A6C34878D82A}">
+                    <a16:rowId xmlns:a16="http://schemas.microsoft.com/office/drawing/2014/main" val="10005"/>
+                  </a:ext>
+                </a:extLst>
               </a:tr>
               <a:tr h="627289">
                 <a:tc>
@@ -11375,6 +11582,11 @@
                     </a:solidFill>
                   </a:tcPr>
                 </a:tc>
+                <a:extLst>
+                  <a:ext uri="{0D108BD9-81ED-4DB2-BD59-A6C34878D82A}">
+                    <a16:rowId xmlns:a16="http://schemas.microsoft.com/office/drawing/2014/main" val="10006"/>
+                  </a:ext>
+                </a:extLst>
               </a:tr>
               <a:tr h="627289">
                 <a:tc>
@@ -11614,6 +11826,11 @@
                     </a:solidFill>
                   </a:tcPr>
                 </a:tc>
+                <a:extLst>
+                  <a:ext uri="{0D108BD9-81ED-4DB2-BD59-A6C34878D82A}">
+                    <a16:rowId xmlns:a16="http://schemas.microsoft.com/office/drawing/2014/main" val="10007"/>
+                  </a:ext>
+                </a:extLst>
               </a:tr>
             </a:tbl>
           </a:graphicData>
@@ -12802,16 +13019,76 @@
                 <a:tableStyleId>{5C22544A-7EE6-4342-B048-85BDC9FD1C3A}</a:tableStyleId>
               </a:tblPr>
               <a:tblGrid>
-                <a:gridCol w="830580"/>
-                <a:gridCol w="830580"/>
-                <a:gridCol w="830580"/>
-                <a:gridCol w="830580"/>
-                <a:gridCol w="830580"/>
-                <a:gridCol w="830580"/>
-                <a:gridCol w="830580"/>
-                <a:gridCol w="830580"/>
-                <a:gridCol w="830580"/>
-                <a:gridCol w="830580"/>
+                <a:gridCol w="830580">
+                  <a:extLst>
+                    <a:ext uri="{9D8B030D-6E8A-4147-A177-3AD203B41FA5}">
+                      <a16:colId xmlns:a16="http://schemas.microsoft.com/office/drawing/2014/main" val="20000"/>
+                    </a:ext>
+                  </a:extLst>
+                </a:gridCol>
+                <a:gridCol w="830580">
+                  <a:extLst>
+                    <a:ext uri="{9D8B030D-6E8A-4147-A177-3AD203B41FA5}">
+                      <a16:colId xmlns:a16="http://schemas.microsoft.com/office/drawing/2014/main" val="20001"/>
+                    </a:ext>
+                  </a:extLst>
+                </a:gridCol>
+                <a:gridCol w="830580">
+                  <a:extLst>
+                    <a:ext uri="{9D8B030D-6E8A-4147-A177-3AD203B41FA5}">
+                      <a16:colId xmlns:a16="http://schemas.microsoft.com/office/drawing/2014/main" val="20002"/>
+                    </a:ext>
+                  </a:extLst>
+                </a:gridCol>
+                <a:gridCol w="830580">
+                  <a:extLst>
+                    <a:ext uri="{9D8B030D-6E8A-4147-A177-3AD203B41FA5}">
+                      <a16:colId xmlns:a16="http://schemas.microsoft.com/office/drawing/2014/main" val="20003"/>
+                    </a:ext>
+                  </a:extLst>
+                </a:gridCol>
+                <a:gridCol w="830580">
+                  <a:extLst>
+                    <a:ext uri="{9D8B030D-6E8A-4147-A177-3AD203B41FA5}">
+                      <a16:colId xmlns:a16="http://schemas.microsoft.com/office/drawing/2014/main" val="20004"/>
+                    </a:ext>
+                  </a:extLst>
+                </a:gridCol>
+                <a:gridCol w="830580">
+                  <a:extLst>
+                    <a:ext uri="{9D8B030D-6E8A-4147-A177-3AD203B41FA5}">
+                      <a16:colId xmlns:a16="http://schemas.microsoft.com/office/drawing/2014/main" val="20005"/>
+                    </a:ext>
+                  </a:extLst>
+                </a:gridCol>
+                <a:gridCol w="830580">
+                  <a:extLst>
+                    <a:ext uri="{9D8B030D-6E8A-4147-A177-3AD203B41FA5}">
+                      <a16:colId xmlns:a16="http://schemas.microsoft.com/office/drawing/2014/main" val="20006"/>
+                    </a:ext>
+                  </a:extLst>
+                </a:gridCol>
+                <a:gridCol w="830580">
+                  <a:extLst>
+                    <a:ext uri="{9D8B030D-6E8A-4147-A177-3AD203B41FA5}">
+                      <a16:colId xmlns:a16="http://schemas.microsoft.com/office/drawing/2014/main" val="20007"/>
+                    </a:ext>
+                  </a:extLst>
+                </a:gridCol>
+                <a:gridCol w="830580">
+                  <a:extLst>
+                    <a:ext uri="{9D8B030D-6E8A-4147-A177-3AD203B41FA5}">
+                      <a16:colId xmlns:a16="http://schemas.microsoft.com/office/drawing/2014/main" val="20008"/>
+                    </a:ext>
+                  </a:extLst>
+                </a:gridCol>
+                <a:gridCol w="830580">
+                  <a:extLst>
+                    <a:ext uri="{9D8B030D-6E8A-4147-A177-3AD203B41FA5}">
+                      <a16:colId xmlns:a16="http://schemas.microsoft.com/office/drawing/2014/main" val="20009"/>
+                    </a:ext>
+                  </a:extLst>
+                </a:gridCol>
               </a:tblGrid>
               <a:tr h="627289">
                 <a:tc>
@@ -13047,6 +13324,11 @@
                     </a:solidFill>
                   </a:tcPr>
                 </a:tc>
+                <a:extLst>
+                  <a:ext uri="{0D108BD9-81ED-4DB2-BD59-A6C34878D82A}">
+                    <a16:rowId xmlns:a16="http://schemas.microsoft.com/office/drawing/2014/main" val="10000"/>
+                  </a:ext>
+                </a:extLst>
               </a:tr>
               <a:tr h="627289">
                 <a:tc>
@@ -13237,6 +13519,11 @@
                     </a:solidFill>
                   </a:tcPr>
                 </a:tc>
+                <a:extLst>
+                  <a:ext uri="{0D108BD9-81ED-4DB2-BD59-A6C34878D82A}">
+                    <a16:rowId xmlns:a16="http://schemas.microsoft.com/office/drawing/2014/main" val="10001"/>
+                  </a:ext>
+                </a:extLst>
               </a:tr>
               <a:tr h="627289">
                 <a:tc>
@@ -13427,6 +13714,11 @@
                     </a:solidFill>
                   </a:tcPr>
                 </a:tc>
+                <a:extLst>
+                  <a:ext uri="{0D108BD9-81ED-4DB2-BD59-A6C34878D82A}">
+                    <a16:rowId xmlns:a16="http://schemas.microsoft.com/office/drawing/2014/main" val="10002"/>
+                  </a:ext>
+                </a:extLst>
               </a:tr>
               <a:tr h="627289">
                 <a:tc>
@@ -13617,6 +13909,11 @@
                     </a:solidFill>
                   </a:tcPr>
                 </a:tc>
+                <a:extLst>
+                  <a:ext uri="{0D108BD9-81ED-4DB2-BD59-A6C34878D82A}">
+                    <a16:rowId xmlns:a16="http://schemas.microsoft.com/office/drawing/2014/main" val="10003"/>
+                  </a:ext>
+                </a:extLst>
               </a:tr>
               <a:tr h="627289">
                 <a:tc>
@@ -13807,6 +14104,11 @@
                     </a:solidFill>
                   </a:tcPr>
                 </a:tc>
+                <a:extLst>
+                  <a:ext uri="{0D108BD9-81ED-4DB2-BD59-A6C34878D82A}">
+                    <a16:rowId xmlns:a16="http://schemas.microsoft.com/office/drawing/2014/main" val="10004"/>
+                  </a:ext>
+                </a:extLst>
               </a:tr>
               <a:tr h="627289">
                 <a:tc>
@@ -13997,6 +14299,11 @@
                     </a:solidFill>
                   </a:tcPr>
                 </a:tc>
+                <a:extLst>
+                  <a:ext uri="{0D108BD9-81ED-4DB2-BD59-A6C34878D82A}">
+                    <a16:rowId xmlns:a16="http://schemas.microsoft.com/office/drawing/2014/main" val="10005"/>
+                  </a:ext>
+                </a:extLst>
               </a:tr>
               <a:tr h="627289">
                 <a:tc>
@@ -14149,6 +14456,11 @@
                     </a:solidFill>
                   </a:tcPr>
                 </a:tc>
+                <a:extLst>
+                  <a:ext uri="{0D108BD9-81ED-4DB2-BD59-A6C34878D82A}">
+                    <a16:rowId xmlns:a16="http://schemas.microsoft.com/office/drawing/2014/main" val="10006"/>
+                  </a:ext>
+                </a:extLst>
               </a:tr>
               <a:tr h="627289">
                 <a:tc>
@@ -14339,6 +14651,11 @@
                     </a:solidFill>
                   </a:tcPr>
                 </a:tc>
+                <a:extLst>
+                  <a:ext uri="{0D108BD9-81ED-4DB2-BD59-A6C34878D82A}">
+                    <a16:rowId xmlns:a16="http://schemas.microsoft.com/office/drawing/2014/main" val="10007"/>
+                  </a:ext>
+                </a:extLst>
               </a:tr>
             </a:tbl>
           </a:graphicData>
@@ -14652,16 +14969,76 @@
                 <a:tableStyleId>{5C22544A-7EE6-4342-B048-85BDC9FD1C3A}</a:tableStyleId>
               </a:tblPr>
               <a:tblGrid>
-                <a:gridCol w="830580"/>
-                <a:gridCol w="830580"/>
-                <a:gridCol w="830580"/>
-                <a:gridCol w="830580"/>
-                <a:gridCol w="830580"/>
-                <a:gridCol w="830580"/>
-                <a:gridCol w="830580"/>
-                <a:gridCol w="830580"/>
-                <a:gridCol w="830580"/>
-                <a:gridCol w="830580"/>
+                <a:gridCol w="830580">
+                  <a:extLst>
+                    <a:ext uri="{9D8B030D-6E8A-4147-A177-3AD203B41FA5}">
+                      <a16:colId xmlns:a16="http://schemas.microsoft.com/office/drawing/2014/main" val="20000"/>
+                    </a:ext>
+                  </a:extLst>
+                </a:gridCol>
+                <a:gridCol w="830580">
+                  <a:extLst>
+                    <a:ext uri="{9D8B030D-6E8A-4147-A177-3AD203B41FA5}">
+                      <a16:colId xmlns:a16="http://schemas.microsoft.com/office/drawing/2014/main" val="20001"/>
+                    </a:ext>
+                  </a:extLst>
+                </a:gridCol>
+                <a:gridCol w="830580">
+                  <a:extLst>
+                    <a:ext uri="{9D8B030D-6E8A-4147-A177-3AD203B41FA5}">
+                      <a16:colId xmlns:a16="http://schemas.microsoft.com/office/drawing/2014/main" val="20002"/>
+                    </a:ext>
+                  </a:extLst>
+                </a:gridCol>
+                <a:gridCol w="830580">
+                  <a:extLst>
+                    <a:ext uri="{9D8B030D-6E8A-4147-A177-3AD203B41FA5}">
+                      <a16:colId xmlns:a16="http://schemas.microsoft.com/office/drawing/2014/main" val="20003"/>
+                    </a:ext>
+                  </a:extLst>
+                </a:gridCol>
+                <a:gridCol w="830580">
+                  <a:extLst>
+                    <a:ext uri="{9D8B030D-6E8A-4147-A177-3AD203B41FA5}">
+                      <a16:colId xmlns:a16="http://schemas.microsoft.com/office/drawing/2014/main" val="20004"/>
+                    </a:ext>
+                  </a:extLst>
+                </a:gridCol>
+                <a:gridCol w="830580">
+                  <a:extLst>
+                    <a:ext uri="{9D8B030D-6E8A-4147-A177-3AD203B41FA5}">
+                      <a16:colId xmlns:a16="http://schemas.microsoft.com/office/drawing/2014/main" val="20005"/>
+                    </a:ext>
+                  </a:extLst>
+                </a:gridCol>
+                <a:gridCol w="830580">
+                  <a:extLst>
+                    <a:ext uri="{9D8B030D-6E8A-4147-A177-3AD203B41FA5}">
+                      <a16:colId xmlns:a16="http://schemas.microsoft.com/office/drawing/2014/main" val="20006"/>
+                    </a:ext>
+                  </a:extLst>
+                </a:gridCol>
+                <a:gridCol w="830580">
+                  <a:extLst>
+                    <a:ext uri="{9D8B030D-6E8A-4147-A177-3AD203B41FA5}">
+                      <a16:colId xmlns:a16="http://schemas.microsoft.com/office/drawing/2014/main" val="20007"/>
+                    </a:ext>
+                  </a:extLst>
+                </a:gridCol>
+                <a:gridCol w="830580">
+                  <a:extLst>
+                    <a:ext uri="{9D8B030D-6E8A-4147-A177-3AD203B41FA5}">
+                      <a16:colId xmlns:a16="http://schemas.microsoft.com/office/drawing/2014/main" val="20008"/>
+                    </a:ext>
+                  </a:extLst>
+                </a:gridCol>
+                <a:gridCol w="830580">
+                  <a:extLst>
+                    <a:ext uri="{9D8B030D-6E8A-4147-A177-3AD203B41FA5}">
+                      <a16:colId xmlns:a16="http://schemas.microsoft.com/office/drawing/2014/main" val="20009"/>
+                    </a:ext>
+                  </a:extLst>
+                </a:gridCol>
               </a:tblGrid>
               <a:tr h="627289">
                 <a:tc>
@@ -14897,6 +15274,11 @@
                     </a:solidFill>
                   </a:tcPr>
                 </a:tc>
+                <a:extLst>
+                  <a:ext uri="{0D108BD9-81ED-4DB2-BD59-A6C34878D82A}">
+                    <a16:rowId xmlns:a16="http://schemas.microsoft.com/office/drawing/2014/main" val="10000"/>
+                  </a:ext>
+                </a:extLst>
               </a:tr>
               <a:tr h="627289">
                 <a:tc>
@@ -15087,6 +15469,11 @@
                     </a:solidFill>
                   </a:tcPr>
                 </a:tc>
+                <a:extLst>
+                  <a:ext uri="{0D108BD9-81ED-4DB2-BD59-A6C34878D82A}">
+                    <a16:rowId xmlns:a16="http://schemas.microsoft.com/office/drawing/2014/main" val="10001"/>
+                  </a:ext>
+                </a:extLst>
               </a:tr>
               <a:tr h="627289">
                 <a:tc>
@@ -15277,6 +15664,11 @@
                     </a:solidFill>
                   </a:tcPr>
                 </a:tc>
+                <a:extLst>
+                  <a:ext uri="{0D108BD9-81ED-4DB2-BD59-A6C34878D82A}">
+                    <a16:rowId xmlns:a16="http://schemas.microsoft.com/office/drawing/2014/main" val="10002"/>
+                  </a:ext>
+                </a:extLst>
               </a:tr>
               <a:tr h="627289">
                 <a:tc>
@@ -15467,6 +15859,11 @@
                     </a:solidFill>
                   </a:tcPr>
                 </a:tc>
+                <a:extLst>
+                  <a:ext uri="{0D108BD9-81ED-4DB2-BD59-A6C34878D82A}">
+                    <a16:rowId xmlns:a16="http://schemas.microsoft.com/office/drawing/2014/main" val="10003"/>
+                  </a:ext>
+                </a:extLst>
               </a:tr>
               <a:tr h="627289">
                 <a:tc>
@@ -15657,6 +16054,11 @@
                     </a:solidFill>
                   </a:tcPr>
                 </a:tc>
+                <a:extLst>
+                  <a:ext uri="{0D108BD9-81ED-4DB2-BD59-A6C34878D82A}">
+                    <a16:rowId xmlns:a16="http://schemas.microsoft.com/office/drawing/2014/main" val="10004"/>
+                  </a:ext>
+                </a:extLst>
               </a:tr>
               <a:tr h="627289">
                 <a:tc>
@@ -15847,6 +16249,11 @@
                     </a:solidFill>
                   </a:tcPr>
                 </a:tc>
+                <a:extLst>
+                  <a:ext uri="{0D108BD9-81ED-4DB2-BD59-A6C34878D82A}">
+                    <a16:rowId xmlns:a16="http://schemas.microsoft.com/office/drawing/2014/main" val="10005"/>
+                  </a:ext>
+                </a:extLst>
               </a:tr>
               <a:tr h="627289">
                 <a:tc>
@@ -15999,6 +16406,11 @@
                     </a:solidFill>
                   </a:tcPr>
                 </a:tc>
+                <a:extLst>
+                  <a:ext uri="{0D108BD9-81ED-4DB2-BD59-A6C34878D82A}">
+                    <a16:rowId xmlns:a16="http://schemas.microsoft.com/office/drawing/2014/main" val="10006"/>
+                  </a:ext>
+                </a:extLst>
               </a:tr>
               <a:tr h="627289">
                 <a:tc>
@@ -16189,6 +16601,11 @@
                     </a:solidFill>
                   </a:tcPr>
                 </a:tc>
+                <a:extLst>
+                  <a:ext uri="{0D108BD9-81ED-4DB2-BD59-A6C34878D82A}">
+                    <a16:rowId xmlns:a16="http://schemas.microsoft.com/office/drawing/2014/main" val="10007"/>
+                  </a:ext>
+                </a:extLst>
               </a:tr>
             </a:tbl>
           </a:graphicData>
@@ -16502,16 +16919,76 @@
                 <a:tableStyleId>{5C22544A-7EE6-4342-B048-85BDC9FD1C3A}</a:tableStyleId>
               </a:tblPr>
               <a:tblGrid>
-                <a:gridCol w="830580"/>
-                <a:gridCol w="830580"/>
-                <a:gridCol w="830580"/>
-                <a:gridCol w="830580"/>
-                <a:gridCol w="830580"/>
-                <a:gridCol w="830580"/>
-                <a:gridCol w="830580"/>
-                <a:gridCol w="830580"/>
-                <a:gridCol w="830580"/>
-                <a:gridCol w="830580"/>
+                <a:gridCol w="830580">
+                  <a:extLst>
+                    <a:ext uri="{9D8B030D-6E8A-4147-A177-3AD203B41FA5}">
+                      <a16:colId xmlns:a16="http://schemas.microsoft.com/office/drawing/2014/main" val="20000"/>
+                    </a:ext>
+                  </a:extLst>
+                </a:gridCol>
+                <a:gridCol w="830580">
+                  <a:extLst>
+                    <a:ext uri="{9D8B030D-6E8A-4147-A177-3AD203B41FA5}">
+                      <a16:colId xmlns:a16="http://schemas.microsoft.com/office/drawing/2014/main" val="20001"/>
+                    </a:ext>
+                  </a:extLst>
+                </a:gridCol>
+                <a:gridCol w="830580">
+                  <a:extLst>
+                    <a:ext uri="{9D8B030D-6E8A-4147-A177-3AD203B41FA5}">
+                      <a16:colId xmlns:a16="http://schemas.microsoft.com/office/drawing/2014/main" val="20002"/>
+                    </a:ext>
+                  </a:extLst>
+                </a:gridCol>
+                <a:gridCol w="830580">
+                  <a:extLst>
+                    <a:ext uri="{9D8B030D-6E8A-4147-A177-3AD203B41FA5}">
+                      <a16:colId xmlns:a16="http://schemas.microsoft.com/office/drawing/2014/main" val="20003"/>
+                    </a:ext>
+                  </a:extLst>
+                </a:gridCol>
+                <a:gridCol w="830580">
+                  <a:extLst>
+                    <a:ext uri="{9D8B030D-6E8A-4147-A177-3AD203B41FA5}">
+                      <a16:colId xmlns:a16="http://schemas.microsoft.com/office/drawing/2014/main" val="20004"/>
+                    </a:ext>
+                  </a:extLst>
+                </a:gridCol>
+                <a:gridCol w="830580">
+                  <a:extLst>
+                    <a:ext uri="{9D8B030D-6E8A-4147-A177-3AD203B41FA5}">
+                      <a16:colId xmlns:a16="http://schemas.microsoft.com/office/drawing/2014/main" val="20005"/>
+                    </a:ext>
+                  </a:extLst>
+                </a:gridCol>
+                <a:gridCol w="830580">
+                  <a:extLst>
+                    <a:ext uri="{9D8B030D-6E8A-4147-A177-3AD203B41FA5}">
+                      <a16:colId xmlns:a16="http://schemas.microsoft.com/office/drawing/2014/main" val="20006"/>
+                    </a:ext>
+                  </a:extLst>
+                </a:gridCol>
+                <a:gridCol w="830580">
+                  <a:extLst>
+                    <a:ext uri="{9D8B030D-6E8A-4147-A177-3AD203B41FA5}">
+                      <a16:colId xmlns:a16="http://schemas.microsoft.com/office/drawing/2014/main" val="20007"/>
+                    </a:ext>
+                  </a:extLst>
+                </a:gridCol>
+                <a:gridCol w="830580">
+                  <a:extLst>
+                    <a:ext uri="{9D8B030D-6E8A-4147-A177-3AD203B41FA5}">
+                      <a16:colId xmlns:a16="http://schemas.microsoft.com/office/drawing/2014/main" val="20008"/>
+                    </a:ext>
+                  </a:extLst>
+                </a:gridCol>
+                <a:gridCol w="830580">
+                  <a:extLst>
+                    <a:ext uri="{9D8B030D-6E8A-4147-A177-3AD203B41FA5}">
+                      <a16:colId xmlns:a16="http://schemas.microsoft.com/office/drawing/2014/main" val="20009"/>
+                    </a:ext>
+                  </a:extLst>
+                </a:gridCol>
               </a:tblGrid>
               <a:tr h="627289">
                 <a:tc>
@@ -16747,6 +17224,11 @@
                     </a:solidFill>
                   </a:tcPr>
                 </a:tc>
+                <a:extLst>
+                  <a:ext uri="{0D108BD9-81ED-4DB2-BD59-A6C34878D82A}">
+                    <a16:rowId xmlns:a16="http://schemas.microsoft.com/office/drawing/2014/main" val="10000"/>
+                  </a:ext>
+                </a:extLst>
               </a:tr>
               <a:tr h="627289">
                 <a:tc>
@@ -16937,6 +17419,11 @@
                     </a:solidFill>
                   </a:tcPr>
                 </a:tc>
+                <a:extLst>
+                  <a:ext uri="{0D108BD9-81ED-4DB2-BD59-A6C34878D82A}">
+                    <a16:rowId xmlns:a16="http://schemas.microsoft.com/office/drawing/2014/main" val="10001"/>
+                  </a:ext>
+                </a:extLst>
               </a:tr>
               <a:tr h="627289">
                 <a:tc>
@@ -17127,6 +17614,11 @@
                     </a:solidFill>
                   </a:tcPr>
                 </a:tc>
+                <a:extLst>
+                  <a:ext uri="{0D108BD9-81ED-4DB2-BD59-A6C34878D82A}">
+                    <a16:rowId xmlns:a16="http://schemas.microsoft.com/office/drawing/2014/main" val="10002"/>
+                  </a:ext>
+                </a:extLst>
               </a:tr>
               <a:tr h="627289">
                 <a:tc>
@@ -17317,6 +17809,11 @@
                     </a:solidFill>
                   </a:tcPr>
                 </a:tc>
+                <a:extLst>
+                  <a:ext uri="{0D108BD9-81ED-4DB2-BD59-A6C34878D82A}">
+                    <a16:rowId xmlns:a16="http://schemas.microsoft.com/office/drawing/2014/main" val="10003"/>
+                  </a:ext>
+                </a:extLst>
               </a:tr>
               <a:tr h="627289">
                 <a:tc>
@@ -17507,6 +18004,11 @@
                     </a:solidFill>
                   </a:tcPr>
                 </a:tc>
+                <a:extLst>
+                  <a:ext uri="{0D108BD9-81ED-4DB2-BD59-A6C34878D82A}">
+                    <a16:rowId xmlns:a16="http://schemas.microsoft.com/office/drawing/2014/main" val="10004"/>
+                  </a:ext>
+                </a:extLst>
               </a:tr>
               <a:tr h="627289">
                 <a:tc>
@@ -17697,6 +18199,11 @@
                     </a:solidFill>
                   </a:tcPr>
                 </a:tc>
+                <a:extLst>
+                  <a:ext uri="{0D108BD9-81ED-4DB2-BD59-A6C34878D82A}">
+                    <a16:rowId xmlns:a16="http://schemas.microsoft.com/office/drawing/2014/main" val="10005"/>
+                  </a:ext>
+                </a:extLst>
               </a:tr>
               <a:tr h="627289">
                 <a:tc>
@@ -17849,6 +18356,11 @@
                     </a:solidFill>
                   </a:tcPr>
                 </a:tc>
+                <a:extLst>
+                  <a:ext uri="{0D108BD9-81ED-4DB2-BD59-A6C34878D82A}">
+                    <a16:rowId xmlns:a16="http://schemas.microsoft.com/office/drawing/2014/main" val="10006"/>
+                  </a:ext>
+                </a:extLst>
               </a:tr>
               <a:tr h="627289">
                 <a:tc>
@@ -18039,6 +18551,11 @@
                     </a:solidFill>
                   </a:tcPr>
                 </a:tc>
+                <a:extLst>
+                  <a:ext uri="{0D108BD9-81ED-4DB2-BD59-A6C34878D82A}">
+                    <a16:rowId xmlns:a16="http://schemas.microsoft.com/office/drawing/2014/main" val="10007"/>
+                  </a:ext>
+                </a:extLst>
               </a:tr>
             </a:tbl>
           </a:graphicData>
@@ -18352,15 +18869,69 @@
                 <a:tableStyleId>{5C22544A-7EE6-4342-B048-85BDC9FD1C3A}</a:tableStyleId>
               </a:tblPr>
               <a:tblGrid>
-                <a:gridCol w="830580"/>
-                <a:gridCol w="830580"/>
-                <a:gridCol w="830580"/>
-                <a:gridCol w="830580"/>
-                <a:gridCol w="830580"/>
-                <a:gridCol w="830580"/>
-                <a:gridCol w="830580"/>
-                <a:gridCol w="830580"/>
-                <a:gridCol w="830580"/>
+                <a:gridCol w="830580">
+                  <a:extLst>
+                    <a:ext uri="{9D8B030D-6E8A-4147-A177-3AD203B41FA5}">
+                      <a16:colId xmlns:a16="http://schemas.microsoft.com/office/drawing/2014/main" val="20000"/>
+                    </a:ext>
+                  </a:extLst>
+                </a:gridCol>
+                <a:gridCol w="830580">
+                  <a:extLst>
+                    <a:ext uri="{9D8B030D-6E8A-4147-A177-3AD203B41FA5}">
+                      <a16:colId xmlns:a16="http://schemas.microsoft.com/office/drawing/2014/main" val="20001"/>
+                    </a:ext>
+                  </a:extLst>
+                </a:gridCol>
+                <a:gridCol w="830580">
+                  <a:extLst>
+                    <a:ext uri="{9D8B030D-6E8A-4147-A177-3AD203B41FA5}">
+                      <a16:colId xmlns:a16="http://schemas.microsoft.com/office/drawing/2014/main" val="20002"/>
+                    </a:ext>
+                  </a:extLst>
+                </a:gridCol>
+                <a:gridCol w="830580">
+                  <a:extLst>
+                    <a:ext uri="{9D8B030D-6E8A-4147-A177-3AD203B41FA5}">
+                      <a16:colId xmlns:a16="http://schemas.microsoft.com/office/drawing/2014/main" val="20003"/>
+                    </a:ext>
+                  </a:extLst>
+                </a:gridCol>
+                <a:gridCol w="830580">
+                  <a:extLst>
+                    <a:ext uri="{9D8B030D-6E8A-4147-A177-3AD203B41FA5}">
+                      <a16:colId xmlns:a16="http://schemas.microsoft.com/office/drawing/2014/main" val="20004"/>
+                    </a:ext>
+                  </a:extLst>
+                </a:gridCol>
+                <a:gridCol w="830580">
+                  <a:extLst>
+                    <a:ext uri="{9D8B030D-6E8A-4147-A177-3AD203B41FA5}">
+                      <a16:colId xmlns:a16="http://schemas.microsoft.com/office/drawing/2014/main" val="20005"/>
+                    </a:ext>
+                  </a:extLst>
+                </a:gridCol>
+                <a:gridCol w="830580">
+                  <a:extLst>
+                    <a:ext uri="{9D8B030D-6E8A-4147-A177-3AD203B41FA5}">
+                      <a16:colId xmlns:a16="http://schemas.microsoft.com/office/drawing/2014/main" val="20006"/>
+                    </a:ext>
+                  </a:extLst>
+                </a:gridCol>
+                <a:gridCol w="830580">
+                  <a:extLst>
+                    <a:ext uri="{9D8B030D-6E8A-4147-A177-3AD203B41FA5}">
+                      <a16:colId xmlns:a16="http://schemas.microsoft.com/office/drawing/2014/main" val="20007"/>
+                    </a:ext>
+                  </a:extLst>
+                </a:gridCol>
+                <a:gridCol w="830580">
+                  <a:extLst>
+                    <a:ext uri="{9D8B030D-6E8A-4147-A177-3AD203B41FA5}">
+                      <a16:colId xmlns:a16="http://schemas.microsoft.com/office/drawing/2014/main" val="20008"/>
+                    </a:ext>
+                  </a:extLst>
+                </a:gridCol>
               </a:tblGrid>
               <a:tr h="627289">
                 <a:tc>
@@ -18529,6 +19100,11 @@
                     </a:solidFill>
                   </a:tcPr>
                 </a:tc>
+                <a:extLst>
+                  <a:ext uri="{0D108BD9-81ED-4DB2-BD59-A6C34878D82A}">
+                    <a16:rowId xmlns:a16="http://schemas.microsoft.com/office/drawing/2014/main" val="10000"/>
+                  </a:ext>
+                </a:extLst>
               </a:tr>
               <a:tr h="627289">
                 <a:tc>
@@ -18698,6 +19274,11 @@
                     </a:solidFill>
                   </a:tcPr>
                 </a:tc>
+                <a:extLst>
+                  <a:ext uri="{0D108BD9-81ED-4DB2-BD59-A6C34878D82A}">
+                    <a16:rowId xmlns:a16="http://schemas.microsoft.com/office/drawing/2014/main" val="10001"/>
+                  </a:ext>
+                </a:extLst>
               </a:tr>
               <a:tr h="627289">
                 <a:tc>
@@ -18865,6 +19446,11 @@
                     </a:solidFill>
                   </a:tcPr>
                 </a:tc>
+                <a:extLst>
+                  <a:ext uri="{0D108BD9-81ED-4DB2-BD59-A6C34878D82A}">
+                    <a16:rowId xmlns:a16="http://schemas.microsoft.com/office/drawing/2014/main" val="10002"/>
+                  </a:ext>
+                </a:extLst>
               </a:tr>
               <a:tr h="627289">
                 <a:tc>
@@ -19034,6 +19620,11 @@
                     </a:solidFill>
                   </a:tcPr>
                 </a:tc>
+                <a:extLst>
+                  <a:ext uri="{0D108BD9-81ED-4DB2-BD59-A6C34878D82A}">
+                    <a16:rowId xmlns:a16="http://schemas.microsoft.com/office/drawing/2014/main" val="10003"/>
+                  </a:ext>
+                </a:extLst>
               </a:tr>
               <a:tr h="627289">
                 <a:tc>
@@ -19203,6 +19794,11 @@
                     </a:solidFill>
                   </a:tcPr>
                 </a:tc>
+                <a:extLst>
+                  <a:ext uri="{0D108BD9-81ED-4DB2-BD59-A6C34878D82A}">
+                    <a16:rowId xmlns:a16="http://schemas.microsoft.com/office/drawing/2014/main" val="10004"/>
+                  </a:ext>
+                </a:extLst>
               </a:tr>
               <a:tr h="627289">
                 <a:tc>
@@ -19370,6 +19966,11 @@
                     </a:solidFill>
                   </a:tcPr>
                 </a:tc>
+                <a:extLst>
+                  <a:ext uri="{0D108BD9-81ED-4DB2-BD59-A6C34878D82A}">
+                    <a16:rowId xmlns:a16="http://schemas.microsoft.com/office/drawing/2014/main" val="10005"/>
+                  </a:ext>
+                </a:extLst>
               </a:tr>
               <a:tr h="627289">
                 <a:tc>
@@ -19507,6 +20108,11 @@
                     </a:solidFill>
                   </a:tcPr>
                 </a:tc>
+                <a:extLst>
+                  <a:ext uri="{0D108BD9-81ED-4DB2-BD59-A6C34878D82A}">
+                    <a16:rowId xmlns:a16="http://schemas.microsoft.com/office/drawing/2014/main" val="10006"/>
+                  </a:ext>
+                </a:extLst>
               </a:tr>
               <a:tr h="627289">
                 <a:tc>
@@ -19671,6 +20277,11 @@
                     </a:solidFill>
                   </a:tcPr>
                 </a:tc>
+                <a:extLst>
+                  <a:ext uri="{0D108BD9-81ED-4DB2-BD59-A6C34878D82A}">
+                    <a16:rowId xmlns:a16="http://schemas.microsoft.com/office/drawing/2014/main" val="10007"/>
+                  </a:ext>
+                </a:extLst>
               </a:tr>
             </a:tbl>
           </a:graphicData>
@@ -19701,16 +20312,76 @@
                 <a:tableStyleId>{5C22544A-7EE6-4342-B048-85BDC9FD1C3A}</a:tableStyleId>
               </a:tblPr>
               <a:tblGrid>
-                <a:gridCol w="830580"/>
-                <a:gridCol w="830580"/>
-                <a:gridCol w="830580"/>
-                <a:gridCol w="830580"/>
-                <a:gridCol w="830580"/>
-                <a:gridCol w="830580"/>
-                <a:gridCol w="830580"/>
-                <a:gridCol w="830580"/>
-                <a:gridCol w="830580"/>
-                <a:gridCol w="830580"/>
+                <a:gridCol w="830580">
+                  <a:extLst>
+                    <a:ext uri="{9D8B030D-6E8A-4147-A177-3AD203B41FA5}">
+                      <a16:colId xmlns:a16="http://schemas.microsoft.com/office/drawing/2014/main" val="20000"/>
+                    </a:ext>
+                  </a:extLst>
+                </a:gridCol>
+                <a:gridCol w="830580">
+                  <a:extLst>
+                    <a:ext uri="{9D8B030D-6E8A-4147-A177-3AD203B41FA5}">
+                      <a16:colId xmlns:a16="http://schemas.microsoft.com/office/drawing/2014/main" val="20001"/>
+                    </a:ext>
+                  </a:extLst>
+                </a:gridCol>
+                <a:gridCol w="830580">
+                  <a:extLst>
+                    <a:ext uri="{9D8B030D-6E8A-4147-A177-3AD203B41FA5}">
+                      <a16:colId xmlns:a16="http://schemas.microsoft.com/office/drawing/2014/main" val="20002"/>
+                    </a:ext>
+                  </a:extLst>
+                </a:gridCol>
+                <a:gridCol w="830580">
+                  <a:extLst>
+                    <a:ext uri="{9D8B030D-6E8A-4147-A177-3AD203B41FA5}">
+                      <a16:colId xmlns:a16="http://schemas.microsoft.com/office/drawing/2014/main" val="20003"/>
+                    </a:ext>
+                  </a:extLst>
+                </a:gridCol>
+                <a:gridCol w="830580">
+                  <a:extLst>
+                    <a:ext uri="{9D8B030D-6E8A-4147-A177-3AD203B41FA5}">
+                      <a16:colId xmlns:a16="http://schemas.microsoft.com/office/drawing/2014/main" val="20004"/>
+                    </a:ext>
+                  </a:extLst>
+                </a:gridCol>
+                <a:gridCol w="830580">
+                  <a:extLst>
+                    <a:ext uri="{9D8B030D-6E8A-4147-A177-3AD203B41FA5}">
+                      <a16:colId xmlns:a16="http://schemas.microsoft.com/office/drawing/2014/main" val="20005"/>
+                    </a:ext>
+                  </a:extLst>
+                </a:gridCol>
+                <a:gridCol w="830580">
+                  <a:extLst>
+                    <a:ext uri="{9D8B030D-6E8A-4147-A177-3AD203B41FA5}">
+                      <a16:colId xmlns:a16="http://schemas.microsoft.com/office/drawing/2014/main" val="20006"/>
+                    </a:ext>
+                  </a:extLst>
+                </a:gridCol>
+                <a:gridCol w="830580">
+                  <a:extLst>
+                    <a:ext uri="{9D8B030D-6E8A-4147-A177-3AD203B41FA5}">
+                      <a16:colId xmlns:a16="http://schemas.microsoft.com/office/drawing/2014/main" val="20007"/>
+                    </a:ext>
+                  </a:extLst>
+                </a:gridCol>
+                <a:gridCol w="830580">
+                  <a:extLst>
+                    <a:ext uri="{9D8B030D-6E8A-4147-A177-3AD203B41FA5}">
+                      <a16:colId xmlns:a16="http://schemas.microsoft.com/office/drawing/2014/main" val="20008"/>
+                    </a:ext>
+                  </a:extLst>
+                </a:gridCol>
+                <a:gridCol w="830580">
+                  <a:extLst>
+                    <a:ext uri="{9D8B030D-6E8A-4147-A177-3AD203B41FA5}">
+                      <a16:colId xmlns:a16="http://schemas.microsoft.com/office/drawing/2014/main" val="20009"/>
+                    </a:ext>
+                  </a:extLst>
+                </a:gridCol>
               </a:tblGrid>
               <a:tr h="627289">
                 <a:tc>
@@ -19942,6 +20613,11 @@
                     </a:solidFill>
                   </a:tcPr>
                 </a:tc>
+                <a:extLst>
+                  <a:ext uri="{0D108BD9-81ED-4DB2-BD59-A6C34878D82A}">
+                    <a16:rowId xmlns:a16="http://schemas.microsoft.com/office/drawing/2014/main" val="10000"/>
+                  </a:ext>
+                </a:extLst>
               </a:tr>
               <a:tr h="627289">
                 <a:tc>
@@ -20093,6 +20769,11 @@
                     </a:solidFill>
                   </a:tcPr>
                 </a:tc>
+                <a:extLst>
+                  <a:ext uri="{0D108BD9-81ED-4DB2-BD59-A6C34878D82A}">
+                    <a16:rowId xmlns:a16="http://schemas.microsoft.com/office/drawing/2014/main" val="10001"/>
+                  </a:ext>
+                </a:extLst>
               </a:tr>
             </a:tbl>
           </a:graphicData>
@@ -21420,16 +22101,76 @@
                 <a:tableStyleId>{5C22544A-7EE6-4342-B048-85BDC9FD1C3A}</a:tableStyleId>
               </a:tblPr>
               <a:tblGrid>
-                <a:gridCol w="830580"/>
-                <a:gridCol w="830580"/>
-                <a:gridCol w="830580"/>
-                <a:gridCol w="830580"/>
-                <a:gridCol w="830580"/>
-                <a:gridCol w="830580"/>
-                <a:gridCol w="830580"/>
-                <a:gridCol w="830580"/>
-                <a:gridCol w="830580"/>
-                <a:gridCol w="830580"/>
+                <a:gridCol w="830580">
+                  <a:extLst>
+                    <a:ext uri="{9D8B030D-6E8A-4147-A177-3AD203B41FA5}">
+                      <a16:colId xmlns:a16="http://schemas.microsoft.com/office/drawing/2014/main" val="20000"/>
+                    </a:ext>
+                  </a:extLst>
+                </a:gridCol>
+                <a:gridCol w="830580">
+                  <a:extLst>
+                    <a:ext uri="{9D8B030D-6E8A-4147-A177-3AD203B41FA5}">
+                      <a16:colId xmlns:a16="http://schemas.microsoft.com/office/drawing/2014/main" val="20001"/>
+                    </a:ext>
+                  </a:extLst>
+                </a:gridCol>
+                <a:gridCol w="830580">
+                  <a:extLst>
+                    <a:ext uri="{9D8B030D-6E8A-4147-A177-3AD203B41FA5}">
+                      <a16:colId xmlns:a16="http://schemas.microsoft.com/office/drawing/2014/main" val="20002"/>
+                    </a:ext>
+                  </a:extLst>
+                </a:gridCol>
+                <a:gridCol w="830580">
+                  <a:extLst>
+                    <a:ext uri="{9D8B030D-6E8A-4147-A177-3AD203B41FA5}">
+                      <a16:colId xmlns:a16="http://schemas.microsoft.com/office/drawing/2014/main" val="20003"/>
+                    </a:ext>
+                  </a:extLst>
+                </a:gridCol>
+                <a:gridCol w="830580">
+                  <a:extLst>
+                    <a:ext uri="{9D8B030D-6E8A-4147-A177-3AD203B41FA5}">
+                      <a16:colId xmlns:a16="http://schemas.microsoft.com/office/drawing/2014/main" val="20004"/>
+                    </a:ext>
+                  </a:extLst>
+                </a:gridCol>
+                <a:gridCol w="830580">
+                  <a:extLst>
+                    <a:ext uri="{9D8B030D-6E8A-4147-A177-3AD203B41FA5}">
+                      <a16:colId xmlns:a16="http://schemas.microsoft.com/office/drawing/2014/main" val="20005"/>
+                    </a:ext>
+                  </a:extLst>
+                </a:gridCol>
+                <a:gridCol w="830580">
+                  <a:extLst>
+                    <a:ext uri="{9D8B030D-6E8A-4147-A177-3AD203B41FA5}">
+                      <a16:colId xmlns:a16="http://schemas.microsoft.com/office/drawing/2014/main" val="20006"/>
+                    </a:ext>
+                  </a:extLst>
+                </a:gridCol>
+                <a:gridCol w="830580">
+                  <a:extLst>
+                    <a:ext uri="{9D8B030D-6E8A-4147-A177-3AD203B41FA5}">
+                      <a16:colId xmlns:a16="http://schemas.microsoft.com/office/drawing/2014/main" val="20007"/>
+                    </a:ext>
+                  </a:extLst>
+                </a:gridCol>
+                <a:gridCol w="830580">
+                  <a:extLst>
+                    <a:ext uri="{9D8B030D-6E8A-4147-A177-3AD203B41FA5}">
+                      <a16:colId xmlns:a16="http://schemas.microsoft.com/office/drawing/2014/main" val="20008"/>
+                    </a:ext>
+                  </a:extLst>
+                </a:gridCol>
+                <a:gridCol w="830580">
+                  <a:extLst>
+                    <a:ext uri="{9D8B030D-6E8A-4147-A177-3AD203B41FA5}">
+                      <a16:colId xmlns:a16="http://schemas.microsoft.com/office/drawing/2014/main" val="20009"/>
+                    </a:ext>
+                  </a:extLst>
+                </a:gridCol>
               </a:tblGrid>
               <a:tr h="627289">
                 <a:tc>
@@ -21673,6 +22414,11 @@
                     </a:solidFill>
                   </a:tcPr>
                 </a:tc>
+                <a:extLst>
+                  <a:ext uri="{0D108BD9-81ED-4DB2-BD59-A6C34878D82A}">
+                    <a16:rowId xmlns:a16="http://schemas.microsoft.com/office/drawing/2014/main" val="10000"/>
+                  </a:ext>
+                </a:extLst>
               </a:tr>
               <a:tr h="627289">
                 <a:tc>
@@ -21861,6 +22607,11 @@
                     </a:solidFill>
                   </a:tcPr>
                 </a:tc>
+                <a:extLst>
+                  <a:ext uri="{0D108BD9-81ED-4DB2-BD59-A6C34878D82A}">
+                    <a16:rowId xmlns:a16="http://schemas.microsoft.com/office/drawing/2014/main" val="10001"/>
+                  </a:ext>
+                </a:extLst>
               </a:tr>
               <a:tr h="627289">
                 <a:tc>
@@ -22049,6 +22800,11 @@
                     </a:solidFill>
                   </a:tcPr>
                 </a:tc>
+                <a:extLst>
+                  <a:ext uri="{0D108BD9-81ED-4DB2-BD59-A6C34878D82A}">
+                    <a16:rowId xmlns:a16="http://schemas.microsoft.com/office/drawing/2014/main" val="10002"/>
+                  </a:ext>
+                </a:extLst>
               </a:tr>
               <a:tr h="627289">
                 <a:tc>
@@ -22237,6 +22993,11 @@
                     </a:solidFill>
                   </a:tcPr>
                 </a:tc>
+                <a:extLst>
+                  <a:ext uri="{0D108BD9-81ED-4DB2-BD59-A6C34878D82A}">
+                    <a16:rowId xmlns:a16="http://schemas.microsoft.com/office/drawing/2014/main" val="10003"/>
+                  </a:ext>
+                </a:extLst>
               </a:tr>
               <a:tr h="627289">
                 <a:tc>
@@ -22425,6 +23186,11 @@
                     </a:solidFill>
                   </a:tcPr>
                 </a:tc>
+                <a:extLst>
+                  <a:ext uri="{0D108BD9-81ED-4DB2-BD59-A6C34878D82A}">
+                    <a16:rowId xmlns:a16="http://schemas.microsoft.com/office/drawing/2014/main" val="10004"/>
+                  </a:ext>
+                </a:extLst>
               </a:tr>
               <a:tr h="627289">
                 <a:tc>
@@ -22613,6 +23379,11 @@
                     </a:solidFill>
                   </a:tcPr>
                 </a:tc>
+                <a:extLst>
+                  <a:ext uri="{0D108BD9-81ED-4DB2-BD59-A6C34878D82A}">
+                    <a16:rowId xmlns:a16="http://schemas.microsoft.com/office/drawing/2014/main" val="10005"/>
+                  </a:ext>
+                </a:extLst>
               </a:tr>
               <a:tr h="627289">
                 <a:tc>
@@ -22769,6 +23540,11 @@
                     </a:solidFill>
                   </a:tcPr>
                 </a:tc>
+                <a:extLst>
+                  <a:ext uri="{0D108BD9-81ED-4DB2-BD59-A6C34878D82A}">
+                    <a16:rowId xmlns:a16="http://schemas.microsoft.com/office/drawing/2014/main" val="10006"/>
+                  </a:ext>
+                </a:extLst>
               </a:tr>
               <a:tr h="627289">
                 <a:tc>
@@ -23008,6 +23784,11 @@
                     </a:solidFill>
                   </a:tcPr>
                 </a:tc>
+                <a:extLst>
+                  <a:ext uri="{0D108BD9-81ED-4DB2-BD59-A6C34878D82A}">
+                    <a16:rowId xmlns:a16="http://schemas.microsoft.com/office/drawing/2014/main" val="10007"/>
+                  </a:ext>
+                </a:extLst>
               </a:tr>
             </a:tbl>
           </a:graphicData>
@@ -23370,16 +24151,76 @@
                 <a:tableStyleId>{5C22544A-7EE6-4342-B048-85BDC9FD1C3A}</a:tableStyleId>
               </a:tblPr>
               <a:tblGrid>
-                <a:gridCol w="830580"/>
-                <a:gridCol w="830580"/>
-                <a:gridCol w="830580"/>
-                <a:gridCol w="830580"/>
-                <a:gridCol w="830580"/>
-                <a:gridCol w="830580"/>
-                <a:gridCol w="830580"/>
-                <a:gridCol w="830580"/>
-                <a:gridCol w="830580"/>
-                <a:gridCol w="830580"/>
+                <a:gridCol w="830580">
+                  <a:extLst>
+                    <a:ext uri="{9D8B030D-6E8A-4147-A177-3AD203B41FA5}">
+                      <a16:colId xmlns:a16="http://schemas.microsoft.com/office/drawing/2014/main" val="20000"/>
+                    </a:ext>
+                  </a:extLst>
+                </a:gridCol>
+                <a:gridCol w="830580">
+                  <a:extLst>
+                    <a:ext uri="{9D8B030D-6E8A-4147-A177-3AD203B41FA5}">
+                      <a16:colId xmlns:a16="http://schemas.microsoft.com/office/drawing/2014/main" val="20001"/>
+                    </a:ext>
+                  </a:extLst>
+                </a:gridCol>
+                <a:gridCol w="830580">
+                  <a:extLst>
+                    <a:ext uri="{9D8B030D-6E8A-4147-A177-3AD203B41FA5}">
+                      <a16:colId xmlns:a16="http://schemas.microsoft.com/office/drawing/2014/main" val="20002"/>
+                    </a:ext>
+                  </a:extLst>
+                </a:gridCol>
+                <a:gridCol w="830580">
+                  <a:extLst>
+                    <a:ext uri="{9D8B030D-6E8A-4147-A177-3AD203B41FA5}">
+                      <a16:colId xmlns:a16="http://schemas.microsoft.com/office/drawing/2014/main" val="20003"/>
+                    </a:ext>
+                  </a:extLst>
+                </a:gridCol>
+                <a:gridCol w="830580">
+                  <a:extLst>
+                    <a:ext uri="{9D8B030D-6E8A-4147-A177-3AD203B41FA5}">
+                      <a16:colId xmlns:a16="http://schemas.microsoft.com/office/drawing/2014/main" val="20004"/>
+                    </a:ext>
+                  </a:extLst>
+                </a:gridCol>
+                <a:gridCol w="830580">
+                  <a:extLst>
+                    <a:ext uri="{9D8B030D-6E8A-4147-A177-3AD203B41FA5}">
+                      <a16:colId xmlns:a16="http://schemas.microsoft.com/office/drawing/2014/main" val="20005"/>
+                    </a:ext>
+                  </a:extLst>
+                </a:gridCol>
+                <a:gridCol w="830580">
+                  <a:extLst>
+                    <a:ext uri="{9D8B030D-6E8A-4147-A177-3AD203B41FA5}">
+                      <a16:colId xmlns:a16="http://schemas.microsoft.com/office/drawing/2014/main" val="20006"/>
+                    </a:ext>
+                  </a:extLst>
+                </a:gridCol>
+                <a:gridCol w="830580">
+                  <a:extLst>
+                    <a:ext uri="{9D8B030D-6E8A-4147-A177-3AD203B41FA5}">
+                      <a16:colId xmlns:a16="http://schemas.microsoft.com/office/drawing/2014/main" val="20007"/>
+                    </a:ext>
+                  </a:extLst>
+                </a:gridCol>
+                <a:gridCol w="830580">
+                  <a:extLst>
+                    <a:ext uri="{9D8B030D-6E8A-4147-A177-3AD203B41FA5}">
+                      <a16:colId xmlns:a16="http://schemas.microsoft.com/office/drawing/2014/main" val="20008"/>
+                    </a:ext>
+                  </a:extLst>
+                </a:gridCol>
+                <a:gridCol w="830580">
+                  <a:extLst>
+                    <a:ext uri="{9D8B030D-6E8A-4147-A177-3AD203B41FA5}">
+                      <a16:colId xmlns:a16="http://schemas.microsoft.com/office/drawing/2014/main" val="20009"/>
+                    </a:ext>
+                  </a:extLst>
+                </a:gridCol>
               </a:tblGrid>
               <a:tr h="627289">
                 <a:tc>
@@ -23610,6 +24451,11 @@
                     </a:solidFill>
                   </a:tcPr>
                 </a:tc>
+                <a:extLst>
+                  <a:ext uri="{0D108BD9-81ED-4DB2-BD59-A6C34878D82A}">
+                    <a16:rowId xmlns:a16="http://schemas.microsoft.com/office/drawing/2014/main" val="10000"/>
+                  </a:ext>
+                </a:extLst>
               </a:tr>
               <a:tr h="627289">
                 <a:tc>
@@ -23794,6 +24640,11 @@
                     </a:solidFill>
                   </a:tcPr>
                 </a:tc>
+                <a:extLst>
+                  <a:ext uri="{0D108BD9-81ED-4DB2-BD59-A6C34878D82A}">
+                    <a16:rowId xmlns:a16="http://schemas.microsoft.com/office/drawing/2014/main" val="10001"/>
+                  </a:ext>
+                </a:extLst>
               </a:tr>
               <a:tr h="627289">
                 <a:tc>
@@ -23978,6 +24829,11 @@
                     </a:solidFill>
                   </a:tcPr>
                 </a:tc>
+                <a:extLst>
+                  <a:ext uri="{0D108BD9-81ED-4DB2-BD59-A6C34878D82A}">
+                    <a16:rowId xmlns:a16="http://schemas.microsoft.com/office/drawing/2014/main" val="10002"/>
+                  </a:ext>
+                </a:extLst>
               </a:tr>
               <a:tr h="627289">
                 <a:tc>
@@ -24162,6 +25018,11 @@
                     </a:solidFill>
                   </a:tcPr>
                 </a:tc>
+                <a:extLst>
+                  <a:ext uri="{0D108BD9-81ED-4DB2-BD59-A6C34878D82A}">
+                    <a16:rowId xmlns:a16="http://schemas.microsoft.com/office/drawing/2014/main" val="10003"/>
+                  </a:ext>
+                </a:extLst>
               </a:tr>
               <a:tr h="627289">
                 <a:tc>
@@ -24346,6 +25207,11 @@
                     </a:solidFill>
                   </a:tcPr>
                 </a:tc>
+                <a:extLst>
+                  <a:ext uri="{0D108BD9-81ED-4DB2-BD59-A6C34878D82A}">
+                    <a16:rowId xmlns:a16="http://schemas.microsoft.com/office/drawing/2014/main" val="10004"/>
+                  </a:ext>
+                </a:extLst>
               </a:tr>
               <a:tr h="627289">
                 <a:tc>
@@ -24533,6 +25399,11 @@
                     </a:solidFill>
                   </a:tcPr>
                 </a:tc>
+                <a:extLst>
+                  <a:ext uri="{0D108BD9-81ED-4DB2-BD59-A6C34878D82A}">
+                    <a16:rowId xmlns:a16="http://schemas.microsoft.com/office/drawing/2014/main" val="10005"/>
+                  </a:ext>
+                </a:extLst>
               </a:tr>
               <a:tr h="627289">
                 <a:tc>
@@ -24685,6 +25556,11 @@
                     </a:solidFill>
                   </a:tcPr>
                 </a:tc>
+                <a:extLst>
+                  <a:ext uri="{0D108BD9-81ED-4DB2-BD59-A6C34878D82A}">
+                    <a16:rowId xmlns:a16="http://schemas.microsoft.com/office/drawing/2014/main" val="10006"/>
+                  </a:ext>
+                </a:extLst>
               </a:tr>
               <a:tr h="627289">
                 <a:tc>
@@ -24869,6 +25745,11 @@
                     </a:solidFill>
                   </a:tcPr>
                 </a:tc>
+                <a:extLst>
+                  <a:ext uri="{0D108BD9-81ED-4DB2-BD59-A6C34878D82A}">
+                    <a16:rowId xmlns:a16="http://schemas.microsoft.com/office/drawing/2014/main" val="10007"/>
+                  </a:ext>
+                </a:extLst>
               </a:tr>
             </a:tbl>
           </a:graphicData>
@@ -25655,6 +26536,856 @@
 </p:sld>
 </file>
 
+<file path=ppt/slides/slide21.xml><?xml version="1.0" encoding="utf-8"?>
+<p:sld xmlns:a="http://schemas.openxmlformats.org/drawingml/2006/main" xmlns:r="http://schemas.openxmlformats.org/officeDocument/2006/relationships" xmlns:p="http://schemas.openxmlformats.org/presentationml/2006/main">
+  <p:cSld>
+    <p:spTree>
+      <p:nvGrpSpPr>
+        <p:cNvPr id="1" name=""/>
+        <p:cNvGrpSpPr/>
+        <p:nvPr/>
+      </p:nvGrpSpPr>
+      <p:grpSpPr>
+        <a:xfrm>
+          <a:off x="0" y="0"/>
+          <a:ext cx="0" cy="0"/>
+          <a:chOff x="0" y="0"/>
+          <a:chExt cx="0" cy="0"/>
+        </a:xfrm>
+      </p:grpSpPr>
+      <p:pic>
+        <p:nvPicPr>
+          <p:cNvPr id="3" name="Afbeelding 2"/>
+          <p:cNvPicPr>
+            <a:picLocks noChangeAspect="1"/>
+          </p:cNvPicPr>
+          <p:nvPr/>
+        </p:nvPicPr>
+        <p:blipFill>
+          <a:blip r:embed="rId2"/>
+          <a:stretch>
+            <a:fillRect/>
+          </a:stretch>
+        </p:blipFill>
+        <p:spPr>
+          <a:xfrm>
+            <a:off x="4114800" y="2224088"/>
+            <a:ext cx="247650" cy="290512"/>
+          </a:xfrm>
+          <a:prstGeom prst="rect">
+            <a:avLst/>
+          </a:prstGeom>
+        </p:spPr>
+      </p:pic>
+      <p:pic>
+        <p:nvPicPr>
+          <p:cNvPr id="5" name="Afbeelding 4"/>
+          <p:cNvPicPr>
+            <a:picLocks noChangeAspect="1"/>
+          </p:cNvPicPr>
+          <p:nvPr/>
+        </p:nvPicPr>
+        <p:blipFill>
+          <a:blip r:embed="rId3"/>
+          <a:stretch>
+            <a:fillRect/>
+          </a:stretch>
+        </p:blipFill>
+        <p:spPr>
+          <a:xfrm>
+            <a:off x="4482" y="762000"/>
+            <a:ext cx="6700836" cy="2881312"/>
+          </a:xfrm>
+          <a:prstGeom prst="rect">
+            <a:avLst/>
+          </a:prstGeom>
+        </p:spPr>
+      </p:pic>
+      <p:sp>
+        <p:nvSpPr>
+          <p:cNvPr id="7" name="Rechthoek 6"/>
+          <p:cNvSpPr/>
+          <p:nvPr/>
+        </p:nvSpPr>
+        <p:spPr>
+          <a:xfrm>
+            <a:off x="4343400" y="762000"/>
+            <a:ext cx="2514600" cy="381000"/>
+          </a:xfrm>
+          <a:prstGeom prst="rect">
+            <a:avLst/>
+          </a:prstGeom>
+          <a:noFill/>
+          <a:ln>
+            <a:solidFill>
+              <a:schemeClr val="tx2"/>
+            </a:solidFill>
+          </a:ln>
+        </p:spPr>
+        <p:style>
+          <a:lnRef idx="2">
+            <a:schemeClr val="accent6"/>
+          </a:lnRef>
+          <a:fillRef idx="1">
+            <a:schemeClr val="lt1"/>
+          </a:fillRef>
+          <a:effectRef idx="0">
+            <a:schemeClr val="accent6"/>
+          </a:effectRef>
+          <a:fontRef idx="minor">
+            <a:schemeClr val="dk1"/>
+          </a:fontRef>
+        </p:style>
+        <p:txBody>
+          <a:bodyPr rtlCol="0" anchor="ctr"/>
+          <a:lstStyle/>
+          <a:p>
+            <a:pPr algn="ctr"/>
+            <a:endParaRPr lang="en-US"/>
+          </a:p>
+        </p:txBody>
+      </p:sp>
+      <p:sp>
+        <p:nvSpPr>
+          <p:cNvPr id="8" name="Rechthoek 7"/>
+          <p:cNvSpPr/>
+          <p:nvPr/>
+        </p:nvSpPr>
+        <p:spPr>
+          <a:xfrm>
+            <a:off x="4343400" y="1600200"/>
+            <a:ext cx="2514600" cy="381000"/>
+          </a:xfrm>
+          <a:prstGeom prst="rect">
+            <a:avLst/>
+          </a:prstGeom>
+          <a:noFill/>
+          <a:ln>
+            <a:solidFill>
+              <a:schemeClr val="tx2"/>
+            </a:solidFill>
+          </a:ln>
+        </p:spPr>
+        <p:style>
+          <a:lnRef idx="2">
+            <a:schemeClr val="accent6"/>
+          </a:lnRef>
+          <a:fillRef idx="1">
+            <a:schemeClr val="lt1"/>
+          </a:fillRef>
+          <a:effectRef idx="0">
+            <a:schemeClr val="accent6"/>
+          </a:effectRef>
+          <a:fontRef idx="minor">
+            <a:schemeClr val="dk1"/>
+          </a:fontRef>
+        </p:style>
+        <p:txBody>
+          <a:bodyPr rtlCol="0" anchor="ctr"/>
+          <a:lstStyle/>
+          <a:p>
+            <a:pPr algn="ctr"/>
+            <a:endParaRPr lang="en-US"/>
+          </a:p>
+        </p:txBody>
+      </p:sp>
+      <p:sp>
+        <p:nvSpPr>
+          <p:cNvPr id="9" name="Rechthoek 8"/>
+          <p:cNvSpPr/>
+          <p:nvPr/>
+        </p:nvSpPr>
+        <p:spPr>
+          <a:xfrm>
+            <a:off x="4343400" y="2057400"/>
+            <a:ext cx="2514600" cy="1143000"/>
+          </a:xfrm>
+          <a:prstGeom prst="rect">
+            <a:avLst/>
+          </a:prstGeom>
+          <a:noFill/>
+          <a:ln>
+            <a:solidFill>
+              <a:schemeClr val="tx2"/>
+            </a:solidFill>
+          </a:ln>
+        </p:spPr>
+        <p:style>
+          <a:lnRef idx="2">
+            <a:schemeClr val="accent6"/>
+          </a:lnRef>
+          <a:fillRef idx="1">
+            <a:schemeClr val="lt1"/>
+          </a:fillRef>
+          <a:effectRef idx="0">
+            <a:schemeClr val="accent6"/>
+          </a:effectRef>
+          <a:fontRef idx="minor">
+            <a:schemeClr val="dk1"/>
+          </a:fontRef>
+        </p:style>
+        <p:txBody>
+          <a:bodyPr rtlCol="0" anchor="ctr"/>
+          <a:lstStyle/>
+          <a:p>
+            <a:pPr algn="ctr"/>
+            <a:endParaRPr lang="en-US"/>
+          </a:p>
+        </p:txBody>
+      </p:sp>
+      <p:sp>
+        <p:nvSpPr>
+          <p:cNvPr id="10" name="Rechthoek 9"/>
+          <p:cNvSpPr/>
+          <p:nvPr/>
+        </p:nvSpPr>
+        <p:spPr>
+          <a:xfrm>
+            <a:off x="4343400" y="3276600"/>
+            <a:ext cx="2514600" cy="366712"/>
+          </a:xfrm>
+          <a:prstGeom prst="rect">
+            <a:avLst/>
+          </a:prstGeom>
+          <a:noFill/>
+          <a:ln>
+            <a:solidFill>
+              <a:schemeClr val="tx2"/>
+            </a:solidFill>
+          </a:ln>
+        </p:spPr>
+        <p:style>
+          <a:lnRef idx="2">
+            <a:schemeClr val="accent6"/>
+          </a:lnRef>
+          <a:fillRef idx="1">
+            <a:schemeClr val="lt1"/>
+          </a:fillRef>
+          <a:effectRef idx="0">
+            <a:schemeClr val="accent6"/>
+          </a:effectRef>
+          <a:fontRef idx="minor">
+            <a:schemeClr val="dk1"/>
+          </a:fontRef>
+        </p:style>
+        <p:txBody>
+          <a:bodyPr rtlCol="0" anchor="ctr"/>
+          <a:lstStyle/>
+          <a:p>
+            <a:pPr algn="ctr"/>
+            <a:endParaRPr lang="en-US"/>
+          </a:p>
+        </p:txBody>
+      </p:sp>
+      <mc:AlternateContent xmlns:mc="http://schemas.openxmlformats.org/markup-compatibility/2006">
+        <mc:Choice xmlns:a14="http://schemas.microsoft.com/office/drawing/2010/main" Requires="a14">
+          <p:sp>
+            <p:nvSpPr>
+              <p:cNvPr id="11" name="Tekstvak 10"/>
+              <p:cNvSpPr txBox="1"/>
+              <p:nvPr/>
+            </p:nvSpPr>
+            <p:spPr>
+              <a:xfrm>
+                <a:off x="7086600" y="533400"/>
+                <a:ext cx="381000" cy="677108"/>
+              </a:xfrm>
+              <a:prstGeom prst="rect">
+                <a:avLst/>
+              </a:prstGeom>
+              <a:noFill/>
+            </p:spPr>
+            <p:txBody>
+              <a:bodyPr wrap="square" lIns="0" tIns="0" rIns="0" bIns="0" rtlCol="0">
+                <a:spAutoFit/>
+              </a:bodyPr>
+              <a:lstStyle/>
+              <a:p>
+                <a14:m>
+                  <m:oMathPara xmlns:m="http://schemas.openxmlformats.org/officeDocument/2006/math">
+                    <m:oMathParaPr>
+                      <m:jc m:val="centerGroup"/>
+                    </m:oMathParaPr>
+                    <m:oMath xmlns:m="http://schemas.openxmlformats.org/officeDocument/2006/math">
+                      <m:r>
+                        <a:rPr lang="en-US" sz="4400" b="0" i="1" smtClean="0">
+                          <a:solidFill>
+                            <a:srgbClr val="449276"/>
+                          </a:solidFill>
+                          <a:latin typeface="Cambria Math" panose="02040503050406030204" pitchFamily="18" charset="0"/>
+                        </a:rPr>
+                        <m:t>∈</m:t>
+                      </m:r>
+                    </m:oMath>
+                  </m:oMathPara>
+                </a14:m>
+                <a:endParaRPr lang="en-US" sz="4400" b="0" dirty="0" smtClean="0">
+                  <a:solidFill>
+                    <a:srgbClr val="449276"/>
+                  </a:solidFill>
+                </a:endParaRPr>
+              </a:p>
+            </p:txBody>
+          </p:sp>
+        </mc:Choice>
+        <mc:Fallback>
+          <p:sp>
+            <p:nvSpPr>
+              <p:cNvPr id="11" name="Tekstvak 10"/>
+              <p:cNvSpPr txBox="1">
+                <a:spLocks noRot="1" noChangeAspect="1" noMove="1" noResize="1" noEditPoints="1" noAdjustHandles="1" noChangeArrowheads="1" noChangeShapeType="1" noTextEdit="1"/>
+              </p:cNvSpPr>
+              <p:nvPr/>
+            </p:nvSpPr>
+            <p:spPr>
+              <a:xfrm>
+                <a:off x="7086600" y="533400"/>
+                <a:ext cx="381000" cy="677108"/>
+              </a:xfrm>
+              <a:prstGeom prst="rect">
+                <a:avLst/>
+              </a:prstGeom>
+              <a:blipFill>
+                <a:blip r:embed="rId4"/>
+                <a:stretch>
+                  <a:fillRect/>
+                </a:stretch>
+              </a:blipFill>
+            </p:spPr>
+            <p:txBody>
+              <a:bodyPr/>
+              <a:lstStyle/>
+              <a:p>
+                <a:r>
+                  <a:rPr lang="en-US">
+                    <a:noFill/>
+                  </a:rPr>
+                  <a:t> </a:t>
+                </a:r>
+              </a:p>
+            </p:txBody>
+          </p:sp>
+        </mc:Fallback>
+      </mc:AlternateContent>
+      <p:pic>
+        <p:nvPicPr>
+          <p:cNvPr id="1026" name="Picture 2" descr="Afbeeldingsresultaat voor diamond shape"/>
+          <p:cNvPicPr>
+            <a:picLocks noChangeAspect="1" noChangeArrowheads="1"/>
+          </p:cNvPicPr>
+          <p:nvPr/>
+        </p:nvPicPr>
+        <p:blipFill>
+          <a:blip r:embed="rId5" cstate="print">
+            <a:extLst>
+              <a:ext uri="{28A0092B-C50C-407E-A947-70E740481C1C}">
+                <a14:useLocalDpi xmlns:a14="http://schemas.microsoft.com/office/drawing/2010/main" val="0"/>
+              </a:ext>
+            </a:extLst>
+          </a:blip>
+          <a:srcRect/>
+          <a:stretch>
+            <a:fillRect/>
+          </a:stretch>
+        </p:blipFill>
+        <p:spPr bwMode="auto">
+          <a:xfrm>
+            <a:off x="7467600" y="609600"/>
+            <a:ext cx="555625" cy="546441"/>
+          </a:xfrm>
+          <a:prstGeom prst="rect">
+            <a:avLst/>
+          </a:prstGeom>
+          <a:noFill/>
+          <a:extLst>
+            <a:ext uri="{909E8E84-426E-40DD-AFC4-6F175D3DCCD1}">
+              <a14:hiddenFill xmlns:a14="http://schemas.microsoft.com/office/drawing/2010/main">
+                <a:solidFill>
+                  <a:srgbClr val="FFFFFF"/>
+                </a:solidFill>
+              </a14:hiddenFill>
+            </a:ext>
+          </a:extLst>
+        </p:spPr>
+      </p:pic>
+      <mc:AlternateContent xmlns:mc="http://schemas.openxmlformats.org/markup-compatibility/2006">
+        <mc:Choice xmlns:a14="http://schemas.microsoft.com/office/drawing/2010/main" Requires="a14">
+          <p:sp>
+            <p:nvSpPr>
+              <p:cNvPr id="13" name="Tekstvak 12"/>
+              <p:cNvSpPr txBox="1"/>
+              <p:nvPr/>
+            </p:nvSpPr>
+            <p:spPr>
+              <a:xfrm>
+                <a:off x="7086600" y="1380292"/>
+                <a:ext cx="381000" cy="677108"/>
+              </a:xfrm>
+              <a:prstGeom prst="rect">
+                <a:avLst/>
+              </a:prstGeom>
+              <a:noFill/>
+            </p:spPr>
+            <p:txBody>
+              <a:bodyPr wrap="square" lIns="0" tIns="0" rIns="0" bIns="0" rtlCol="0">
+                <a:spAutoFit/>
+              </a:bodyPr>
+              <a:lstStyle/>
+              <a:p>
+                <a14:m>
+                  <m:oMathPara xmlns:m="http://schemas.openxmlformats.org/officeDocument/2006/math">
+                    <m:oMathParaPr>
+                      <m:jc m:val="centerGroup"/>
+                    </m:oMathParaPr>
+                    <m:oMath xmlns:m="http://schemas.openxmlformats.org/officeDocument/2006/math">
+                      <m:r>
+                        <a:rPr lang="en-US" sz="4400" b="0" i="1" smtClean="0">
+                          <a:solidFill>
+                            <a:srgbClr val="449276"/>
+                          </a:solidFill>
+                          <a:latin typeface="Cambria Math" panose="02040503050406030204" pitchFamily="18" charset="0"/>
+                        </a:rPr>
+                        <m:t>∈</m:t>
+                      </m:r>
+                    </m:oMath>
+                  </m:oMathPara>
+                </a14:m>
+                <a:endParaRPr lang="en-US" sz="4400" b="0" dirty="0" smtClean="0">
+                  <a:solidFill>
+                    <a:srgbClr val="449276"/>
+                  </a:solidFill>
+                </a:endParaRPr>
+              </a:p>
+            </p:txBody>
+          </p:sp>
+        </mc:Choice>
+        <mc:Fallback>
+          <p:sp>
+            <p:nvSpPr>
+              <p:cNvPr id="13" name="Tekstvak 12"/>
+              <p:cNvSpPr txBox="1">
+                <a:spLocks noRot="1" noChangeAspect="1" noMove="1" noResize="1" noEditPoints="1" noAdjustHandles="1" noChangeArrowheads="1" noChangeShapeType="1" noTextEdit="1"/>
+              </p:cNvSpPr>
+              <p:nvPr/>
+            </p:nvSpPr>
+            <p:spPr>
+              <a:xfrm>
+                <a:off x="7086600" y="1380292"/>
+                <a:ext cx="381000" cy="677108"/>
+              </a:xfrm>
+              <a:prstGeom prst="rect">
+                <a:avLst/>
+              </a:prstGeom>
+              <a:blipFill>
+                <a:blip r:embed="rId6"/>
+                <a:stretch>
+                  <a:fillRect/>
+                </a:stretch>
+              </a:blipFill>
+            </p:spPr>
+            <p:txBody>
+              <a:bodyPr/>
+              <a:lstStyle/>
+              <a:p>
+                <a:r>
+                  <a:rPr lang="en-US">
+                    <a:noFill/>
+                  </a:rPr>
+                  <a:t> </a:t>
+                </a:r>
+              </a:p>
+            </p:txBody>
+          </p:sp>
+        </mc:Fallback>
+      </mc:AlternateContent>
+      <p:pic>
+        <p:nvPicPr>
+          <p:cNvPr id="14" name="Picture 2" descr="Afbeeldingsresultaat voor diamond shape"/>
+          <p:cNvPicPr>
+            <a:picLocks noChangeAspect="1" noChangeArrowheads="1"/>
+          </p:cNvPicPr>
+          <p:nvPr/>
+        </p:nvPicPr>
+        <p:blipFill>
+          <a:blip r:embed="rId5" cstate="print">
+            <a:extLst>
+              <a:ext uri="{28A0092B-C50C-407E-A947-70E740481C1C}">
+                <a14:useLocalDpi xmlns:a14="http://schemas.microsoft.com/office/drawing/2010/main" val="0"/>
+              </a:ext>
+            </a:extLst>
+          </a:blip>
+          <a:srcRect/>
+          <a:stretch>
+            <a:fillRect/>
+          </a:stretch>
+        </p:blipFill>
+        <p:spPr bwMode="auto">
+          <a:xfrm>
+            <a:off x="7467600" y="1456492"/>
+            <a:ext cx="555625" cy="546441"/>
+          </a:xfrm>
+          <a:prstGeom prst="rect">
+            <a:avLst/>
+          </a:prstGeom>
+          <a:noFill/>
+          <a:extLst>
+            <a:ext uri="{909E8E84-426E-40DD-AFC4-6F175D3DCCD1}">
+              <a14:hiddenFill xmlns:a14="http://schemas.microsoft.com/office/drawing/2010/main">
+                <a:solidFill>
+                  <a:srgbClr val="FFFFFF"/>
+                </a:solidFill>
+              </a14:hiddenFill>
+            </a:ext>
+          </a:extLst>
+        </p:spPr>
+      </p:pic>
+      <mc:AlternateContent xmlns:mc="http://schemas.openxmlformats.org/markup-compatibility/2006">
+        <mc:Choice xmlns:a14="http://schemas.microsoft.com/office/drawing/2010/main" Requires="a14">
+          <p:sp>
+            <p:nvSpPr>
+              <p:cNvPr id="15" name="Tekstvak 14"/>
+              <p:cNvSpPr txBox="1"/>
+              <p:nvPr/>
+            </p:nvSpPr>
+            <p:spPr>
+              <a:xfrm>
+                <a:off x="7086600" y="2286000"/>
+                <a:ext cx="381000" cy="677108"/>
+              </a:xfrm>
+              <a:prstGeom prst="rect">
+                <a:avLst/>
+              </a:prstGeom>
+              <a:noFill/>
+            </p:spPr>
+            <p:txBody>
+              <a:bodyPr wrap="square" lIns="0" tIns="0" rIns="0" bIns="0" rtlCol="0">
+                <a:spAutoFit/>
+              </a:bodyPr>
+              <a:lstStyle/>
+              <a:p>
+                <a14:m>
+                  <m:oMathPara xmlns:m="http://schemas.openxmlformats.org/officeDocument/2006/math">
+                    <m:oMathParaPr>
+                      <m:jc m:val="centerGroup"/>
+                    </m:oMathParaPr>
+                    <m:oMath xmlns:m="http://schemas.openxmlformats.org/officeDocument/2006/math">
+                      <m:r>
+                        <a:rPr lang="en-US" sz="4400" b="0" i="1" smtClean="0">
+                          <a:solidFill>
+                            <a:srgbClr val="449276"/>
+                          </a:solidFill>
+                          <a:latin typeface="Cambria Math" panose="02040503050406030204" pitchFamily="18" charset="0"/>
+                        </a:rPr>
+                        <m:t>∈</m:t>
+                      </m:r>
+                    </m:oMath>
+                  </m:oMathPara>
+                </a14:m>
+                <a:endParaRPr lang="en-US" sz="4400" b="0" dirty="0" smtClean="0">
+                  <a:solidFill>
+                    <a:srgbClr val="449276"/>
+                  </a:solidFill>
+                </a:endParaRPr>
+              </a:p>
+            </p:txBody>
+          </p:sp>
+        </mc:Choice>
+        <mc:Fallback>
+          <p:sp>
+            <p:nvSpPr>
+              <p:cNvPr id="15" name="Tekstvak 14"/>
+              <p:cNvSpPr txBox="1">
+                <a:spLocks noRot="1" noChangeAspect="1" noMove="1" noResize="1" noEditPoints="1" noAdjustHandles="1" noChangeArrowheads="1" noChangeShapeType="1" noTextEdit="1"/>
+              </p:cNvSpPr>
+              <p:nvPr/>
+            </p:nvSpPr>
+            <p:spPr>
+              <a:xfrm>
+                <a:off x="7086600" y="2286000"/>
+                <a:ext cx="381000" cy="677108"/>
+              </a:xfrm>
+              <a:prstGeom prst="rect">
+                <a:avLst/>
+              </a:prstGeom>
+              <a:blipFill>
+                <a:blip r:embed="rId7"/>
+                <a:stretch>
+                  <a:fillRect/>
+                </a:stretch>
+              </a:blipFill>
+            </p:spPr>
+            <p:txBody>
+              <a:bodyPr/>
+              <a:lstStyle/>
+              <a:p>
+                <a:r>
+                  <a:rPr lang="en-US">
+                    <a:noFill/>
+                  </a:rPr>
+                  <a:t> </a:t>
+                </a:r>
+              </a:p>
+            </p:txBody>
+          </p:sp>
+        </mc:Fallback>
+      </mc:AlternateContent>
+      <p:pic>
+        <p:nvPicPr>
+          <p:cNvPr id="16" name="Picture 2" descr="Afbeeldingsresultaat voor diamond shape"/>
+          <p:cNvPicPr>
+            <a:picLocks noChangeAspect="1" noChangeArrowheads="1"/>
+          </p:cNvPicPr>
+          <p:nvPr/>
+        </p:nvPicPr>
+        <p:blipFill>
+          <a:blip r:embed="rId8" cstate="print">
+            <a:extLst>
+              <a:ext uri="{28A0092B-C50C-407E-A947-70E740481C1C}">
+                <a14:useLocalDpi xmlns:a14="http://schemas.microsoft.com/office/drawing/2010/main" val="0"/>
+              </a:ext>
+            </a:extLst>
+          </a:blip>
+          <a:srcRect/>
+          <a:stretch>
+            <a:fillRect/>
+          </a:stretch>
+        </p:blipFill>
+        <p:spPr bwMode="auto">
+          <a:xfrm>
+            <a:off x="7467600" y="2133600"/>
+            <a:ext cx="990600" cy="974226"/>
+          </a:xfrm>
+          <a:prstGeom prst="rect">
+            <a:avLst/>
+          </a:prstGeom>
+          <a:noFill/>
+          <a:extLst>
+            <a:ext uri="{909E8E84-426E-40DD-AFC4-6F175D3DCCD1}">
+              <a14:hiddenFill xmlns:a14="http://schemas.microsoft.com/office/drawing/2010/main">
+                <a:solidFill>
+                  <a:srgbClr val="FFFFFF"/>
+                </a:solidFill>
+              </a14:hiddenFill>
+            </a:ext>
+          </a:extLst>
+        </p:spPr>
+      </p:pic>
+      <mc:AlternateContent xmlns:mc="http://schemas.openxmlformats.org/markup-compatibility/2006">
+        <mc:Choice xmlns:a14="http://schemas.microsoft.com/office/drawing/2010/main" Requires="a14">
+          <p:sp>
+            <p:nvSpPr>
+              <p:cNvPr id="17" name="Tekstvak 16"/>
+              <p:cNvSpPr txBox="1"/>
+              <p:nvPr/>
+            </p:nvSpPr>
+            <p:spPr>
+              <a:xfrm>
+                <a:off x="7086600" y="3132892"/>
+                <a:ext cx="381000" cy="677108"/>
+              </a:xfrm>
+              <a:prstGeom prst="rect">
+                <a:avLst/>
+              </a:prstGeom>
+              <a:noFill/>
+            </p:spPr>
+            <p:txBody>
+              <a:bodyPr wrap="square" lIns="0" tIns="0" rIns="0" bIns="0" rtlCol="0">
+                <a:spAutoFit/>
+              </a:bodyPr>
+              <a:lstStyle/>
+              <a:p>
+                <a14:m>
+                  <m:oMathPara xmlns:m="http://schemas.openxmlformats.org/officeDocument/2006/math">
+                    <m:oMathParaPr>
+                      <m:jc m:val="centerGroup"/>
+                    </m:oMathParaPr>
+                    <m:oMath xmlns:m="http://schemas.openxmlformats.org/officeDocument/2006/math">
+                      <m:r>
+                        <a:rPr lang="en-US" sz="4400" b="0" i="1" smtClean="0">
+                          <a:solidFill>
+                            <a:srgbClr val="449276"/>
+                          </a:solidFill>
+                          <a:latin typeface="Cambria Math" panose="02040503050406030204" pitchFamily="18" charset="0"/>
+                        </a:rPr>
+                        <m:t>∈</m:t>
+                      </m:r>
+                    </m:oMath>
+                  </m:oMathPara>
+                </a14:m>
+                <a:endParaRPr lang="en-US" sz="4400" b="0" dirty="0" smtClean="0">
+                  <a:solidFill>
+                    <a:srgbClr val="449276"/>
+                  </a:solidFill>
+                </a:endParaRPr>
+              </a:p>
+            </p:txBody>
+          </p:sp>
+        </mc:Choice>
+        <mc:Fallback>
+          <p:sp>
+            <p:nvSpPr>
+              <p:cNvPr id="17" name="Tekstvak 16"/>
+              <p:cNvSpPr txBox="1">
+                <a:spLocks noRot="1" noChangeAspect="1" noMove="1" noResize="1" noEditPoints="1" noAdjustHandles="1" noChangeArrowheads="1" noChangeShapeType="1" noTextEdit="1"/>
+              </p:cNvSpPr>
+              <p:nvPr/>
+            </p:nvSpPr>
+            <p:spPr>
+              <a:xfrm>
+                <a:off x="7086600" y="3132892"/>
+                <a:ext cx="381000" cy="677108"/>
+              </a:xfrm>
+              <a:prstGeom prst="rect">
+                <a:avLst/>
+              </a:prstGeom>
+              <a:blipFill>
+                <a:blip r:embed="rId9"/>
+                <a:stretch>
+                  <a:fillRect/>
+                </a:stretch>
+              </a:blipFill>
+            </p:spPr>
+            <p:txBody>
+              <a:bodyPr/>
+              <a:lstStyle/>
+              <a:p>
+                <a:r>
+                  <a:rPr lang="en-US">
+                    <a:noFill/>
+                  </a:rPr>
+                  <a:t> </a:t>
+                </a:r>
+              </a:p>
+            </p:txBody>
+          </p:sp>
+        </mc:Fallback>
+      </mc:AlternateContent>
+      <p:pic>
+        <p:nvPicPr>
+          <p:cNvPr id="18" name="Picture 2" descr="Afbeeldingsresultaat voor diamond shape"/>
+          <p:cNvPicPr>
+            <a:picLocks noChangeAspect="1" noChangeArrowheads="1"/>
+          </p:cNvPicPr>
+          <p:nvPr/>
+        </p:nvPicPr>
+        <p:blipFill>
+          <a:blip r:embed="rId5" cstate="print">
+            <a:extLst>
+              <a:ext uri="{28A0092B-C50C-407E-A947-70E740481C1C}">
+                <a14:useLocalDpi xmlns:a14="http://schemas.microsoft.com/office/drawing/2010/main" val="0"/>
+              </a:ext>
+            </a:extLst>
+          </a:blip>
+          <a:srcRect/>
+          <a:stretch>
+            <a:fillRect/>
+          </a:stretch>
+        </p:blipFill>
+        <p:spPr bwMode="auto">
+          <a:xfrm>
+            <a:off x="7467600" y="3209092"/>
+            <a:ext cx="555625" cy="546441"/>
+          </a:xfrm>
+          <a:prstGeom prst="rect">
+            <a:avLst/>
+          </a:prstGeom>
+          <a:noFill/>
+          <a:extLst>
+            <a:ext uri="{909E8E84-426E-40DD-AFC4-6F175D3DCCD1}">
+              <a14:hiddenFill xmlns:a14="http://schemas.microsoft.com/office/drawing/2010/main">
+                <a:solidFill>
+                  <a:srgbClr val="FFFFFF"/>
+                </a:solidFill>
+              </a14:hiddenFill>
+            </a:ext>
+          </a:extLst>
+        </p:spPr>
+      </p:pic>
+      <p:pic>
+        <p:nvPicPr>
+          <p:cNvPr id="2" name="Afbeelding 1"/>
+          <p:cNvPicPr>
+            <a:picLocks noChangeAspect="1"/>
+          </p:cNvPicPr>
+          <p:nvPr/>
+        </p:nvPicPr>
+        <p:blipFill>
+          <a:blip r:embed="rId10"/>
+          <a:stretch>
+            <a:fillRect/>
+          </a:stretch>
+        </p:blipFill>
+        <p:spPr>
+          <a:xfrm>
+            <a:off x="1219200" y="1219200"/>
+            <a:ext cx="304800" cy="262596"/>
+          </a:xfrm>
+          <a:prstGeom prst="rect">
+            <a:avLst/>
+          </a:prstGeom>
+        </p:spPr>
+      </p:pic>
+      <p:pic>
+        <p:nvPicPr>
+          <p:cNvPr id="4" name="Afbeelding 3"/>
+          <p:cNvPicPr>
+            <a:picLocks noChangeAspect="1"/>
+          </p:cNvPicPr>
+          <p:nvPr/>
+        </p:nvPicPr>
+        <p:blipFill>
+          <a:blip r:embed="rId2"/>
+          <a:stretch>
+            <a:fillRect/>
+          </a:stretch>
+        </p:blipFill>
+        <p:spPr>
+          <a:xfrm>
+            <a:off x="4114800" y="2412022"/>
+            <a:ext cx="152400" cy="178777"/>
+          </a:xfrm>
+          <a:prstGeom prst="rect">
+            <a:avLst/>
+          </a:prstGeom>
+        </p:spPr>
+      </p:pic>
+      <p:pic>
+        <p:nvPicPr>
+          <p:cNvPr id="19" name="Afbeelding 18"/>
+          <p:cNvPicPr>
+            <a:picLocks noChangeAspect="1"/>
+          </p:cNvPicPr>
+          <p:nvPr/>
+        </p:nvPicPr>
+        <p:blipFill>
+          <a:blip r:embed="rId2"/>
+          <a:stretch>
+            <a:fillRect/>
+          </a:stretch>
+        </p:blipFill>
+        <p:spPr>
+          <a:xfrm>
+            <a:off x="4114800" y="1143000"/>
+            <a:ext cx="152400" cy="178777"/>
+          </a:xfrm>
+          <a:prstGeom prst="rect">
+            <a:avLst/>
+          </a:prstGeom>
+        </p:spPr>
+      </p:pic>
+    </p:spTree>
+    <p:extLst>
+      <p:ext uri="{BB962C8B-B14F-4D97-AF65-F5344CB8AC3E}">
+        <p14:creationId xmlns:p14="http://schemas.microsoft.com/office/powerpoint/2010/main" val="3488893700"/>
+      </p:ext>
+    </p:extLst>
+  </p:cSld>
+  <p:clrMapOvr>
+    <a:masterClrMapping/>
+  </p:clrMapOvr>
+</p:sld>
+</file>
+
 <file path=ppt/slides/slide3.xml><?xml version="1.0" encoding="utf-8"?>
 <p:sld xmlns:a="http://schemas.openxmlformats.org/drawingml/2006/main" xmlns:r="http://schemas.openxmlformats.org/officeDocument/2006/relationships" xmlns:p="http://schemas.openxmlformats.org/presentationml/2006/main">
   <p:cSld>
@@ -25697,16 +27428,76 @@
                 <a:tableStyleId>{5C22544A-7EE6-4342-B048-85BDC9FD1C3A}</a:tableStyleId>
               </a:tblPr>
               <a:tblGrid>
-                <a:gridCol w="830580"/>
-                <a:gridCol w="830580"/>
-                <a:gridCol w="830580"/>
-                <a:gridCol w="830580"/>
-                <a:gridCol w="830580"/>
-                <a:gridCol w="800100"/>
-                <a:gridCol w="861060"/>
-                <a:gridCol w="830580"/>
-                <a:gridCol w="830580"/>
-                <a:gridCol w="830580"/>
+                <a:gridCol w="830580">
+                  <a:extLst>
+                    <a:ext uri="{9D8B030D-6E8A-4147-A177-3AD203B41FA5}">
+                      <a16:colId xmlns:a16="http://schemas.microsoft.com/office/drawing/2014/main" val="20000"/>
+                    </a:ext>
+                  </a:extLst>
+                </a:gridCol>
+                <a:gridCol w="830580">
+                  <a:extLst>
+                    <a:ext uri="{9D8B030D-6E8A-4147-A177-3AD203B41FA5}">
+                      <a16:colId xmlns:a16="http://schemas.microsoft.com/office/drawing/2014/main" val="20001"/>
+                    </a:ext>
+                  </a:extLst>
+                </a:gridCol>
+                <a:gridCol w="830580">
+                  <a:extLst>
+                    <a:ext uri="{9D8B030D-6E8A-4147-A177-3AD203B41FA5}">
+                      <a16:colId xmlns:a16="http://schemas.microsoft.com/office/drawing/2014/main" val="20002"/>
+                    </a:ext>
+                  </a:extLst>
+                </a:gridCol>
+                <a:gridCol w="830580">
+                  <a:extLst>
+                    <a:ext uri="{9D8B030D-6E8A-4147-A177-3AD203B41FA5}">
+                      <a16:colId xmlns:a16="http://schemas.microsoft.com/office/drawing/2014/main" val="20003"/>
+                    </a:ext>
+                  </a:extLst>
+                </a:gridCol>
+                <a:gridCol w="830580">
+                  <a:extLst>
+                    <a:ext uri="{9D8B030D-6E8A-4147-A177-3AD203B41FA5}">
+                      <a16:colId xmlns:a16="http://schemas.microsoft.com/office/drawing/2014/main" val="20004"/>
+                    </a:ext>
+                  </a:extLst>
+                </a:gridCol>
+                <a:gridCol w="800100">
+                  <a:extLst>
+                    <a:ext uri="{9D8B030D-6E8A-4147-A177-3AD203B41FA5}">
+                      <a16:colId xmlns:a16="http://schemas.microsoft.com/office/drawing/2014/main" val="20005"/>
+                    </a:ext>
+                  </a:extLst>
+                </a:gridCol>
+                <a:gridCol w="861060">
+                  <a:extLst>
+                    <a:ext uri="{9D8B030D-6E8A-4147-A177-3AD203B41FA5}">
+                      <a16:colId xmlns:a16="http://schemas.microsoft.com/office/drawing/2014/main" val="20006"/>
+                    </a:ext>
+                  </a:extLst>
+                </a:gridCol>
+                <a:gridCol w="830580">
+                  <a:extLst>
+                    <a:ext uri="{9D8B030D-6E8A-4147-A177-3AD203B41FA5}">
+                      <a16:colId xmlns:a16="http://schemas.microsoft.com/office/drawing/2014/main" val="20007"/>
+                    </a:ext>
+                  </a:extLst>
+                </a:gridCol>
+                <a:gridCol w="830580">
+                  <a:extLst>
+                    <a:ext uri="{9D8B030D-6E8A-4147-A177-3AD203B41FA5}">
+                      <a16:colId xmlns:a16="http://schemas.microsoft.com/office/drawing/2014/main" val="20008"/>
+                    </a:ext>
+                  </a:extLst>
+                </a:gridCol>
+                <a:gridCol w="830580">
+                  <a:extLst>
+                    <a:ext uri="{9D8B030D-6E8A-4147-A177-3AD203B41FA5}">
+                      <a16:colId xmlns:a16="http://schemas.microsoft.com/office/drawing/2014/main" val="20009"/>
+                    </a:ext>
+                  </a:extLst>
+                </a:gridCol>
               </a:tblGrid>
               <a:tr h="627289">
                 <a:tc>
@@ -25918,6 +27709,11 @@
                     </a:solidFill>
                   </a:tcPr>
                 </a:tc>
+                <a:extLst>
+                  <a:ext uri="{0D108BD9-81ED-4DB2-BD59-A6C34878D82A}">
+                    <a16:rowId xmlns:a16="http://schemas.microsoft.com/office/drawing/2014/main" val="10000"/>
+                  </a:ext>
+                </a:extLst>
               </a:tr>
               <a:tr h="627289">
                 <a:tc>
@@ -26082,6 +27878,11 @@
                     </a:solidFill>
                   </a:tcPr>
                 </a:tc>
+                <a:extLst>
+                  <a:ext uri="{0D108BD9-81ED-4DB2-BD59-A6C34878D82A}">
+                    <a16:rowId xmlns:a16="http://schemas.microsoft.com/office/drawing/2014/main" val="10001"/>
+                  </a:ext>
+                </a:extLst>
               </a:tr>
               <a:tr h="627289">
                 <a:tc>
@@ -26246,6 +28047,11 @@
                     </a:solidFill>
                   </a:tcPr>
                 </a:tc>
+                <a:extLst>
+                  <a:ext uri="{0D108BD9-81ED-4DB2-BD59-A6C34878D82A}">
+                    <a16:rowId xmlns:a16="http://schemas.microsoft.com/office/drawing/2014/main" val="10002"/>
+                  </a:ext>
+                </a:extLst>
               </a:tr>
               <a:tr h="627289">
                 <a:tc>
@@ -26410,6 +28216,11 @@
                     </a:solidFill>
                   </a:tcPr>
                 </a:tc>
+                <a:extLst>
+                  <a:ext uri="{0D108BD9-81ED-4DB2-BD59-A6C34878D82A}">
+                    <a16:rowId xmlns:a16="http://schemas.microsoft.com/office/drawing/2014/main" val="10003"/>
+                  </a:ext>
+                </a:extLst>
               </a:tr>
               <a:tr h="627289">
                 <a:tc>
@@ -26573,6 +28384,11 @@
                     </a:solidFill>
                   </a:tcPr>
                 </a:tc>
+                <a:extLst>
+                  <a:ext uri="{0D108BD9-81ED-4DB2-BD59-A6C34878D82A}">
+                    <a16:rowId xmlns:a16="http://schemas.microsoft.com/office/drawing/2014/main" val="10004"/>
+                  </a:ext>
+                </a:extLst>
               </a:tr>
               <a:tr h="627289">
                 <a:tc>
@@ -26737,6 +28553,11 @@
                     </a:solidFill>
                   </a:tcPr>
                 </a:tc>
+                <a:extLst>
+                  <a:ext uri="{0D108BD9-81ED-4DB2-BD59-A6C34878D82A}">
+                    <a16:rowId xmlns:a16="http://schemas.microsoft.com/office/drawing/2014/main" val="10005"/>
+                  </a:ext>
+                </a:extLst>
               </a:tr>
               <a:tr h="627289">
                 <a:tc>
@@ -26889,6 +28710,11 @@
                     </a:solidFill>
                   </a:tcPr>
                 </a:tc>
+                <a:extLst>
+                  <a:ext uri="{0D108BD9-81ED-4DB2-BD59-A6C34878D82A}">
+                    <a16:rowId xmlns:a16="http://schemas.microsoft.com/office/drawing/2014/main" val="10006"/>
+                  </a:ext>
+                </a:extLst>
               </a:tr>
               <a:tr h="627289">
                 <a:tc>
@@ -27061,6 +28887,11 @@
                     </a:solidFill>
                   </a:tcPr>
                 </a:tc>
+                <a:extLst>
+                  <a:ext uri="{0D108BD9-81ED-4DB2-BD59-A6C34878D82A}">
+                    <a16:rowId xmlns:a16="http://schemas.microsoft.com/office/drawing/2014/main" val="10007"/>
+                  </a:ext>
+                </a:extLst>
               </a:tr>
             </a:tbl>
           </a:graphicData>
@@ -27344,16 +29175,76 @@
                 <a:tableStyleId>{5C22544A-7EE6-4342-B048-85BDC9FD1C3A}</a:tableStyleId>
               </a:tblPr>
               <a:tblGrid>
-                <a:gridCol w="830580"/>
-                <a:gridCol w="830580"/>
-                <a:gridCol w="830580"/>
-                <a:gridCol w="830580"/>
-                <a:gridCol w="830580"/>
-                <a:gridCol w="830580"/>
-                <a:gridCol w="830580"/>
-                <a:gridCol w="830580"/>
-                <a:gridCol w="830580"/>
-                <a:gridCol w="830580"/>
+                <a:gridCol w="830580">
+                  <a:extLst>
+                    <a:ext uri="{9D8B030D-6E8A-4147-A177-3AD203B41FA5}">
+                      <a16:colId xmlns:a16="http://schemas.microsoft.com/office/drawing/2014/main" val="20000"/>
+                    </a:ext>
+                  </a:extLst>
+                </a:gridCol>
+                <a:gridCol w="830580">
+                  <a:extLst>
+                    <a:ext uri="{9D8B030D-6E8A-4147-A177-3AD203B41FA5}">
+                      <a16:colId xmlns:a16="http://schemas.microsoft.com/office/drawing/2014/main" val="20001"/>
+                    </a:ext>
+                  </a:extLst>
+                </a:gridCol>
+                <a:gridCol w="830580">
+                  <a:extLst>
+                    <a:ext uri="{9D8B030D-6E8A-4147-A177-3AD203B41FA5}">
+                      <a16:colId xmlns:a16="http://schemas.microsoft.com/office/drawing/2014/main" val="20002"/>
+                    </a:ext>
+                  </a:extLst>
+                </a:gridCol>
+                <a:gridCol w="830580">
+                  <a:extLst>
+                    <a:ext uri="{9D8B030D-6E8A-4147-A177-3AD203B41FA5}">
+                      <a16:colId xmlns:a16="http://schemas.microsoft.com/office/drawing/2014/main" val="20003"/>
+                    </a:ext>
+                  </a:extLst>
+                </a:gridCol>
+                <a:gridCol w="830580">
+                  <a:extLst>
+                    <a:ext uri="{9D8B030D-6E8A-4147-A177-3AD203B41FA5}">
+                      <a16:colId xmlns:a16="http://schemas.microsoft.com/office/drawing/2014/main" val="20004"/>
+                    </a:ext>
+                  </a:extLst>
+                </a:gridCol>
+                <a:gridCol w="830580">
+                  <a:extLst>
+                    <a:ext uri="{9D8B030D-6E8A-4147-A177-3AD203B41FA5}">
+                      <a16:colId xmlns:a16="http://schemas.microsoft.com/office/drawing/2014/main" val="20005"/>
+                    </a:ext>
+                  </a:extLst>
+                </a:gridCol>
+                <a:gridCol w="830580">
+                  <a:extLst>
+                    <a:ext uri="{9D8B030D-6E8A-4147-A177-3AD203B41FA5}">
+                      <a16:colId xmlns:a16="http://schemas.microsoft.com/office/drawing/2014/main" val="20006"/>
+                    </a:ext>
+                  </a:extLst>
+                </a:gridCol>
+                <a:gridCol w="830580">
+                  <a:extLst>
+                    <a:ext uri="{9D8B030D-6E8A-4147-A177-3AD203B41FA5}">
+                      <a16:colId xmlns:a16="http://schemas.microsoft.com/office/drawing/2014/main" val="20007"/>
+                    </a:ext>
+                  </a:extLst>
+                </a:gridCol>
+                <a:gridCol w="830580">
+                  <a:extLst>
+                    <a:ext uri="{9D8B030D-6E8A-4147-A177-3AD203B41FA5}">
+                      <a16:colId xmlns:a16="http://schemas.microsoft.com/office/drawing/2014/main" val="20008"/>
+                    </a:ext>
+                  </a:extLst>
+                </a:gridCol>
+                <a:gridCol w="830580">
+                  <a:extLst>
+                    <a:ext uri="{9D8B030D-6E8A-4147-A177-3AD203B41FA5}">
+                      <a16:colId xmlns:a16="http://schemas.microsoft.com/office/drawing/2014/main" val="20009"/>
+                    </a:ext>
+                  </a:extLst>
+                </a:gridCol>
               </a:tblGrid>
               <a:tr h="627289">
                 <a:tc>
@@ -27589,6 +29480,11 @@
                     </a:solidFill>
                   </a:tcPr>
                 </a:tc>
+                <a:extLst>
+                  <a:ext uri="{0D108BD9-81ED-4DB2-BD59-A6C34878D82A}">
+                    <a16:rowId xmlns:a16="http://schemas.microsoft.com/office/drawing/2014/main" val="10000"/>
+                  </a:ext>
+                </a:extLst>
               </a:tr>
               <a:tr h="627289">
                 <a:tc>
@@ -27769,6 +29665,11 @@
                     </a:solidFill>
                   </a:tcPr>
                 </a:tc>
+                <a:extLst>
+                  <a:ext uri="{0D108BD9-81ED-4DB2-BD59-A6C34878D82A}">
+                    <a16:rowId xmlns:a16="http://schemas.microsoft.com/office/drawing/2014/main" val="10001"/>
+                  </a:ext>
+                </a:extLst>
               </a:tr>
               <a:tr h="627289">
                 <a:tc>
@@ -27949,6 +29850,11 @@
                     </a:solidFill>
                   </a:tcPr>
                 </a:tc>
+                <a:extLst>
+                  <a:ext uri="{0D108BD9-81ED-4DB2-BD59-A6C34878D82A}">
+                    <a16:rowId xmlns:a16="http://schemas.microsoft.com/office/drawing/2014/main" val="10002"/>
+                  </a:ext>
+                </a:extLst>
               </a:tr>
               <a:tr h="627289">
                 <a:tc>
@@ -28129,6 +30035,11 @@
                     </a:solidFill>
                   </a:tcPr>
                 </a:tc>
+                <a:extLst>
+                  <a:ext uri="{0D108BD9-81ED-4DB2-BD59-A6C34878D82A}">
+                    <a16:rowId xmlns:a16="http://schemas.microsoft.com/office/drawing/2014/main" val="10003"/>
+                  </a:ext>
+                </a:extLst>
               </a:tr>
               <a:tr h="627289">
                 <a:tc>
@@ -28309,6 +30220,11 @@
                     </a:solidFill>
                   </a:tcPr>
                 </a:tc>
+                <a:extLst>
+                  <a:ext uri="{0D108BD9-81ED-4DB2-BD59-A6C34878D82A}">
+                    <a16:rowId xmlns:a16="http://schemas.microsoft.com/office/drawing/2014/main" val="10004"/>
+                  </a:ext>
+                </a:extLst>
               </a:tr>
               <a:tr h="627289">
                 <a:tc>
@@ -28489,6 +30405,11 @@
                     </a:solidFill>
                   </a:tcPr>
                 </a:tc>
+                <a:extLst>
+                  <a:ext uri="{0D108BD9-81ED-4DB2-BD59-A6C34878D82A}">
+                    <a16:rowId xmlns:a16="http://schemas.microsoft.com/office/drawing/2014/main" val="10005"/>
+                  </a:ext>
+                </a:extLst>
               </a:tr>
               <a:tr h="627289">
                 <a:tc>
@@ -28641,6 +30562,11 @@
                     </a:solidFill>
                   </a:tcPr>
                 </a:tc>
+                <a:extLst>
+                  <a:ext uri="{0D108BD9-81ED-4DB2-BD59-A6C34878D82A}">
+                    <a16:rowId xmlns:a16="http://schemas.microsoft.com/office/drawing/2014/main" val="10006"/>
+                  </a:ext>
+                </a:extLst>
               </a:tr>
               <a:tr h="627289">
                 <a:tc>
@@ -28821,6 +30747,11 @@
                     </a:solidFill>
                   </a:tcPr>
                 </a:tc>
+                <a:extLst>
+                  <a:ext uri="{0D108BD9-81ED-4DB2-BD59-A6C34878D82A}">
+                    <a16:rowId xmlns:a16="http://schemas.microsoft.com/office/drawing/2014/main" val="10007"/>
+                  </a:ext>
+                </a:extLst>
               </a:tr>
             </a:tbl>
           </a:graphicData>
@@ -29479,16 +31410,76 @@
                 <a:tableStyleId>{5C22544A-7EE6-4342-B048-85BDC9FD1C3A}</a:tableStyleId>
               </a:tblPr>
               <a:tblGrid>
-                <a:gridCol w="830580"/>
-                <a:gridCol w="830580"/>
-                <a:gridCol w="830580"/>
-                <a:gridCol w="830580"/>
-                <a:gridCol w="830580"/>
-                <a:gridCol w="830580"/>
-                <a:gridCol w="830580"/>
-                <a:gridCol w="830580"/>
-                <a:gridCol w="830580"/>
-                <a:gridCol w="830580"/>
+                <a:gridCol w="830580">
+                  <a:extLst>
+                    <a:ext uri="{9D8B030D-6E8A-4147-A177-3AD203B41FA5}">
+                      <a16:colId xmlns:a16="http://schemas.microsoft.com/office/drawing/2014/main" val="20000"/>
+                    </a:ext>
+                  </a:extLst>
+                </a:gridCol>
+                <a:gridCol w="830580">
+                  <a:extLst>
+                    <a:ext uri="{9D8B030D-6E8A-4147-A177-3AD203B41FA5}">
+                      <a16:colId xmlns:a16="http://schemas.microsoft.com/office/drawing/2014/main" val="20001"/>
+                    </a:ext>
+                  </a:extLst>
+                </a:gridCol>
+                <a:gridCol w="830580">
+                  <a:extLst>
+                    <a:ext uri="{9D8B030D-6E8A-4147-A177-3AD203B41FA5}">
+                      <a16:colId xmlns:a16="http://schemas.microsoft.com/office/drawing/2014/main" val="20002"/>
+                    </a:ext>
+                  </a:extLst>
+                </a:gridCol>
+                <a:gridCol w="830580">
+                  <a:extLst>
+                    <a:ext uri="{9D8B030D-6E8A-4147-A177-3AD203B41FA5}">
+                      <a16:colId xmlns:a16="http://schemas.microsoft.com/office/drawing/2014/main" val="20003"/>
+                    </a:ext>
+                  </a:extLst>
+                </a:gridCol>
+                <a:gridCol w="830580">
+                  <a:extLst>
+                    <a:ext uri="{9D8B030D-6E8A-4147-A177-3AD203B41FA5}">
+                      <a16:colId xmlns:a16="http://schemas.microsoft.com/office/drawing/2014/main" val="20004"/>
+                    </a:ext>
+                  </a:extLst>
+                </a:gridCol>
+                <a:gridCol w="830580">
+                  <a:extLst>
+                    <a:ext uri="{9D8B030D-6E8A-4147-A177-3AD203B41FA5}">
+                      <a16:colId xmlns:a16="http://schemas.microsoft.com/office/drawing/2014/main" val="20005"/>
+                    </a:ext>
+                  </a:extLst>
+                </a:gridCol>
+                <a:gridCol w="830580">
+                  <a:extLst>
+                    <a:ext uri="{9D8B030D-6E8A-4147-A177-3AD203B41FA5}">
+                      <a16:colId xmlns:a16="http://schemas.microsoft.com/office/drawing/2014/main" val="20006"/>
+                    </a:ext>
+                  </a:extLst>
+                </a:gridCol>
+                <a:gridCol w="830580">
+                  <a:extLst>
+                    <a:ext uri="{9D8B030D-6E8A-4147-A177-3AD203B41FA5}">
+                      <a16:colId xmlns:a16="http://schemas.microsoft.com/office/drawing/2014/main" val="20007"/>
+                    </a:ext>
+                  </a:extLst>
+                </a:gridCol>
+                <a:gridCol w="830580">
+                  <a:extLst>
+                    <a:ext uri="{9D8B030D-6E8A-4147-A177-3AD203B41FA5}">
+                      <a16:colId xmlns:a16="http://schemas.microsoft.com/office/drawing/2014/main" val="20008"/>
+                    </a:ext>
+                  </a:extLst>
+                </a:gridCol>
+                <a:gridCol w="830580">
+                  <a:extLst>
+                    <a:ext uri="{9D8B030D-6E8A-4147-A177-3AD203B41FA5}">
+                      <a16:colId xmlns:a16="http://schemas.microsoft.com/office/drawing/2014/main" val="20009"/>
+                    </a:ext>
+                  </a:extLst>
+                </a:gridCol>
               </a:tblGrid>
               <a:tr h="627289">
                 <a:tc>
@@ -29676,6 +31667,11 @@
                     </a:solidFill>
                   </a:tcPr>
                 </a:tc>
+                <a:extLst>
+                  <a:ext uri="{0D108BD9-81ED-4DB2-BD59-A6C34878D82A}">
+                    <a16:rowId xmlns:a16="http://schemas.microsoft.com/office/drawing/2014/main" val="10000"/>
+                  </a:ext>
+                </a:extLst>
               </a:tr>
               <a:tr h="627289">
                 <a:tc>
@@ -29860,6 +31856,11 @@
                     </a:solidFill>
                   </a:tcPr>
                 </a:tc>
+                <a:extLst>
+                  <a:ext uri="{0D108BD9-81ED-4DB2-BD59-A6C34878D82A}">
+                    <a16:rowId xmlns:a16="http://schemas.microsoft.com/office/drawing/2014/main" val="10001"/>
+                  </a:ext>
+                </a:extLst>
               </a:tr>
               <a:tr h="627289">
                 <a:tc>
@@ -30044,6 +32045,11 @@
                     </a:solidFill>
                   </a:tcPr>
                 </a:tc>
+                <a:extLst>
+                  <a:ext uri="{0D108BD9-81ED-4DB2-BD59-A6C34878D82A}">
+                    <a16:rowId xmlns:a16="http://schemas.microsoft.com/office/drawing/2014/main" val="10002"/>
+                  </a:ext>
+                </a:extLst>
               </a:tr>
               <a:tr h="627289">
                 <a:tc>
@@ -30228,6 +32234,11 @@
                     </a:solidFill>
                   </a:tcPr>
                 </a:tc>
+                <a:extLst>
+                  <a:ext uri="{0D108BD9-81ED-4DB2-BD59-A6C34878D82A}">
+                    <a16:rowId xmlns:a16="http://schemas.microsoft.com/office/drawing/2014/main" val="10003"/>
+                  </a:ext>
+                </a:extLst>
               </a:tr>
               <a:tr h="627289">
                 <a:tc>
@@ -30412,6 +32423,11 @@
                     </a:solidFill>
                   </a:tcPr>
                 </a:tc>
+                <a:extLst>
+                  <a:ext uri="{0D108BD9-81ED-4DB2-BD59-A6C34878D82A}">
+                    <a16:rowId xmlns:a16="http://schemas.microsoft.com/office/drawing/2014/main" val="10004"/>
+                  </a:ext>
+                </a:extLst>
               </a:tr>
               <a:tr h="627289">
                 <a:tc>
@@ -30599,6 +32615,11 @@
                     </a:solidFill>
                   </a:tcPr>
                 </a:tc>
+                <a:extLst>
+                  <a:ext uri="{0D108BD9-81ED-4DB2-BD59-A6C34878D82A}">
+                    <a16:rowId xmlns:a16="http://schemas.microsoft.com/office/drawing/2014/main" val="10005"/>
+                  </a:ext>
+                </a:extLst>
               </a:tr>
               <a:tr h="627289">
                 <a:tc>
@@ -30751,6 +32772,11 @@
                     </a:solidFill>
                   </a:tcPr>
                 </a:tc>
+                <a:extLst>
+                  <a:ext uri="{0D108BD9-81ED-4DB2-BD59-A6C34878D82A}">
+                    <a16:rowId xmlns:a16="http://schemas.microsoft.com/office/drawing/2014/main" val="10006"/>
+                  </a:ext>
+                </a:extLst>
               </a:tr>
               <a:tr h="627289">
                 <a:tc>
@@ -30935,6 +32961,11 @@
                     </a:solidFill>
                   </a:tcPr>
                 </a:tc>
+                <a:extLst>
+                  <a:ext uri="{0D108BD9-81ED-4DB2-BD59-A6C34878D82A}">
+                    <a16:rowId xmlns:a16="http://schemas.microsoft.com/office/drawing/2014/main" val="10007"/>
+                  </a:ext>
+                </a:extLst>
               </a:tr>
             </a:tbl>
           </a:graphicData>
@@ -31024,16 +33055,76 @@
                 <a:tableStyleId>{5C22544A-7EE6-4342-B048-85BDC9FD1C3A}</a:tableStyleId>
               </a:tblPr>
               <a:tblGrid>
-                <a:gridCol w="830580"/>
-                <a:gridCol w="830580"/>
-                <a:gridCol w="830580"/>
-                <a:gridCol w="830580"/>
-                <a:gridCol w="830580"/>
-                <a:gridCol w="800100"/>
-                <a:gridCol w="861060"/>
-                <a:gridCol w="830580"/>
-                <a:gridCol w="830580"/>
-                <a:gridCol w="830580"/>
+                <a:gridCol w="830580">
+                  <a:extLst>
+                    <a:ext uri="{9D8B030D-6E8A-4147-A177-3AD203B41FA5}">
+                      <a16:colId xmlns:a16="http://schemas.microsoft.com/office/drawing/2014/main" val="20000"/>
+                    </a:ext>
+                  </a:extLst>
+                </a:gridCol>
+                <a:gridCol w="830580">
+                  <a:extLst>
+                    <a:ext uri="{9D8B030D-6E8A-4147-A177-3AD203B41FA5}">
+                      <a16:colId xmlns:a16="http://schemas.microsoft.com/office/drawing/2014/main" val="20001"/>
+                    </a:ext>
+                  </a:extLst>
+                </a:gridCol>
+                <a:gridCol w="830580">
+                  <a:extLst>
+                    <a:ext uri="{9D8B030D-6E8A-4147-A177-3AD203B41FA5}">
+                      <a16:colId xmlns:a16="http://schemas.microsoft.com/office/drawing/2014/main" val="20002"/>
+                    </a:ext>
+                  </a:extLst>
+                </a:gridCol>
+                <a:gridCol w="830580">
+                  <a:extLst>
+                    <a:ext uri="{9D8B030D-6E8A-4147-A177-3AD203B41FA5}">
+                      <a16:colId xmlns:a16="http://schemas.microsoft.com/office/drawing/2014/main" val="20003"/>
+                    </a:ext>
+                  </a:extLst>
+                </a:gridCol>
+                <a:gridCol w="830580">
+                  <a:extLst>
+                    <a:ext uri="{9D8B030D-6E8A-4147-A177-3AD203B41FA5}">
+                      <a16:colId xmlns:a16="http://schemas.microsoft.com/office/drawing/2014/main" val="20004"/>
+                    </a:ext>
+                  </a:extLst>
+                </a:gridCol>
+                <a:gridCol w="800100">
+                  <a:extLst>
+                    <a:ext uri="{9D8B030D-6E8A-4147-A177-3AD203B41FA5}">
+                      <a16:colId xmlns:a16="http://schemas.microsoft.com/office/drawing/2014/main" val="20005"/>
+                    </a:ext>
+                  </a:extLst>
+                </a:gridCol>
+                <a:gridCol w="861060">
+                  <a:extLst>
+                    <a:ext uri="{9D8B030D-6E8A-4147-A177-3AD203B41FA5}">
+                      <a16:colId xmlns:a16="http://schemas.microsoft.com/office/drawing/2014/main" val="20006"/>
+                    </a:ext>
+                  </a:extLst>
+                </a:gridCol>
+                <a:gridCol w="830580">
+                  <a:extLst>
+                    <a:ext uri="{9D8B030D-6E8A-4147-A177-3AD203B41FA5}">
+                      <a16:colId xmlns:a16="http://schemas.microsoft.com/office/drawing/2014/main" val="20007"/>
+                    </a:ext>
+                  </a:extLst>
+                </a:gridCol>
+                <a:gridCol w="830580">
+                  <a:extLst>
+                    <a:ext uri="{9D8B030D-6E8A-4147-A177-3AD203B41FA5}">
+                      <a16:colId xmlns:a16="http://schemas.microsoft.com/office/drawing/2014/main" val="20008"/>
+                    </a:ext>
+                  </a:extLst>
+                </a:gridCol>
+                <a:gridCol w="830580">
+                  <a:extLst>
+                    <a:ext uri="{9D8B030D-6E8A-4147-A177-3AD203B41FA5}">
+                      <a16:colId xmlns:a16="http://schemas.microsoft.com/office/drawing/2014/main" val="20009"/>
+                    </a:ext>
+                  </a:extLst>
+                </a:gridCol>
               </a:tblGrid>
               <a:tr h="627289">
                 <a:tc>
@@ -31245,6 +33336,11 @@
                     </a:solidFill>
                   </a:tcPr>
                 </a:tc>
+                <a:extLst>
+                  <a:ext uri="{0D108BD9-81ED-4DB2-BD59-A6C34878D82A}">
+                    <a16:rowId xmlns:a16="http://schemas.microsoft.com/office/drawing/2014/main" val="10000"/>
+                  </a:ext>
+                </a:extLst>
               </a:tr>
               <a:tr h="627289">
                 <a:tc>
@@ -31456,6 +33552,11 @@
                     </a:solidFill>
                   </a:tcPr>
                 </a:tc>
+                <a:extLst>
+                  <a:ext uri="{0D108BD9-81ED-4DB2-BD59-A6C34878D82A}">
+                    <a16:rowId xmlns:a16="http://schemas.microsoft.com/office/drawing/2014/main" val="10001"/>
+                  </a:ext>
+                </a:extLst>
               </a:tr>
               <a:tr h="627289">
                 <a:tc>
@@ -31620,6 +33721,11 @@
                     </a:solidFill>
                   </a:tcPr>
                 </a:tc>
+                <a:extLst>
+                  <a:ext uri="{0D108BD9-81ED-4DB2-BD59-A6C34878D82A}">
+                    <a16:rowId xmlns:a16="http://schemas.microsoft.com/office/drawing/2014/main" val="10002"/>
+                  </a:ext>
+                </a:extLst>
               </a:tr>
               <a:tr h="627289">
                 <a:tc>
@@ -31784,6 +33890,11 @@
                     </a:solidFill>
                   </a:tcPr>
                 </a:tc>
+                <a:extLst>
+                  <a:ext uri="{0D108BD9-81ED-4DB2-BD59-A6C34878D82A}">
+                    <a16:rowId xmlns:a16="http://schemas.microsoft.com/office/drawing/2014/main" val="10003"/>
+                  </a:ext>
+                </a:extLst>
               </a:tr>
               <a:tr h="627289">
                 <a:tc>
@@ -31948,6 +34059,11 @@
                     </a:solidFill>
                   </a:tcPr>
                 </a:tc>
+                <a:extLst>
+                  <a:ext uri="{0D108BD9-81ED-4DB2-BD59-A6C34878D82A}">
+                    <a16:rowId xmlns:a16="http://schemas.microsoft.com/office/drawing/2014/main" val="10004"/>
+                  </a:ext>
+                </a:extLst>
               </a:tr>
               <a:tr h="627289">
                 <a:tc>
@@ -32111,6 +34227,11 @@
                     </a:solidFill>
                   </a:tcPr>
                 </a:tc>
+                <a:extLst>
+                  <a:ext uri="{0D108BD9-81ED-4DB2-BD59-A6C34878D82A}">
+                    <a16:rowId xmlns:a16="http://schemas.microsoft.com/office/drawing/2014/main" val="10005"/>
+                  </a:ext>
+                </a:extLst>
               </a:tr>
               <a:tr h="627289">
                 <a:tc>
@@ -32275,6 +34396,11 @@
                     </a:solidFill>
                   </a:tcPr>
                 </a:tc>
+                <a:extLst>
+                  <a:ext uri="{0D108BD9-81ED-4DB2-BD59-A6C34878D82A}">
+                    <a16:rowId xmlns:a16="http://schemas.microsoft.com/office/drawing/2014/main" val="10006"/>
+                  </a:ext>
+                </a:extLst>
               </a:tr>
               <a:tr h="627289">
                 <a:tc>
@@ -32427,6 +34553,11 @@
                     </a:solidFill>
                   </a:tcPr>
                 </a:tc>
+                <a:extLst>
+                  <a:ext uri="{0D108BD9-81ED-4DB2-BD59-A6C34878D82A}">
+                    <a16:rowId xmlns:a16="http://schemas.microsoft.com/office/drawing/2014/main" val="10007"/>
+                  </a:ext>
+                </a:extLst>
               </a:tr>
               <a:tr h="627289">
                 <a:tc>
@@ -32599,6 +34730,11 @@
                     </a:solidFill>
                   </a:tcPr>
                 </a:tc>
+                <a:extLst>
+                  <a:ext uri="{0D108BD9-81ED-4DB2-BD59-A6C34878D82A}">
+                    <a16:rowId xmlns:a16="http://schemas.microsoft.com/office/drawing/2014/main" val="10008"/>
+                  </a:ext>
+                </a:extLst>
               </a:tr>
             </a:tbl>
           </a:graphicData>
@@ -32882,16 +35018,76 @@
                 <a:tableStyleId>{5C22544A-7EE6-4342-B048-85BDC9FD1C3A}</a:tableStyleId>
               </a:tblPr>
               <a:tblGrid>
-                <a:gridCol w="830580"/>
-                <a:gridCol w="830580"/>
-                <a:gridCol w="830580"/>
-                <a:gridCol w="830580"/>
-                <a:gridCol w="830580"/>
-                <a:gridCol w="830580"/>
-                <a:gridCol w="830580"/>
-                <a:gridCol w="830580"/>
-                <a:gridCol w="830580"/>
-                <a:gridCol w="830580"/>
+                <a:gridCol w="830580">
+                  <a:extLst>
+                    <a:ext uri="{9D8B030D-6E8A-4147-A177-3AD203B41FA5}">
+                      <a16:colId xmlns:a16="http://schemas.microsoft.com/office/drawing/2014/main" val="20000"/>
+                    </a:ext>
+                  </a:extLst>
+                </a:gridCol>
+                <a:gridCol w="830580">
+                  <a:extLst>
+                    <a:ext uri="{9D8B030D-6E8A-4147-A177-3AD203B41FA5}">
+                      <a16:colId xmlns:a16="http://schemas.microsoft.com/office/drawing/2014/main" val="20001"/>
+                    </a:ext>
+                  </a:extLst>
+                </a:gridCol>
+                <a:gridCol w="830580">
+                  <a:extLst>
+                    <a:ext uri="{9D8B030D-6E8A-4147-A177-3AD203B41FA5}">
+                      <a16:colId xmlns:a16="http://schemas.microsoft.com/office/drawing/2014/main" val="20002"/>
+                    </a:ext>
+                  </a:extLst>
+                </a:gridCol>
+                <a:gridCol w="830580">
+                  <a:extLst>
+                    <a:ext uri="{9D8B030D-6E8A-4147-A177-3AD203B41FA5}">
+                      <a16:colId xmlns:a16="http://schemas.microsoft.com/office/drawing/2014/main" val="20003"/>
+                    </a:ext>
+                  </a:extLst>
+                </a:gridCol>
+                <a:gridCol w="830580">
+                  <a:extLst>
+                    <a:ext uri="{9D8B030D-6E8A-4147-A177-3AD203B41FA5}">
+                      <a16:colId xmlns:a16="http://schemas.microsoft.com/office/drawing/2014/main" val="20004"/>
+                    </a:ext>
+                  </a:extLst>
+                </a:gridCol>
+                <a:gridCol w="830580">
+                  <a:extLst>
+                    <a:ext uri="{9D8B030D-6E8A-4147-A177-3AD203B41FA5}">
+                      <a16:colId xmlns:a16="http://schemas.microsoft.com/office/drawing/2014/main" val="20005"/>
+                    </a:ext>
+                  </a:extLst>
+                </a:gridCol>
+                <a:gridCol w="830580">
+                  <a:extLst>
+                    <a:ext uri="{9D8B030D-6E8A-4147-A177-3AD203B41FA5}">
+                      <a16:colId xmlns:a16="http://schemas.microsoft.com/office/drawing/2014/main" val="20006"/>
+                    </a:ext>
+                  </a:extLst>
+                </a:gridCol>
+                <a:gridCol w="830580">
+                  <a:extLst>
+                    <a:ext uri="{9D8B030D-6E8A-4147-A177-3AD203B41FA5}">
+                      <a16:colId xmlns:a16="http://schemas.microsoft.com/office/drawing/2014/main" val="20007"/>
+                    </a:ext>
+                  </a:extLst>
+                </a:gridCol>
+                <a:gridCol w="830580">
+                  <a:extLst>
+                    <a:ext uri="{9D8B030D-6E8A-4147-A177-3AD203B41FA5}">
+                      <a16:colId xmlns:a16="http://schemas.microsoft.com/office/drawing/2014/main" val="20008"/>
+                    </a:ext>
+                  </a:extLst>
+                </a:gridCol>
+                <a:gridCol w="830580">
+                  <a:extLst>
+                    <a:ext uri="{9D8B030D-6E8A-4147-A177-3AD203B41FA5}">
+                      <a16:colId xmlns:a16="http://schemas.microsoft.com/office/drawing/2014/main" val="20009"/>
+                    </a:ext>
+                  </a:extLst>
+                </a:gridCol>
               </a:tblGrid>
               <a:tr h="627289">
                 <a:tc>
@@ -33135,6 +35331,11 @@
                     </a:solidFill>
                   </a:tcPr>
                 </a:tc>
+                <a:extLst>
+                  <a:ext uri="{0D108BD9-81ED-4DB2-BD59-A6C34878D82A}">
+                    <a16:rowId xmlns:a16="http://schemas.microsoft.com/office/drawing/2014/main" val="10000"/>
+                  </a:ext>
+                </a:extLst>
               </a:tr>
               <a:tr h="627289">
                 <a:tc>
@@ -33319,6 +35520,11 @@
                     </a:solidFill>
                   </a:tcPr>
                 </a:tc>
+                <a:extLst>
+                  <a:ext uri="{0D108BD9-81ED-4DB2-BD59-A6C34878D82A}">
+                    <a16:rowId xmlns:a16="http://schemas.microsoft.com/office/drawing/2014/main" val="10001"/>
+                  </a:ext>
+                </a:extLst>
               </a:tr>
               <a:tr h="627289">
                 <a:tc>
@@ -33503,6 +35709,11 @@
                     </a:solidFill>
                   </a:tcPr>
                 </a:tc>
+                <a:extLst>
+                  <a:ext uri="{0D108BD9-81ED-4DB2-BD59-A6C34878D82A}">
+                    <a16:rowId xmlns:a16="http://schemas.microsoft.com/office/drawing/2014/main" val="10002"/>
+                  </a:ext>
+                </a:extLst>
               </a:tr>
               <a:tr h="627289">
                 <a:tc>
@@ -33687,6 +35898,11 @@
                     </a:solidFill>
                   </a:tcPr>
                 </a:tc>
+                <a:extLst>
+                  <a:ext uri="{0D108BD9-81ED-4DB2-BD59-A6C34878D82A}">
+                    <a16:rowId xmlns:a16="http://schemas.microsoft.com/office/drawing/2014/main" val="10003"/>
+                  </a:ext>
+                </a:extLst>
               </a:tr>
               <a:tr h="627289">
                 <a:tc>
@@ -33871,6 +36087,11 @@
                     </a:solidFill>
                   </a:tcPr>
                 </a:tc>
+                <a:extLst>
+                  <a:ext uri="{0D108BD9-81ED-4DB2-BD59-A6C34878D82A}">
+                    <a16:rowId xmlns:a16="http://schemas.microsoft.com/office/drawing/2014/main" val="10004"/>
+                  </a:ext>
+                </a:extLst>
               </a:tr>
               <a:tr h="627289">
                 <a:tc>
@@ -34055,6 +36276,11 @@
                     </a:solidFill>
                   </a:tcPr>
                 </a:tc>
+                <a:extLst>
+                  <a:ext uri="{0D108BD9-81ED-4DB2-BD59-A6C34878D82A}">
+                    <a16:rowId xmlns:a16="http://schemas.microsoft.com/office/drawing/2014/main" val="10005"/>
+                  </a:ext>
+                </a:extLst>
               </a:tr>
               <a:tr h="627289">
                 <a:tc>
@@ -34207,6 +36433,11 @@
                     </a:solidFill>
                   </a:tcPr>
                 </a:tc>
+                <a:extLst>
+                  <a:ext uri="{0D108BD9-81ED-4DB2-BD59-A6C34878D82A}">
+                    <a16:rowId xmlns:a16="http://schemas.microsoft.com/office/drawing/2014/main" val="10006"/>
+                  </a:ext>
+                </a:extLst>
               </a:tr>
               <a:tr h="627289">
                 <a:tc>
@@ -34394,6 +36625,11 @@
                     </a:solidFill>
                   </a:tcPr>
                 </a:tc>
+                <a:extLst>
+                  <a:ext uri="{0D108BD9-81ED-4DB2-BD59-A6C34878D82A}">
+                    <a16:rowId xmlns:a16="http://schemas.microsoft.com/office/drawing/2014/main" val="10007"/>
+                  </a:ext>
+                </a:extLst>
               </a:tr>
             </a:tbl>
           </a:graphicData>
@@ -35097,16 +37333,76 @@
                 <a:tableStyleId>{5C22544A-7EE6-4342-B048-85BDC9FD1C3A}</a:tableStyleId>
               </a:tblPr>
               <a:tblGrid>
-                <a:gridCol w="830580"/>
-                <a:gridCol w="830580"/>
-                <a:gridCol w="830580"/>
-                <a:gridCol w="830580"/>
-                <a:gridCol w="830580"/>
-                <a:gridCol w="830580"/>
-                <a:gridCol w="830580"/>
-                <a:gridCol w="830580"/>
-                <a:gridCol w="830580"/>
-                <a:gridCol w="830580"/>
+                <a:gridCol w="830580">
+                  <a:extLst>
+                    <a:ext uri="{9D8B030D-6E8A-4147-A177-3AD203B41FA5}">
+                      <a16:colId xmlns:a16="http://schemas.microsoft.com/office/drawing/2014/main" val="20000"/>
+                    </a:ext>
+                  </a:extLst>
+                </a:gridCol>
+                <a:gridCol w="830580">
+                  <a:extLst>
+                    <a:ext uri="{9D8B030D-6E8A-4147-A177-3AD203B41FA5}">
+                      <a16:colId xmlns:a16="http://schemas.microsoft.com/office/drawing/2014/main" val="20001"/>
+                    </a:ext>
+                  </a:extLst>
+                </a:gridCol>
+                <a:gridCol w="830580">
+                  <a:extLst>
+                    <a:ext uri="{9D8B030D-6E8A-4147-A177-3AD203B41FA5}">
+                      <a16:colId xmlns:a16="http://schemas.microsoft.com/office/drawing/2014/main" val="20002"/>
+                    </a:ext>
+                  </a:extLst>
+                </a:gridCol>
+                <a:gridCol w="830580">
+                  <a:extLst>
+                    <a:ext uri="{9D8B030D-6E8A-4147-A177-3AD203B41FA5}">
+                      <a16:colId xmlns:a16="http://schemas.microsoft.com/office/drawing/2014/main" val="20003"/>
+                    </a:ext>
+                  </a:extLst>
+                </a:gridCol>
+                <a:gridCol w="830580">
+                  <a:extLst>
+                    <a:ext uri="{9D8B030D-6E8A-4147-A177-3AD203B41FA5}">
+                      <a16:colId xmlns:a16="http://schemas.microsoft.com/office/drawing/2014/main" val="20004"/>
+                    </a:ext>
+                  </a:extLst>
+                </a:gridCol>
+                <a:gridCol w="830580">
+                  <a:extLst>
+                    <a:ext uri="{9D8B030D-6E8A-4147-A177-3AD203B41FA5}">
+                      <a16:colId xmlns:a16="http://schemas.microsoft.com/office/drawing/2014/main" val="20005"/>
+                    </a:ext>
+                  </a:extLst>
+                </a:gridCol>
+                <a:gridCol w="830580">
+                  <a:extLst>
+                    <a:ext uri="{9D8B030D-6E8A-4147-A177-3AD203B41FA5}">
+                      <a16:colId xmlns:a16="http://schemas.microsoft.com/office/drawing/2014/main" val="20006"/>
+                    </a:ext>
+                  </a:extLst>
+                </a:gridCol>
+                <a:gridCol w="830580">
+                  <a:extLst>
+                    <a:ext uri="{9D8B030D-6E8A-4147-A177-3AD203B41FA5}">
+                      <a16:colId xmlns:a16="http://schemas.microsoft.com/office/drawing/2014/main" val="20007"/>
+                    </a:ext>
+                  </a:extLst>
+                </a:gridCol>
+                <a:gridCol w="830580">
+                  <a:extLst>
+                    <a:ext uri="{9D8B030D-6E8A-4147-A177-3AD203B41FA5}">
+                      <a16:colId xmlns:a16="http://schemas.microsoft.com/office/drawing/2014/main" val="20008"/>
+                    </a:ext>
+                  </a:extLst>
+                </a:gridCol>
+                <a:gridCol w="830580">
+                  <a:extLst>
+                    <a:ext uri="{9D8B030D-6E8A-4147-A177-3AD203B41FA5}">
+                      <a16:colId xmlns:a16="http://schemas.microsoft.com/office/drawing/2014/main" val="20009"/>
+                    </a:ext>
+                  </a:extLst>
+                </a:gridCol>
               </a:tblGrid>
               <a:tr h="627289">
                 <a:tc>
@@ -35350,6 +37646,11 @@
                     </a:solidFill>
                   </a:tcPr>
                 </a:tc>
+                <a:extLst>
+                  <a:ext uri="{0D108BD9-81ED-4DB2-BD59-A6C34878D82A}">
+                    <a16:rowId xmlns:a16="http://schemas.microsoft.com/office/drawing/2014/main" val="10000"/>
+                  </a:ext>
+                </a:extLst>
               </a:tr>
               <a:tr h="627289">
                 <a:tc>
@@ -35536,6 +37837,11 @@
                     </a:solidFill>
                   </a:tcPr>
                 </a:tc>
+                <a:extLst>
+                  <a:ext uri="{0D108BD9-81ED-4DB2-BD59-A6C34878D82A}">
+                    <a16:rowId xmlns:a16="http://schemas.microsoft.com/office/drawing/2014/main" val="10001"/>
+                  </a:ext>
+                </a:extLst>
               </a:tr>
               <a:tr h="627289">
                 <a:tc>
@@ -35722,6 +38028,11 @@
                     </a:solidFill>
                   </a:tcPr>
                 </a:tc>
+                <a:extLst>
+                  <a:ext uri="{0D108BD9-81ED-4DB2-BD59-A6C34878D82A}">
+                    <a16:rowId xmlns:a16="http://schemas.microsoft.com/office/drawing/2014/main" val="10002"/>
+                  </a:ext>
+                </a:extLst>
               </a:tr>
               <a:tr h="627289">
                 <a:tc>
@@ -35908,6 +38219,11 @@
                     </a:solidFill>
                   </a:tcPr>
                 </a:tc>
+                <a:extLst>
+                  <a:ext uri="{0D108BD9-81ED-4DB2-BD59-A6C34878D82A}">
+                    <a16:rowId xmlns:a16="http://schemas.microsoft.com/office/drawing/2014/main" val="10003"/>
+                  </a:ext>
+                </a:extLst>
               </a:tr>
               <a:tr h="627289">
                 <a:tc>
@@ -36094,6 +38410,11 @@
                     </a:solidFill>
                   </a:tcPr>
                 </a:tc>
+                <a:extLst>
+                  <a:ext uri="{0D108BD9-81ED-4DB2-BD59-A6C34878D82A}">
+                    <a16:rowId xmlns:a16="http://schemas.microsoft.com/office/drawing/2014/main" val="10004"/>
+                  </a:ext>
+                </a:extLst>
               </a:tr>
               <a:tr h="627289">
                 <a:tc>
@@ -36280,6 +38601,11 @@
                     </a:solidFill>
                   </a:tcPr>
                 </a:tc>
+                <a:extLst>
+                  <a:ext uri="{0D108BD9-81ED-4DB2-BD59-A6C34878D82A}">
+                    <a16:rowId xmlns:a16="http://schemas.microsoft.com/office/drawing/2014/main" val="10005"/>
+                  </a:ext>
+                </a:extLst>
               </a:tr>
               <a:tr h="627289">
                 <a:tc>
@@ -36432,6 +38758,11 @@
                     </a:solidFill>
                   </a:tcPr>
                 </a:tc>
+                <a:extLst>
+                  <a:ext uri="{0D108BD9-81ED-4DB2-BD59-A6C34878D82A}">
+                    <a16:rowId xmlns:a16="http://schemas.microsoft.com/office/drawing/2014/main" val="10006"/>
+                  </a:ext>
+                </a:extLst>
               </a:tr>
               <a:tr h="627289">
                 <a:tc>
@@ -36631,6 +38962,11 @@
                     </a:solidFill>
                   </a:tcPr>
                 </a:tc>
+                <a:extLst>
+                  <a:ext uri="{0D108BD9-81ED-4DB2-BD59-A6C34878D82A}">
+                    <a16:rowId xmlns:a16="http://schemas.microsoft.com/office/drawing/2014/main" val="10007"/>
+                  </a:ext>
+                </a:extLst>
               </a:tr>
             </a:tbl>
           </a:graphicData>
@@ -37239,16 +39575,76 @@
                 <a:tableStyleId>{5C22544A-7EE6-4342-B048-85BDC9FD1C3A}</a:tableStyleId>
               </a:tblPr>
               <a:tblGrid>
-                <a:gridCol w="830580"/>
-                <a:gridCol w="830580"/>
-                <a:gridCol w="830580"/>
-                <a:gridCol w="830580"/>
-                <a:gridCol w="830580"/>
-                <a:gridCol w="830580"/>
-                <a:gridCol w="830580"/>
-                <a:gridCol w="830580"/>
-                <a:gridCol w="830580"/>
-                <a:gridCol w="830580"/>
+                <a:gridCol w="830580">
+                  <a:extLst>
+                    <a:ext uri="{9D8B030D-6E8A-4147-A177-3AD203B41FA5}">
+                      <a16:colId xmlns:a16="http://schemas.microsoft.com/office/drawing/2014/main" val="20000"/>
+                    </a:ext>
+                  </a:extLst>
+                </a:gridCol>
+                <a:gridCol w="830580">
+                  <a:extLst>
+                    <a:ext uri="{9D8B030D-6E8A-4147-A177-3AD203B41FA5}">
+                      <a16:colId xmlns:a16="http://schemas.microsoft.com/office/drawing/2014/main" val="20001"/>
+                    </a:ext>
+                  </a:extLst>
+                </a:gridCol>
+                <a:gridCol w="830580">
+                  <a:extLst>
+                    <a:ext uri="{9D8B030D-6E8A-4147-A177-3AD203B41FA5}">
+                      <a16:colId xmlns:a16="http://schemas.microsoft.com/office/drawing/2014/main" val="20002"/>
+                    </a:ext>
+                  </a:extLst>
+                </a:gridCol>
+                <a:gridCol w="830580">
+                  <a:extLst>
+                    <a:ext uri="{9D8B030D-6E8A-4147-A177-3AD203B41FA5}">
+                      <a16:colId xmlns:a16="http://schemas.microsoft.com/office/drawing/2014/main" val="20003"/>
+                    </a:ext>
+                  </a:extLst>
+                </a:gridCol>
+                <a:gridCol w="830580">
+                  <a:extLst>
+                    <a:ext uri="{9D8B030D-6E8A-4147-A177-3AD203B41FA5}">
+                      <a16:colId xmlns:a16="http://schemas.microsoft.com/office/drawing/2014/main" val="20004"/>
+                    </a:ext>
+                  </a:extLst>
+                </a:gridCol>
+                <a:gridCol w="830580">
+                  <a:extLst>
+                    <a:ext uri="{9D8B030D-6E8A-4147-A177-3AD203B41FA5}">
+                      <a16:colId xmlns:a16="http://schemas.microsoft.com/office/drawing/2014/main" val="20005"/>
+                    </a:ext>
+                  </a:extLst>
+                </a:gridCol>
+                <a:gridCol w="830580">
+                  <a:extLst>
+                    <a:ext uri="{9D8B030D-6E8A-4147-A177-3AD203B41FA5}">
+                      <a16:colId xmlns:a16="http://schemas.microsoft.com/office/drawing/2014/main" val="20006"/>
+                    </a:ext>
+                  </a:extLst>
+                </a:gridCol>
+                <a:gridCol w="830580">
+                  <a:extLst>
+                    <a:ext uri="{9D8B030D-6E8A-4147-A177-3AD203B41FA5}">
+                      <a16:colId xmlns:a16="http://schemas.microsoft.com/office/drawing/2014/main" val="20007"/>
+                    </a:ext>
+                  </a:extLst>
+                </a:gridCol>
+                <a:gridCol w="830580">
+                  <a:extLst>
+                    <a:ext uri="{9D8B030D-6E8A-4147-A177-3AD203B41FA5}">
+                      <a16:colId xmlns:a16="http://schemas.microsoft.com/office/drawing/2014/main" val="20008"/>
+                    </a:ext>
+                  </a:extLst>
+                </a:gridCol>
+                <a:gridCol w="830580">
+                  <a:extLst>
+                    <a:ext uri="{9D8B030D-6E8A-4147-A177-3AD203B41FA5}">
+                      <a16:colId xmlns:a16="http://schemas.microsoft.com/office/drawing/2014/main" val="20009"/>
+                    </a:ext>
+                  </a:extLst>
+                </a:gridCol>
               </a:tblGrid>
               <a:tr h="627289">
                 <a:tc>
@@ -37484,6 +39880,11 @@
                     </a:solidFill>
                   </a:tcPr>
                 </a:tc>
+                <a:extLst>
+                  <a:ext uri="{0D108BD9-81ED-4DB2-BD59-A6C34878D82A}">
+                    <a16:rowId xmlns:a16="http://schemas.microsoft.com/office/drawing/2014/main" val="10000"/>
+                  </a:ext>
+                </a:extLst>
               </a:tr>
               <a:tr h="627289">
                 <a:tc>
@@ -37664,6 +40065,11 @@
                     </a:solidFill>
                   </a:tcPr>
                 </a:tc>
+                <a:extLst>
+                  <a:ext uri="{0D108BD9-81ED-4DB2-BD59-A6C34878D82A}">
+                    <a16:rowId xmlns:a16="http://schemas.microsoft.com/office/drawing/2014/main" val="10001"/>
+                  </a:ext>
+                </a:extLst>
               </a:tr>
               <a:tr h="627289">
                 <a:tc>
@@ -37844,6 +40250,11 @@
                     </a:solidFill>
                   </a:tcPr>
                 </a:tc>
+                <a:extLst>
+                  <a:ext uri="{0D108BD9-81ED-4DB2-BD59-A6C34878D82A}">
+                    <a16:rowId xmlns:a16="http://schemas.microsoft.com/office/drawing/2014/main" val="10002"/>
+                  </a:ext>
+                </a:extLst>
               </a:tr>
               <a:tr h="627289">
                 <a:tc>
@@ -38024,6 +40435,11 @@
                     </a:solidFill>
                   </a:tcPr>
                 </a:tc>
+                <a:extLst>
+                  <a:ext uri="{0D108BD9-81ED-4DB2-BD59-A6C34878D82A}">
+                    <a16:rowId xmlns:a16="http://schemas.microsoft.com/office/drawing/2014/main" val="10003"/>
+                  </a:ext>
+                </a:extLst>
               </a:tr>
               <a:tr h="627289">
                 <a:tc>
@@ -38204,6 +40620,11 @@
                     </a:solidFill>
                   </a:tcPr>
                 </a:tc>
+                <a:extLst>
+                  <a:ext uri="{0D108BD9-81ED-4DB2-BD59-A6C34878D82A}">
+                    <a16:rowId xmlns:a16="http://schemas.microsoft.com/office/drawing/2014/main" val="10004"/>
+                  </a:ext>
+                </a:extLst>
               </a:tr>
               <a:tr h="627289">
                 <a:tc>
@@ -38384,6 +40805,11 @@
                     </a:solidFill>
                   </a:tcPr>
                 </a:tc>
+                <a:extLst>
+                  <a:ext uri="{0D108BD9-81ED-4DB2-BD59-A6C34878D82A}">
+                    <a16:rowId xmlns:a16="http://schemas.microsoft.com/office/drawing/2014/main" val="10005"/>
+                  </a:ext>
+                </a:extLst>
               </a:tr>
               <a:tr h="627289">
                 <a:tc>
@@ -38536,6 +40962,11 @@
                     </a:solidFill>
                   </a:tcPr>
                 </a:tc>
+                <a:extLst>
+                  <a:ext uri="{0D108BD9-81ED-4DB2-BD59-A6C34878D82A}">
+                    <a16:rowId xmlns:a16="http://schemas.microsoft.com/office/drawing/2014/main" val="10006"/>
+                  </a:ext>
+                </a:extLst>
               </a:tr>
               <a:tr h="627289">
                 <a:tc>
@@ -38764,6 +41195,11 @@
                     </a:solidFill>
                   </a:tcPr>
                 </a:tc>
+                <a:extLst>
+                  <a:ext uri="{0D108BD9-81ED-4DB2-BD59-A6C34878D82A}">
+                    <a16:rowId xmlns:a16="http://schemas.microsoft.com/office/drawing/2014/main" val="10007"/>
+                  </a:ext>
+                </a:extLst>
               </a:tr>
             </a:tbl>
           </a:graphicData>

--- a/Figures/pictures.pptx
+++ b/Figures/pictures.pptx
@@ -25,7 +25,8 @@
     <p:sldId id="281" r:id="rId19"/>
     <p:sldId id="282" r:id="rId20"/>
     <p:sldId id="283" r:id="rId21"/>
-    <p:sldId id="284" r:id="rId22"/>
+    <p:sldId id="285" r:id="rId22"/>
+    <p:sldId id="284" r:id="rId23"/>
   </p:sldIdLst>
   <p:sldSz cx="9144000" cy="6858000" type="screen4x3"/>
   <p:notesSz cx="6858000" cy="9144000"/>
@@ -5421,7 +5422,7 @@
           <a:p>
             <a:fld id="{1002A3FA-D19E-4168-98A7-1417A36215A9}" type="datetimeFigureOut">
               <a:rPr lang="en-US" smtClean="0"/>
-              <a:t>08/20/2018</a:t>
+              <a:t>08/24/2018</a:t>
             </a:fld>
             <a:endParaRPr lang="en-US"/>
           </a:p>
@@ -5591,7 +5592,7 @@
           <a:p>
             <a:fld id="{1002A3FA-D19E-4168-98A7-1417A36215A9}" type="datetimeFigureOut">
               <a:rPr lang="en-US" smtClean="0"/>
-              <a:t>08/20/2018</a:t>
+              <a:t>08/24/2018</a:t>
             </a:fld>
             <a:endParaRPr lang="en-US"/>
           </a:p>
@@ -5771,7 +5772,7 @@
           <a:p>
             <a:fld id="{1002A3FA-D19E-4168-98A7-1417A36215A9}" type="datetimeFigureOut">
               <a:rPr lang="en-US" smtClean="0"/>
-              <a:t>08/20/2018</a:t>
+              <a:t>08/24/2018</a:t>
             </a:fld>
             <a:endParaRPr lang="en-US"/>
           </a:p>
@@ -5941,7 +5942,7 @@
           <a:p>
             <a:fld id="{1002A3FA-D19E-4168-98A7-1417A36215A9}" type="datetimeFigureOut">
               <a:rPr lang="en-US" smtClean="0"/>
-              <a:t>08/20/2018</a:t>
+              <a:t>08/24/2018</a:t>
             </a:fld>
             <a:endParaRPr lang="en-US"/>
           </a:p>
@@ -6187,7 +6188,7 @@
           <a:p>
             <a:fld id="{1002A3FA-D19E-4168-98A7-1417A36215A9}" type="datetimeFigureOut">
               <a:rPr lang="en-US" smtClean="0"/>
-              <a:t>08/20/2018</a:t>
+              <a:t>08/24/2018</a:t>
             </a:fld>
             <a:endParaRPr lang="en-US"/>
           </a:p>
@@ -6475,7 +6476,7 @@
           <a:p>
             <a:fld id="{1002A3FA-D19E-4168-98A7-1417A36215A9}" type="datetimeFigureOut">
               <a:rPr lang="en-US" smtClean="0"/>
-              <a:t>08/20/2018</a:t>
+              <a:t>08/24/2018</a:t>
             </a:fld>
             <a:endParaRPr lang="en-US"/>
           </a:p>
@@ -6897,7 +6898,7 @@
           <a:p>
             <a:fld id="{1002A3FA-D19E-4168-98A7-1417A36215A9}" type="datetimeFigureOut">
               <a:rPr lang="en-US" smtClean="0"/>
-              <a:t>08/20/2018</a:t>
+              <a:t>08/24/2018</a:t>
             </a:fld>
             <a:endParaRPr lang="en-US"/>
           </a:p>
@@ -7015,7 +7016,7 @@
           <a:p>
             <a:fld id="{1002A3FA-D19E-4168-98A7-1417A36215A9}" type="datetimeFigureOut">
               <a:rPr lang="en-US" smtClean="0"/>
-              <a:t>08/20/2018</a:t>
+              <a:t>08/24/2018</a:t>
             </a:fld>
             <a:endParaRPr lang="en-US"/>
           </a:p>
@@ -7110,7 +7111,7 @@
           <a:p>
             <a:fld id="{1002A3FA-D19E-4168-98A7-1417A36215A9}" type="datetimeFigureOut">
               <a:rPr lang="en-US" smtClean="0"/>
-              <a:t>08/20/2018</a:t>
+              <a:t>08/24/2018</a:t>
             </a:fld>
             <a:endParaRPr lang="en-US"/>
           </a:p>
@@ -7387,7 +7388,7 @@
           <a:p>
             <a:fld id="{1002A3FA-D19E-4168-98A7-1417A36215A9}" type="datetimeFigureOut">
               <a:rPr lang="en-US" smtClean="0"/>
-              <a:t>08/20/2018</a:t>
+              <a:t>08/24/2018</a:t>
             </a:fld>
             <a:endParaRPr lang="en-US"/>
           </a:p>
@@ -7640,7 +7641,7 @@
           <a:p>
             <a:fld id="{1002A3FA-D19E-4168-98A7-1417A36215A9}" type="datetimeFigureOut">
               <a:rPr lang="en-US" smtClean="0"/>
-              <a:t>08/20/2018</a:t>
+              <a:t>08/24/2018</a:t>
             </a:fld>
             <a:endParaRPr lang="en-US"/>
           </a:p>
@@ -7853,7 +7854,7 @@
           <a:p>
             <a:fld id="{1002A3FA-D19E-4168-98A7-1417A36215A9}" type="datetimeFigureOut">
               <a:rPr lang="en-US" smtClean="0"/>
-              <a:t>08/20/2018</a:t>
+              <a:t>08/24/2018</a:t>
             </a:fld>
             <a:endParaRPr lang="en-US"/>
           </a:p>
@@ -26555,6 +26556,261 @@
       </p:grpSpPr>
       <p:pic>
         <p:nvPicPr>
+          <p:cNvPr id="1031" name="Picture 7"/>
+          <p:cNvPicPr>
+            <a:picLocks noChangeAspect="1" noChangeArrowheads="1"/>
+          </p:cNvPicPr>
+          <p:nvPr/>
+        </p:nvPicPr>
+        <p:blipFill>
+          <a:blip r:embed="rId2">
+            <a:extLst>
+              <a:ext uri="{28A0092B-C50C-407E-A947-70E740481C1C}">
+                <a14:useLocalDpi xmlns:a14="http://schemas.microsoft.com/office/drawing/2010/main" val="0"/>
+              </a:ext>
+            </a:extLst>
+          </a:blip>
+          <a:srcRect/>
+          <a:stretch>
+            <a:fillRect/>
+          </a:stretch>
+        </p:blipFill>
+        <p:spPr bwMode="auto">
+          <a:xfrm>
+            <a:off x="4567238" y="4695825"/>
+            <a:ext cx="9525" cy="28575"/>
+          </a:xfrm>
+          <a:prstGeom prst="rect">
+            <a:avLst/>
+          </a:prstGeom>
+          <a:noFill/>
+          <a:ln>
+            <a:noFill/>
+          </a:ln>
+          <a:extLst>
+            <a:ext uri="{909E8E84-426E-40DD-AFC4-6F175D3DCCD1}">
+              <a14:hiddenFill xmlns:a14="http://schemas.microsoft.com/office/drawing/2010/main">
+                <a:solidFill>
+                  <a:schemeClr val="accent1"/>
+                </a:solidFill>
+              </a14:hiddenFill>
+            </a:ext>
+            <a:ext uri="{91240B29-F687-4F45-9708-019B960494DF}">
+              <a14:hiddenLine xmlns:a14="http://schemas.microsoft.com/office/drawing/2010/main" w="9525">
+                <a:solidFill>
+                  <a:schemeClr val="tx1"/>
+                </a:solidFill>
+                <a:miter lim="800000"/>
+                <a:headEnd/>
+                <a:tailEnd/>
+              </a14:hiddenLine>
+            </a:ext>
+          </a:extLst>
+        </p:spPr>
+      </p:pic>
+      <p:pic>
+        <p:nvPicPr>
+          <p:cNvPr id="1026" name="Picture 2" descr="Afbeeldingsresultaat voor molecule"/>
+          <p:cNvPicPr>
+            <a:picLocks noChangeAspect="1" noChangeArrowheads="1"/>
+          </p:cNvPicPr>
+          <p:nvPr/>
+        </p:nvPicPr>
+        <p:blipFill>
+          <a:blip r:embed="rId3" cstate="print">
+            <a:extLst>
+              <a:ext uri="{28A0092B-C50C-407E-A947-70E740481C1C}">
+                <a14:useLocalDpi xmlns:a14="http://schemas.microsoft.com/office/drawing/2010/main" val="0"/>
+              </a:ext>
+            </a:extLst>
+          </a:blip>
+          <a:srcRect/>
+          <a:stretch>
+            <a:fillRect/>
+          </a:stretch>
+        </p:blipFill>
+        <p:spPr bwMode="auto">
+          <a:xfrm>
+            <a:off x="5562600" y="1677761"/>
+            <a:ext cx="2174875" cy="2174875"/>
+          </a:xfrm>
+          <a:prstGeom prst="rect">
+            <a:avLst/>
+          </a:prstGeom>
+          <a:noFill/>
+          <a:extLst>
+            <a:ext uri="{909E8E84-426E-40DD-AFC4-6F175D3DCCD1}">
+              <a14:hiddenFill xmlns:a14="http://schemas.microsoft.com/office/drawing/2010/main">
+                <a:solidFill>
+                  <a:srgbClr val="FFFFFF"/>
+                </a:solidFill>
+              </a14:hiddenFill>
+            </a:ext>
+          </a:extLst>
+        </p:spPr>
+      </p:pic>
+      <p:pic>
+        <p:nvPicPr>
+          <p:cNvPr id="3" name="Picture 6" descr="Afbeeldingsresultaat voor string DNA letter"/>
+          <p:cNvPicPr>
+            <a:picLocks noChangeAspect="1" noChangeArrowheads="1"/>
+          </p:cNvPicPr>
+          <p:nvPr/>
+        </p:nvPicPr>
+        <p:blipFill>
+          <a:blip r:embed="rId4">
+            <a:extLst>
+              <a:ext uri="{28A0092B-C50C-407E-A947-70E740481C1C}">
+                <a14:useLocalDpi xmlns:a14="http://schemas.microsoft.com/office/drawing/2010/main" val="0"/>
+              </a:ext>
+            </a:extLst>
+          </a:blip>
+          <a:srcRect/>
+          <a:stretch>
+            <a:fillRect/>
+          </a:stretch>
+        </p:blipFill>
+        <p:spPr bwMode="auto">
+          <a:xfrm>
+            <a:off x="1143000" y="4887232"/>
+            <a:ext cx="3004084" cy="1090869"/>
+          </a:xfrm>
+          <a:prstGeom prst="rect">
+            <a:avLst/>
+          </a:prstGeom>
+          <a:noFill/>
+          <a:extLst>
+            <a:ext uri="{909E8E84-426E-40DD-AFC4-6F175D3DCCD1}">
+              <a14:hiddenFill xmlns:a14="http://schemas.microsoft.com/office/drawing/2010/main">
+                <a:solidFill>
+                  <a:srgbClr val="FFFFFF"/>
+                </a:solidFill>
+              </a14:hiddenFill>
+            </a:ext>
+          </a:extLst>
+        </p:spPr>
+      </p:pic>
+      <p:pic>
+        <p:nvPicPr>
+          <p:cNvPr id="4" name="Picture 8" descr="Afbeeldingsresultaat voor text dictionary"/>
+          <p:cNvPicPr>
+            <a:picLocks noChangeAspect="1" noChangeArrowheads="1"/>
+          </p:cNvPicPr>
+          <p:nvPr/>
+        </p:nvPicPr>
+        <p:blipFill>
+          <a:blip r:embed="rId5">
+            <a:extLst>
+              <a:ext uri="{28A0092B-C50C-407E-A947-70E740481C1C}">
+                <a14:useLocalDpi xmlns:a14="http://schemas.microsoft.com/office/drawing/2010/main" val="0"/>
+              </a:ext>
+            </a:extLst>
+          </a:blip>
+          <a:srcRect/>
+          <a:stretch>
+            <a:fillRect/>
+          </a:stretch>
+        </p:blipFill>
+        <p:spPr bwMode="auto">
+          <a:xfrm>
+            <a:off x="992188" y="1677761"/>
+            <a:ext cx="3584575" cy="2389717"/>
+          </a:xfrm>
+          <a:prstGeom prst="rect">
+            <a:avLst/>
+          </a:prstGeom>
+          <a:noFill/>
+          <a:extLst>
+            <a:ext uri="{909E8E84-426E-40DD-AFC4-6F175D3DCCD1}">
+              <a14:hiddenFill xmlns:a14="http://schemas.microsoft.com/office/drawing/2010/main">
+                <a:solidFill>
+                  <a:srgbClr val="FFFFFF"/>
+                </a:solidFill>
+              </a14:hiddenFill>
+            </a:ext>
+          </a:extLst>
+        </p:spPr>
+      </p:pic>
+      <p:pic>
+        <p:nvPicPr>
+          <p:cNvPr id="5" name="Picture 10" descr="Afbeeldingsresultaat voor cds"/>
+          <p:cNvPicPr>
+            <a:picLocks noChangeAspect="1" noChangeArrowheads="1"/>
+          </p:cNvPicPr>
+          <p:nvPr/>
+        </p:nvPicPr>
+        <p:blipFill>
+          <a:blip r:embed="rId6">
+            <a:extLst>
+              <a:ext uri="{28A0092B-C50C-407E-A947-70E740481C1C}">
+                <a14:useLocalDpi xmlns:a14="http://schemas.microsoft.com/office/drawing/2010/main" val="0"/>
+              </a:ext>
+            </a:extLst>
+          </a:blip>
+          <a:srcRect/>
+          <a:stretch>
+            <a:fillRect/>
+          </a:stretch>
+        </p:blipFill>
+        <p:spPr bwMode="auto">
+          <a:xfrm>
+            <a:off x="4800600" y="4353832"/>
+            <a:ext cx="3508375" cy="2351768"/>
+          </a:xfrm>
+          <a:prstGeom prst="rect">
+            <a:avLst/>
+          </a:prstGeom>
+          <a:noFill/>
+          <a:extLst>
+            <a:ext uri="{909E8E84-426E-40DD-AFC4-6F175D3DCCD1}">
+              <a14:hiddenFill xmlns:a14="http://schemas.microsoft.com/office/drawing/2010/main">
+                <a:solidFill>
+                  <a:srgbClr val="FFFFFF"/>
+                </a:solidFill>
+              </a14:hiddenFill>
+            </a:ext>
+          </a:extLst>
+        </p:spPr>
+      </p:pic>
+    </p:spTree>
+    <p:extLst>
+      <p:ext uri="{BB962C8B-B14F-4D97-AF65-F5344CB8AC3E}">
+        <p14:creationId xmlns:p14="http://schemas.microsoft.com/office/powerpoint/2010/main" val="2393516359"/>
+      </p:ext>
+    </p:extLst>
+  </p:cSld>
+  <p:clrMapOvr>
+    <a:masterClrMapping/>
+  </p:clrMapOvr>
+  <p:timing>
+    <p:tnLst>
+      <p:par>
+        <p:cTn id="1" dur="indefinite" restart="never" nodeType="tmRoot"/>
+      </p:par>
+    </p:tnLst>
+  </p:timing>
+</p:sld>
+</file>
+
+<file path=ppt/slides/slide22.xml><?xml version="1.0" encoding="utf-8"?>
+<p:sld xmlns:a="http://schemas.openxmlformats.org/drawingml/2006/main" xmlns:r="http://schemas.openxmlformats.org/officeDocument/2006/relationships" xmlns:p="http://schemas.openxmlformats.org/presentationml/2006/main">
+  <p:cSld>
+    <p:spTree>
+      <p:nvGrpSpPr>
+        <p:cNvPr id="1" name=""/>
+        <p:cNvGrpSpPr/>
+        <p:nvPr/>
+      </p:nvGrpSpPr>
+      <p:grpSpPr>
+        <a:xfrm>
+          <a:off x="0" y="0"/>
+          <a:ext cx="0" cy="0"/>
+          <a:chOff x="0" y="0"/>
+          <a:chExt cx="0" cy="0"/>
+        </a:xfrm>
+      </p:grpSpPr>
+      <p:pic>
+        <p:nvPicPr>
           <p:cNvPr id="3" name="Afbeelding 2"/>
           <p:cNvPicPr>
             <a:picLocks noChangeAspect="1"/>
@@ -26777,8 +27033,8 @@
           </a:p>
         </p:txBody>
       </p:sp>
-      <mc:AlternateContent xmlns:mc="http://schemas.openxmlformats.org/markup-compatibility/2006">
-        <mc:Choice xmlns:a14="http://schemas.microsoft.com/office/drawing/2010/main" Requires="a14">
+      <mc:AlternateContent xmlns:mc="http://schemas.openxmlformats.org/markup-compatibility/2006" xmlns:a14="http://schemas.microsoft.com/office/drawing/2010/main">
+        <mc:Choice Requires="a14">
           <p:sp>
             <p:nvSpPr>
               <p:cNvPr id="11" name="Tekstvak 10"/>
@@ -26801,6 +27057,7 @@
               </a:bodyPr>
               <a:lstStyle/>
               <a:p>
+                <a:pPr/>
                 <a14:m>
                   <m:oMathPara xmlns:m="http://schemas.openxmlformats.org/officeDocument/2006/math">
                     <m:oMathParaPr>
@@ -26828,7 +27085,7 @@
             </p:txBody>
           </p:sp>
         </mc:Choice>
-        <mc:Fallback>
+        <mc:Fallback xmlns="">
           <p:sp>
             <p:nvSpPr>
               <p:cNvPr id="11" name="Tekstvak 10"/>
@@ -26908,8 +27165,8 @@
           </a:extLst>
         </p:spPr>
       </p:pic>
-      <mc:AlternateContent xmlns:mc="http://schemas.openxmlformats.org/markup-compatibility/2006">
-        <mc:Choice xmlns:a14="http://schemas.microsoft.com/office/drawing/2010/main" Requires="a14">
+      <mc:AlternateContent xmlns:mc="http://schemas.openxmlformats.org/markup-compatibility/2006" xmlns:a14="http://schemas.microsoft.com/office/drawing/2010/main">
+        <mc:Choice Requires="a14">
           <p:sp>
             <p:nvSpPr>
               <p:cNvPr id="13" name="Tekstvak 12"/>
@@ -26932,6 +27189,7 @@
               </a:bodyPr>
               <a:lstStyle/>
               <a:p>
+                <a:pPr/>
                 <a14:m>
                   <m:oMathPara xmlns:m="http://schemas.openxmlformats.org/officeDocument/2006/math">
                     <m:oMathParaPr>
@@ -26959,7 +27217,7 @@
             </p:txBody>
           </p:sp>
         </mc:Choice>
-        <mc:Fallback>
+        <mc:Fallback xmlns="">
           <p:sp>
             <p:nvSpPr>
               <p:cNvPr id="13" name="Tekstvak 12"/>
@@ -27039,8 +27297,8 @@
           </a:extLst>
         </p:spPr>
       </p:pic>
-      <mc:AlternateContent xmlns:mc="http://schemas.openxmlformats.org/markup-compatibility/2006">
-        <mc:Choice xmlns:a14="http://schemas.microsoft.com/office/drawing/2010/main" Requires="a14">
+      <mc:AlternateContent xmlns:mc="http://schemas.openxmlformats.org/markup-compatibility/2006" xmlns:a14="http://schemas.microsoft.com/office/drawing/2010/main">
+        <mc:Choice Requires="a14">
           <p:sp>
             <p:nvSpPr>
               <p:cNvPr id="15" name="Tekstvak 14"/>
@@ -27063,6 +27321,7 @@
               </a:bodyPr>
               <a:lstStyle/>
               <a:p>
+                <a:pPr/>
                 <a14:m>
                   <m:oMathPara xmlns:m="http://schemas.openxmlformats.org/officeDocument/2006/math">
                     <m:oMathParaPr>
@@ -27090,7 +27349,7 @@
             </p:txBody>
           </p:sp>
         </mc:Choice>
-        <mc:Fallback>
+        <mc:Fallback xmlns="">
           <p:sp>
             <p:nvSpPr>
               <p:cNvPr id="15" name="Tekstvak 14"/>
@@ -27170,8 +27429,8 @@
           </a:extLst>
         </p:spPr>
       </p:pic>
-      <mc:AlternateContent xmlns:mc="http://schemas.openxmlformats.org/markup-compatibility/2006">
-        <mc:Choice xmlns:a14="http://schemas.microsoft.com/office/drawing/2010/main" Requires="a14">
+      <mc:AlternateContent xmlns:mc="http://schemas.openxmlformats.org/markup-compatibility/2006" xmlns:a14="http://schemas.microsoft.com/office/drawing/2010/main">
+        <mc:Choice Requires="a14">
           <p:sp>
             <p:nvSpPr>
               <p:cNvPr id="17" name="Tekstvak 16"/>
@@ -27194,6 +27453,7 @@
               </a:bodyPr>
               <a:lstStyle/>
               <a:p>
+                <a:pPr/>
                 <a14:m>
                   <m:oMathPara xmlns:m="http://schemas.openxmlformats.org/officeDocument/2006/math">
                     <m:oMathParaPr>
@@ -27221,7 +27481,7 @@
             </p:txBody>
           </p:sp>
         </mc:Choice>
-        <mc:Fallback>
+        <mc:Fallback xmlns="">
           <p:sp>
             <p:nvSpPr>
               <p:cNvPr id="17" name="Tekstvak 16"/>

--- a/Figures/pictures.pptx
+++ b/Figures/pictures.pptx
@@ -27,6 +27,7 @@
     <p:sldId id="283" r:id="rId21"/>
     <p:sldId id="285" r:id="rId22"/>
     <p:sldId id="284" r:id="rId23"/>
+    <p:sldId id="286" r:id="rId24"/>
   </p:sldIdLst>
   <p:sldSz cx="9144000" cy="6858000" type="screen4x3"/>
   <p:notesSz cx="6858000" cy="9144000"/>
@@ -142,6 +143,1028 @@
     </p:ext>
   </p:extLst>
 </p:presentation>
+</file>
+
+<file path=ppt/charts/chart1.xml><?xml version="1.0" encoding="utf-8"?>
+<c:chartSpace xmlns:c="http://schemas.openxmlformats.org/drawingml/2006/chart" xmlns:a="http://schemas.openxmlformats.org/drawingml/2006/main" xmlns:r="http://schemas.openxmlformats.org/officeDocument/2006/relationships" xmlns:c16r2="http://schemas.microsoft.com/office/drawing/2015/06/chart">
+  <c:date1904 val="0"/>
+  <c:lang val="nl-NL"/>
+  <c:roundedCorners val="0"/>
+  <mc:AlternateContent xmlns:mc="http://schemas.openxmlformats.org/markup-compatibility/2006">
+    <mc:Choice xmlns:c14="http://schemas.microsoft.com/office/drawing/2007/8/2/chart" Requires="c14">
+      <c14:style val="102"/>
+    </mc:Choice>
+    <mc:Fallback>
+      <c:style val="2"/>
+    </mc:Fallback>
+  </mc:AlternateContent>
+  <c:chart>
+    <c:title>
+      <c:tx>
+        <c:rich>
+          <a:bodyPr rot="0" spcFirstLastPara="1" vertOverflow="ellipsis" vert="horz" wrap="square" anchor="ctr" anchorCtr="1"/>
+          <a:lstStyle/>
+          <a:p>
+            <a:pPr>
+              <a:defRPr sz="1862" b="0" i="0" u="none" strike="noStrike" kern="1200" spc="0" baseline="0">
+                <a:solidFill>
+                  <a:schemeClr val="tx1">
+                    <a:lumMod val="65000"/>
+                    <a:lumOff val="35000"/>
+                  </a:schemeClr>
+                </a:solidFill>
+                <a:latin typeface="+mn-lt"/>
+                <a:ea typeface="+mn-ea"/>
+                <a:cs typeface="+mn-cs"/>
+              </a:defRPr>
+            </a:pPr>
+            <a:r>
+              <a:rPr lang="en-US" dirty="0" smtClean="0"/>
+              <a:t>Error</a:t>
+            </a:r>
+            <a:endParaRPr lang="en-US" dirty="0"/>
+          </a:p>
+        </c:rich>
+      </c:tx>
+      <c:layout/>
+      <c:overlay val="0"/>
+      <c:spPr>
+        <a:noFill/>
+        <a:ln>
+          <a:noFill/>
+        </a:ln>
+        <a:effectLst/>
+      </c:spPr>
+      <c:txPr>
+        <a:bodyPr rot="0" spcFirstLastPara="1" vertOverflow="ellipsis" vert="horz" wrap="square" anchor="ctr" anchorCtr="1"/>
+        <a:lstStyle/>
+        <a:p>
+          <a:pPr>
+            <a:defRPr sz="1862" b="0" i="0" u="none" strike="noStrike" kern="1200" spc="0" baseline="0">
+              <a:solidFill>
+                <a:schemeClr val="tx1">
+                  <a:lumMod val="65000"/>
+                  <a:lumOff val="35000"/>
+                </a:schemeClr>
+              </a:solidFill>
+              <a:latin typeface="+mn-lt"/>
+              <a:ea typeface="+mn-ea"/>
+              <a:cs typeface="+mn-cs"/>
+            </a:defRPr>
+          </a:pPr>
+          <a:endParaRPr lang="en-US"/>
+        </a:p>
+      </c:txPr>
+    </c:title>
+    <c:autoTitleDeleted val="0"/>
+    <c:plotArea>
+      <c:layout/>
+      <c:barChart>
+        <c:barDir val="bar"/>
+        <c:grouping val="clustered"/>
+        <c:varyColors val="0"/>
+        <c:ser>
+          <c:idx val="0"/>
+          <c:order val="0"/>
+          <c:tx>
+            <c:strRef>
+              <c:f>Blad1!$B$1</c:f>
+              <c:strCache>
+                <c:ptCount val="1"/>
+                <c:pt idx="0">
+                  <c:v>Independent models</c:v>
+                </c:pt>
+              </c:strCache>
+            </c:strRef>
+          </c:tx>
+          <c:spPr>
+            <a:solidFill>
+              <a:schemeClr val="accent1"/>
+            </a:solidFill>
+            <a:ln>
+              <a:noFill/>
+            </a:ln>
+            <a:effectLst/>
+          </c:spPr>
+          <c:invertIfNegative val="0"/>
+          <c:cat>
+            <c:strRef>
+              <c:f>Blad1!$A$2:$A$5</c:f>
+              <c:strCache>
+                <c:ptCount val="4"/>
+                <c:pt idx="0">
+                  <c:v>Dataset 1</c:v>
+                </c:pt>
+                <c:pt idx="1">
+                  <c:v>Dataset 2</c:v>
+                </c:pt>
+                <c:pt idx="2">
+                  <c:v>Dataset 3</c:v>
+                </c:pt>
+                <c:pt idx="3">
+                  <c:v>Dataset 4</c:v>
+                </c:pt>
+              </c:strCache>
+            </c:strRef>
+          </c:cat>
+          <c:val>
+            <c:numRef>
+              <c:f>Blad1!$B$2:$B$5</c:f>
+              <c:numCache>
+                <c:formatCode>General</c:formatCode>
+                <c:ptCount val="4"/>
+                <c:pt idx="0">
+                  <c:v>4.3</c:v>
+                </c:pt>
+                <c:pt idx="1">
+                  <c:v>2.5</c:v>
+                </c:pt>
+                <c:pt idx="2">
+                  <c:v>3.5</c:v>
+                </c:pt>
+                <c:pt idx="3">
+                  <c:v>4.5</c:v>
+                </c:pt>
+              </c:numCache>
+            </c:numRef>
+          </c:val>
+          <c:extLst>
+            <c:ext xmlns:c16="http://schemas.microsoft.com/office/drawing/2014/chart" uri="{C3380CC4-5D6E-409C-BE32-E72D297353CC}">
+              <c16:uniqueId val="{00000000-F44F-4882-9E47-5F72BA592D8E}"/>
+            </c:ext>
+          </c:extLst>
+        </c:ser>
+        <c:ser>
+          <c:idx val="1"/>
+          <c:order val="1"/>
+          <c:tx>
+            <c:strRef>
+              <c:f>Blad1!$C$1</c:f>
+              <c:strCache>
+                <c:ptCount val="1"/>
+                <c:pt idx="0">
+                  <c:v>Other approaches</c:v>
+                </c:pt>
+              </c:strCache>
+            </c:strRef>
+          </c:tx>
+          <c:spPr>
+            <a:solidFill>
+              <a:schemeClr val="accent2"/>
+            </a:solidFill>
+            <a:ln>
+              <a:noFill/>
+            </a:ln>
+            <a:effectLst/>
+          </c:spPr>
+          <c:invertIfNegative val="0"/>
+          <c:cat>
+            <c:strRef>
+              <c:f>Blad1!$A$2:$A$5</c:f>
+              <c:strCache>
+                <c:ptCount val="4"/>
+                <c:pt idx="0">
+                  <c:v>Dataset 1</c:v>
+                </c:pt>
+                <c:pt idx="1">
+                  <c:v>Dataset 2</c:v>
+                </c:pt>
+                <c:pt idx="2">
+                  <c:v>Dataset 3</c:v>
+                </c:pt>
+                <c:pt idx="3">
+                  <c:v>Dataset 4</c:v>
+                </c:pt>
+              </c:strCache>
+            </c:strRef>
+          </c:cat>
+          <c:val>
+            <c:numRef>
+              <c:f>Blad1!$C$2:$C$5</c:f>
+              <c:numCache>
+                <c:formatCode>General</c:formatCode>
+                <c:ptCount val="4"/>
+                <c:pt idx="0">
+                  <c:v>2.4</c:v>
+                </c:pt>
+                <c:pt idx="1">
+                  <c:v>2</c:v>
+                </c:pt>
+                <c:pt idx="2">
+                  <c:v>2.8</c:v>
+                </c:pt>
+                <c:pt idx="3">
+                  <c:v>4</c:v>
+                </c:pt>
+              </c:numCache>
+            </c:numRef>
+          </c:val>
+          <c:extLst>
+            <c:ext xmlns:c16="http://schemas.microsoft.com/office/drawing/2014/chart" uri="{C3380CC4-5D6E-409C-BE32-E72D297353CC}">
+              <c16:uniqueId val="{00000001-F44F-4882-9E47-5F72BA592D8E}"/>
+            </c:ext>
+          </c:extLst>
+        </c:ser>
+        <c:ser>
+          <c:idx val="2"/>
+          <c:order val="2"/>
+          <c:tx>
+            <c:strRef>
+              <c:f>Blad1!$D$1</c:f>
+              <c:strCache>
+                <c:ptCount val="1"/>
+                <c:pt idx="0">
+                  <c:v>My methods</c:v>
+                </c:pt>
+              </c:strCache>
+            </c:strRef>
+          </c:tx>
+          <c:spPr>
+            <a:solidFill>
+              <a:schemeClr val="accent3"/>
+            </a:solidFill>
+            <a:ln>
+              <a:noFill/>
+            </a:ln>
+            <a:effectLst/>
+          </c:spPr>
+          <c:invertIfNegative val="0"/>
+          <c:cat>
+            <c:strRef>
+              <c:f>Blad1!$A$2:$A$5</c:f>
+              <c:strCache>
+                <c:ptCount val="4"/>
+                <c:pt idx="0">
+                  <c:v>Dataset 1</c:v>
+                </c:pt>
+                <c:pt idx="1">
+                  <c:v>Dataset 2</c:v>
+                </c:pt>
+                <c:pt idx="2">
+                  <c:v>Dataset 3</c:v>
+                </c:pt>
+                <c:pt idx="3">
+                  <c:v>Dataset 4</c:v>
+                </c:pt>
+              </c:strCache>
+            </c:strRef>
+          </c:cat>
+          <c:val>
+            <c:numRef>
+              <c:f>Blad1!$D$2:$D$5</c:f>
+              <c:numCache>
+                <c:formatCode>General</c:formatCode>
+                <c:ptCount val="4"/>
+                <c:pt idx="0">
+                  <c:v>2</c:v>
+                </c:pt>
+                <c:pt idx="1">
+                  <c:v>1.6</c:v>
+                </c:pt>
+                <c:pt idx="2">
+                  <c:v>2.5</c:v>
+                </c:pt>
+                <c:pt idx="3">
+                  <c:v>3</c:v>
+                </c:pt>
+              </c:numCache>
+            </c:numRef>
+          </c:val>
+          <c:extLst>
+            <c:ext xmlns:c16="http://schemas.microsoft.com/office/drawing/2014/chart" uri="{C3380CC4-5D6E-409C-BE32-E72D297353CC}">
+              <c16:uniqueId val="{00000002-F44F-4882-9E47-5F72BA592D8E}"/>
+            </c:ext>
+          </c:extLst>
+        </c:ser>
+        <c:dLbls>
+          <c:showLegendKey val="0"/>
+          <c:showVal val="0"/>
+          <c:showCatName val="0"/>
+          <c:showSerName val="0"/>
+          <c:showPercent val="0"/>
+          <c:showBubbleSize val="0"/>
+        </c:dLbls>
+        <c:gapWidth val="182"/>
+        <c:axId val="388710784"/>
+        <c:axId val="388717344"/>
+      </c:barChart>
+      <c:catAx>
+        <c:axId val="388710784"/>
+        <c:scaling>
+          <c:orientation val="minMax"/>
+        </c:scaling>
+        <c:delete val="0"/>
+        <c:axPos val="l"/>
+        <c:numFmt formatCode="General" sourceLinked="1"/>
+        <c:majorTickMark val="none"/>
+        <c:minorTickMark val="none"/>
+        <c:tickLblPos val="nextTo"/>
+        <c:spPr>
+          <a:noFill/>
+          <a:ln w="9525" cap="flat" cmpd="sng" algn="ctr">
+            <a:solidFill>
+              <a:schemeClr val="tx1">
+                <a:lumMod val="15000"/>
+                <a:lumOff val="85000"/>
+              </a:schemeClr>
+            </a:solidFill>
+            <a:round/>
+          </a:ln>
+          <a:effectLst/>
+        </c:spPr>
+        <c:txPr>
+          <a:bodyPr rot="-60000000" spcFirstLastPara="1" vertOverflow="ellipsis" vert="horz" wrap="square" anchor="ctr" anchorCtr="1"/>
+          <a:lstStyle/>
+          <a:p>
+            <a:pPr>
+              <a:defRPr sz="1197" b="0" i="0" u="none" strike="noStrike" kern="1200" baseline="0">
+                <a:solidFill>
+                  <a:schemeClr val="tx1">
+                    <a:lumMod val="65000"/>
+                    <a:lumOff val="35000"/>
+                  </a:schemeClr>
+                </a:solidFill>
+                <a:latin typeface="+mn-lt"/>
+                <a:ea typeface="+mn-ea"/>
+                <a:cs typeface="+mn-cs"/>
+              </a:defRPr>
+            </a:pPr>
+            <a:endParaRPr lang="en-US"/>
+          </a:p>
+        </c:txPr>
+        <c:crossAx val="388717344"/>
+        <c:crosses val="autoZero"/>
+        <c:auto val="1"/>
+        <c:lblAlgn val="ctr"/>
+        <c:lblOffset val="100"/>
+        <c:noMultiLvlLbl val="0"/>
+      </c:catAx>
+      <c:valAx>
+        <c:axId val="388717344"/>
+        <c:scaling>
+          <c:orientation val="minMax"/>
+        </c:scaling>
+        <c:delete val="0"/>
+        <c:axPos val="b"/>
+        <c:majorGridlines>
+          <c:spPr>
+            <a:ln w="9525" cap="flat" cmpd="sng" algn="ctr">
+              <a:solidFill>
+                <a:schemeClr val="tx1">
+                  <a:lumMod val="15000"/>
+                  <a:lumOff val="85000"/>
+                </a:schemeClr>
+              </a:solidFill>
+              <a:round/>
+            </a:ln>
+            <a:effectLst/>
+          </c:spPr>
+        </c:majorGridlines>
+        <c:numFmt formatCode="General" sourceLinked="1"/>
+        <c:majorTickMark val="none"/>
+        <c:minorTickMark val="none"/>
+        <c:tickLblPos val="nextTo"/>
+        <c:spPr>
+          <a:noFill/>
+          <a:ln>
+            <a:noFill/>
+          </a:ln>
+          <a:effectLst/>
+        </c:spPr>
+        <c:txPr>
+          <a:bodyPr rot="-60000000" spcFirstLastPara="1" vertOverflow="ellipsis" vert="horz" wrap="square" anchor="ctr" anchorCtr="1"/>
+          <a:lstStyle/>
+          <a:p>
+            <a:pPr>
+              <a:defRPr sz="1197" b="0" i="0" u="none" strike="noStrike" kern="1200" baseline="0">
+                <a:solidFill>
+                  <a:schemeClr val="tx1">
+                    <a:lumMod val="65000"/>
+                    <a:lumOff val="35000"/>
+                  </a:schemeClr>
+                </a:solidFill>
+                <a:latin typeface="+mn-lt"/>
+                <a:ea typeface="+mn-ea"/>
+                <a:cs typeface="+mn-cs"/>
+              </a:defRPr>
+            </a:pPr>
+            <a:endParaRPr lang="en-US"/>
+          </a:p>
+        </c:txPr>
+        <c:crossAx val="388710784"/>
+        <c:crosses val="autoZero"/>
+        <c:crossBetween val="between"/>
+      </c:valAx>
+      <c:spPr>
+        <a:noFill/>
+        <a:ln>
+          <a:noFill/>
+        </a:ln>
+        <a:effectLst/>
+      </c:spPr>
+    </c:plotArea>
+    <c:legend>
+      <c:legendPos val="b"/>
+      <c:layout/>
+      <c:overlay val="0"/>
+      <c:spPr>
+        <a:noFill/>
+        <a:ln>
+          <a:noFill/>
+        </a:ln>
+        <a:effectLst/>
+      </c:spPr>
+      <c:txPr>
+        <a:bodyPr rot="0" spcFirstLastPara="1" vertOverflow="ellipsis" vert="horz" wrap="square" anchor="ctr" anchorCtr="1"/>
+        <a:lstStyle/>
+        <a:p>
+          <a:pPr>
+            <a:defRPr sz="1197" b="0" i="0" u="none" strike="noStrike" kern="1200" baseline="0">
+              <a:solidFill>
+                <a:schemeClr val="tx1">
+                  <a:lumMod val="65000"/>
+                  <a:lumOff val="35000"/>
+                </a:schemeClr>
+              </a:solidFill>
+              <a:latin typeface="+mn-lt"/>
+              <a:ea typeface="+mn-ea"/>
+              <a:cs typeface="+mn-cs"/>
+            </a:defRPr>
+          </a:pPr>
+          <a:endParaRPr lang="en-US"/>
+        </a:p>
+      </c:txPr>
+    </c:legend>
+    <c:plotVisOnly val="1"/>
+    <c:dispBlanksAs val="gap"/>
+    <c:showDLblsOverMax val="0"/>
+  </c:chart>
+  <c:spPr>
+    <a:noFill/>
+    <a:ln>
+      <a:noFill/>
+    </a:ln>
+    <a:effectLst/>
+  </c:spPr>
+  <c:txPr>
+    <a:bodyPr/>
+    <a:lstStyle/>
+    <a:p>
+      <a:pPr>
+        <a:defRPr/>
+      </a:pPr>
+      <a:endParaRPr lang="en-US"/>
+    </a:p>
+  </c:txPr>
+  <c:externalData r:id="rId3">
+    <c:autoUpdate val="0"/>
+  </c:externalData>
+</c:chartSpace>
+</file>
+
+<file path=ppt/charts/colors1.xml><?xml version="1.0" encoding="utf-8"?>
+<cs:colorStyle xmlns:cs="http://schemas.microsoft.com/office/drawing/2012/chartStyle" xmlns:a="http://schemas.openxmlformats.org/drawingml/2006/main" meth="cycle" id="10">
+  <a:schemeClr val="accent1"/>
+  <a:schemeClr val="accent2"/>
+  <a:schemeClr val="accent3"/>
+  <a:schemeClr val="accent4"/>
+  <a:schemeClr val="accent5"/>
+  <a:schemeClr val="accent6"/>
+  <cs:variation/>
+  <cs:variation>
+    <a:lumMod val="60000"/>
+  </cs:variation>
+  <cs:variation>
+    <a:lumMod val="80000"/>
+    <a:lumOff val="20000"/>
+  </cs:variation>
+  <cs:variation>
+    <a:lumMod val="80000"/>
+  </cs:variation>
+  <cs:variation>
+    <a:lumMod val="60000"/>
+    <a:lumOff val="40000"/>
+  </cs:variation>
+  <cs:variation>
+    <a:lumMod val="50000"/>
+  </cs:variation>
+  <cs:variation>
+    <a:lumMod val="70000"/>
+    <a:lumOff val="30000"/>
+  </cs:variation>
+  <cs:variation>
+    <a:lumMod val="70000"/>
+  </cs:variation>
+  <cs:variation>
+    <a:lumMod val="50000"/>
+    <a:lumOff val="50000"/>
+  </cs:variation>
+</cs:colorStyle>
+</file>
+
+<file path=ppt/charts/style1.xml><?xml version="1.0" encoding="utf-8"?>
+<cs:chartStyle xmlns:cs="http://schemas.microsoft.com/office/drawing/2012/chartStyle" xmlns:a="http://schemas.openxmlformats.org/drawingml/2006/main" id="216">
+  <cs:axisTitle>
+    <cs:lnRef idx="0"/>
+    <cs:fillRef idx="0"/>
+    <cs:effectRef idx="0"/>
+    <cs:fontRef idx="minor">
+      <a:schemeClr val="tx1">
+        <a:lumMod val="65000"/>
+        <a:lumOff val="35000"/>
+      </a:schemeClr>
+    </cs:fontRef>
+    <cs:defRPr sz="1330" kern="1200"/>
+  </cs:axisTitle>
+  <cs:categoryAxis>
+    <cs:lnRef idx="0"/>
+    <cs:fillRef idx="0"/>
+    <cs:effectRef idx="0"/>
+    <cs:fontRef idx="minor">
+      <a:schemeClr val="tx1">
+        <a:lumMod val="65000"/>
+        <a:lumOff val="35000"/>
+      </a:schemeClr>
+    </cs:fontRef>
+    <cs:spPr>
+      <a:ln w="9525" cap="flat" cmpd="sng" algn="ctr">
+        <a:solidFill>
+          <a:schemeClr val="tx1">
+            <a:lumMod val="15000"/>
+            <a:lumOff val="85000"/>
+          </a:schemeClr>
+        </a:solidFill>
+        <a:round/>
+      </a:ln>
+    </cs:spPr>
+    <cs:defRPr sz="1197" kern="1200"/>
+  </cs:categoryAxis>
+  <cs:chartArea mods="allowNoFillOverride allowNoLineOverride">
+    <cs:lnRef idx="0"/>
+    <cs:fillRef idx="0"/>
+    <cs:effectRef idx="0"/>
+    <cs:fontRef idx="minor">
+      <a:schemeClr val="tx1"/>
+    </cs:fontRef>
+    <cs:spPr>
+      <a:solidFill>
+        <a:schemeClr val="bg1"/>
+      </a:solidFill>
+      <a:ln w="9525" cap="flat" cmpd="sng" algn="ctr">
+        <a:solidFill>
+          <a:schemeClr val="tx1">
+            <a:lumMod val="15000"/>
+            <a:lumOff val="85000"/>
+          </a:schemeClr>
+        </a:solidFill>
+        <a:round/>
+      </a:ln>
+    </cs:spPr>
+    <cs:defRPr sz="1330" kern="1200"/>
+  </cs:chartArea>
+  <cs:dataLabel>
+    <cs:lnRef idx="0"/>
+    <cs:fillRef idx="0"/>
+    <cs:effectRef idx="0"/>
+    <cs:fontRef idx="minor">
+      <a:schemeClr val="tx1">
+        <a:lumMod val="75000"/>
+        <a:lumOff val="25000"/>
+      </a:schemeClr>
+    </cs:fontRef>
+    <cs:defRPr sz="1197" kern="1200"/>
+  </cs:dataLabel>
+  <cs:dataLabelCallout>
+    <cs:lnRef idx="0"/>
+    <cs:fillRef idx="0"/>
+    <cs:effectRef idx="0"/>
+    <cs:fontRef idx="minor">
+      <a:schemeClr val="dk1">
+        <a:lumMod val="65000"/>
+        <a:lumOff val="35000"/>
+      </a:schemeClr>
+    </cs:fontRef>
+    <cs:spPr>
+      <a:solidFill>
+        <a:schemeClr val="lt1"/>
+      </a:solidFill>
+      <a:ln>
+        <a:solidFill>
+          <a:schemeClr val="dk1">
+            <a:lumMod val="25000"/>
+            <a:lumOff val="75000"/>
+          </a:schemeClr>
+        </a:solidFill>
+      </a:ln>
+    </cs:spPr>
+    <cs:defRPr sz="1197" kern="1200"/>
+    <cs:bodyPr rot="0" spcFirstLastPara="1" vertOverflow="clip" horzOverflow="clip" vert="horz" wrap="square" lIns="36576" tIns="18288" rIns="36576" bIns="18288" anchor="ctr" anchorCtr="1">
+      <a:spAutoFit/>
+    </cs:bodyPr>
+  </cs:dataLabelCallout>
+  <cs:dataPoint>
+    <cs:lnRef idx="0"/>
+    <cs:fillRef idx="1">
+      <cs:styleClr val="auto"/>
+    </cs:fillRef>
+    <cs:effectRef idx="0"/>
+    <cs:fontRef idx="minor">
+      <a:schemeClr val="tx1"/>
+    </cs:fontRef>
+  </cs:dataPoint>
+  <cs:dataPoint3D>
+    <cs:lnRef idx="0"/>
+    <cs:fillRef idx="1">
+      <cs:styleClr val="auto"/>
+    </cs:fillRef>
+    <cs:effectRef idx="0"/>
+    <cs:fontRef idx="minor">
+      <a:schemeClr val="tx1"/>
+    </cs:fontRef>
+  </cs:dataPoint3D>
+  <cs:dataPointLine>
+    <cs:lnRef idx="0">
+      <cs:styleClr val="auto"/>
+    </cs:lnRef>
+    <cs:fillRef idx="1"/>
+    <cs:effectRef idx="0"/>
+    <cs:fontRef idx="minor">
+      <a:schemeClr val="tx1"/>
+    </cs:fontRef>
+    <cs:spPr>
+      <a:ln w="28575" cap="rnd">
+        <a:solidFill>
+          <a:schemeClr val="phClr"/>
+        </a:solidFill>
+        <a:round/>
+      </a:ln>
+    </cs:spPr>
+  </cs:dataPointLine>
+  <cs:dataPointMarker>
+    <cs:lnRef idx="0">
+      <cs:styleClr val="auto"/>
+    </cs:lnRef>
+    <cs:fillRef idx="1">
+      <cs:styleClr val="auto"/>
+    </cs:fillRef>
+    <cs:effectRef idx="0"/>
+    <cs:fontRef idx="minor">
+      <a:schemeClr val="tx1"/>
+    </cs:fontRef>
+    <cs:spPr>
+      <a:ln w="9525">
+        <a:solidFill>
+          <a:schemeClr val="phClr"/>
+        </a:solidFill>
+      </a:ln>
+    </cs:spPr>
+  </cs:dataPointMarker>
+  <cs:dataPointMarkerLayout symbol="circle" size="5"/>
+  <cs:dataPointWireframe>
+    <cs:lnRef idx="0">
+      <cs:styleClr val="auto"/>
+    </cs:lnRef>
+    <cs:fillRef idx="1"/>
+    <cs:effectRef idx="0"/>
+    <cs:fontRef idx="minor">
+      <a:schemeClr val="tx1"/>
+    </cs:fontRef>
+    <cs:spPr>
+      <a:ln w="9525" cap="rnd">
+        <a:solidFill>
+          <a:schemeClr val="phClr"/>
+        </a:solidFill>
+        <a:round/>
+      </a:ln>
+    </cs:spPr>
+  </cs:dataPointWireframe>
+  <cs:dataTable>
+    <cs:lnRef idx="0"/>
+    <cs:fillRef idx="0"/>
+    <cs:effectRef idx="0"/>
+    <cs:fontRef idx="minor">
+      <a:schemeClr val="tx1">
+        <a:lumMod val="65000"/>
+        <a:lumOff val="35000"/>
+      </a:schemeClr>
+    </cs:fontRef>
+    <cs:spPr>
+      <a:noFill/>
+      <a:ln w="9525" cap="flat" cmpd="sng" algn="ctr">
+        <a:solidFill>
+          <a:schemeClr val="tx1">
+            <a:lumMod val="15000"/>
+            <a:lumOff val="85000"/>
+          </a:schemeClr>
+        </a:solidFill>
+        <a:round/>
+      </a:ln>
+    </cs:spPr>
+    <cs:defRPr sz="1197" kern="1200"/>
+  </cs:dataTable>
+  <cs:downBar>
+    <cs:lnRef idx="0"/>
+    <cs:fillRef idx="0"/>
+    <cs:effectRef idx="0"/>
+    <cs:fontRef idx="minor">
+      <a:schemeClr val="tx1"/>
+    </cs:fontRef>
+    <cs:spPr>
+      <a:solidFill>
+        <a:schemeClr val="dk1">
+          <a:lumMod val="75000"/>
+          <a:lumOff val="25000"/>
+        </a:schemeClr>
+      </a:solidFill>
+      <a:ln w="9525" cap="flat" cmpd="sng" algn="ctr">
+        <a:solidFill>
+          <a:schemeClr val="tx1">
+            <a:lumMod val="65000"/>
+            <a:lumOff val="35000"/>
+          </a:schemeClr>
+        </a:solidFill>
+        <a:round/>
+      </a:ln>
+    </cs:spPr>
+  </cs:downBar>
+  <cs:dropLine>
+    <cs:lnRef idx="0"/>
+    <cs:fillRef idx="0"/>
+    <cs:effectRef idx="0"/>
+    <cs:fontRef idx="minor">
+      <a:schemeClr val="tx1"/>
+    </cs:fontRef>
+    <cs:spPr>
+      <a:ln w="9525" cap="flat" cmpd="sng" algn="ctr">
+        <a:solidFill>
+          <a:schemeClr val="tx1">
+            <a:lumMod val="35000"/>
+            <a:lumOff val="65000"/>
+          </a:schemeClr>
+        </a:solidFill>
+        <a:round/>
+      </a:ln>
+    </cs:spPr>
+  </cs:dropLine>
+  <cs:errorBar>
+    <cs:lnRef idx="0"/>
+    <cs:fillRef idx="0"/>
+    <cs:effectRef idx="0"/>
+    <cs:fontRef idx="minor">
+      <a:schemeClr val="tx1"/>
+    </cs:fontRef>
+    <cs:spPr>
+      <a:ln w="9525" cap="flat" cmpd="sng" algn="ctr">
+        <a:solidFill>
+          <a:schemeClr val="tx1">
+            <a:lumMod val="65000"/>
+            <a:lumOff val="35000"/>
+          </a:schemeClr>
+        </a:solidFill>
+        <a:round/>
+      </a:ln>
+    </cs:spPr>
+  </cs:errorBar>
+  <cs:floor>
+    <cs:lnRef idx="0"/>
+    <cs:fillRef idx="0"/>
+    <cs:effectRef idx="0"/>
+    <cs:fontRef idx="minor">
+      <a:schemeClr val="tx1"/>
+    </cs:fontRef>
+    <cs:spPr>
+      <a:noFill/>
+      <a:ln>
+        <a:noFill/>
+      </a:ln>
+    </cs:spPr>
+  </cs:floor>
+  <cs:gridlineMajor>
+    <cs:lnRef idx="0"/>
+    <cs:fillRef idx="0"/>
+    <cs:effectRef idx="0"/>
+    <cs:fontRef idx="minor">
+      <a:schemeClr val="tx1"/>
+    </cs:fontRef>
+    <cs:spPr>
+      <a:ln w="9525" cap="flat" cmpd="sng" algn="ctr">
+        <a:solidFill>
+          <a:schemeClr val="tx1">
+            <a:lumMod val="15000"/>
+            <a:lumOff val="85000"/>
+          </a:schemeClr>
+        </a:solidFill>
+        <a:round/>
+      </a:ln>
+    </cs:spPr>
+  </cs:gridlineMajor>
+  <cs:gridlineMinor>
+    <cs:lnRef idx="0"/>
+    <cs:fillRef idx="0"/>
+    <cs:effectRef idx="0"/>
+    <cs:fontRef idx="minor">
+      <a:schemeClr val="tx1"/>
+    </cs:fontRef>
+    <cs:spPr>
+      <a:ln w="9525" cap="flat" cmpd="sng" algn="ctr">
+        <a:solidFill>
+          <a:schemeClr val="tx1">
+            <a:lumMod val="5000"/>
+            <a:lumOff val="95000"/>
+          </a:schemeClr>
+        </a:solidFill>
+        <a:round/>
+      </a:ln>
+    </cs:spPr>
+  </cs:gridlineMinor>
+  <cs:hiLoLine>
+    <cs:lnRef idx="0"/>
+    <cs:fillRef idx="0"/>
+    <cs:effectRef idx="0"/>
+    <cs:fontRef idx="minor">
+      <a:schemeClr val="tx1"/>
+    </cs:fontRef>
+    <cs:spPr>
+      <a:ln w="9525" cap="flat" cmpd="sng" algn="ctr">
+        <a:solidFill>
+          <a:schemeClr val="tx1">
+            <a:lumMod val="50000"/>
+            <a:lumOff val="50000"/>
+          </a:schemeClr>
+        </a:solidFill>
+        <a:round/>
+      </a:ln>
+    </cs:spPr>
+  </cs:hiLoLine>
+  <cs:leaderLine>
+    <cs:lnRef idx="0"/>
+    <cs:fillRef idx="0"/>
+    <cs:effectRef idx="0"/>
+    <cs:fontRef idx="minor">
+      <a:schemeClr val="tx1"/>
+    </cs:fontRef>
+    <cs:spPr>
+      <a:ln w="9525" cap="flat" cmpd="sng" algn="ctr">
+        <a:solidFill>
+          <a:schemeClr val="tx1">
+            <a:lumMod val="35000"/>
+            <a:lumOff val="65000"/>
+          </a:schemeClr>
+        </a:solidFill>
+        <a:round/>
+      </a:ln>
+    </cs:spPr>
+  </cs:leaderLine>
+  <cs:legend>
+    <cs:lnRef idx="0"/>
+    <cs:fillRef idx="0"/>
+    <cs:effectRef idx="0"/>
+    <cs:fontRef idx="minor">
+      <a:schemeClr val="tx1">
+        <a:lumMod val="65000"/>
+        <a:lumOff val="35000"/>
+      </a:schemeClr>
+    </cs:fontRef>
+    <cs:defRPr sz="1197" kern="1200"/>
+  </cs:legend>
+  <cs:plotArea mods="allowNoFillOverride allowNoLineOverride">
+    <cs:lnRef idx="0"/>
+    <cs:fillRef idx="0"/>
+    <cs:effectRef idx="0"/>
+    <cs:fontRef idx="minor">
+      <a:schemeClr val="tx1"/>
+    </cs:fontRef>
+  </cs:plotArea>
+  <cs:plotArea3D mods="allowNoFillOverride allowNoLineOverride">
+    <cs:lnRef idx="0"/>
+    <cs:fillRef idx="0"/>
+    <cs:effectRef idx="0"/>
+    <cs:fontRef idx="minor">
+      <a:schemeClr val="tx1"/>
+    </cs:fontRef>
+  </cs:plotArea3D>
+  <cs:seriesAxis>
+    <cs:lnRef idx="0"/>
+    <cs:fillRef idx="0"/>
+    <cs:effectRef idx="0"/>
+    <cs:fontRef idx="minor">
+      <a:schemeClr val="tx1">
+        <a:lumMod val="65000"/>
+        <a:lumOff val="35000"/>
+      </a:schemeClr>
+    </cs:fontRef>
+    <cs:defRPr sz="1197" kern="1200"/>
+  </cs:seriesAxis>
+  <cs:seriesLine>
+    <cs:lnRef idx="0"/>
+    <cs:fillRef idx="0"/>
+    <cs:effectRef idx="0"/>
+    <cs:fontRef idx="minor">
+      <a:schemeClr val="tx1"/>
+    </cs:fontRef>
+    <cs:spPr>
+      <a:ln w="9525" cap="flat" cmpd="sng" algn="ctr">
+        <a:solidFill>
+          <a:schemeClr val="tx1">
+            <a:lumMod val="35000"/>
+            <a:lumOff val="65000"/>
+          </a:schemeClr>
+        </a:solidFill>
+        <a:round/>
+      </a:ln>
+    </cs:spPr>
+  </cs:seriesLine>
+  <cs:title>
+    <cs:lnRef idx="0"/>
+    <cs:fillRef idx="0"/>
+    <cs:effectRef idx="0"/>
+    <cs:fontRef idx="minor">
+      <a:schemeClr val="tx1">
+        <a:lumMod val="65000"/>
+        <a:lumOff val="35000"/>
+      </a:schemeClr>
+    </cs:fontRef>
+    <cs:defRPr sz="1862" b="0" kern="1200" spc="0" baseline="0"/>
+  </cs:title>
+  <cs:trendline>
+    <cs:lnRef idx="0">
+      <cs:styleClr val="auto"/>
+    </cs:lnRef>
+    <cs:fillRef idx="0"/>
+    <cs:effectRef idx="0"/>
+    <cs:fontRef idx="minor">
+      <a:schemeClr val="tx1"/>
+    </cs:fontRef>
+    <cs:spPr>
+      <a:ln w="19050" cap="rnd">
+        <a:solidFill>
+          <a:schemeClr val="phClr"/>
+        </a:solidFill>
+        <a:prstDash val="sysDot"/>
+      </a:ln>
+    </cs:spPr>
+  </cs:trendline>
+  <cs:trendlineLabel>
+    <cs:lnRef idx="0"/>
+    <cs:fillRef idx="0"/>
+    <cs:effectRef idx="0"/>
+    <cs:fontRef idx="minor">
+      <a:schemeClr val="tx1">
+        <a:lumMod val="65000"/>
+        <a:lumOff val="35000"/>
+      </a:schemeClr>
+    </cs:fontRef>
+    <cs:defRPr sz="1197" kern="1200"/>
+  </cs:trendlineLabel>
+  <cs:upBar>
+    <cs:lnRef idx="0"/>
+    <cs:fillRef idx="0"/>
+    <cs:effectRef idx="0"/>
+    <cs:fontRef idx="minor">
+      <a:schemeClr val="tx1"/>
+    </cs:fontRef>
+    <cs:spPr>
+      <a:solidFill>
+        <a:schemeClr val="lt1"/>
+      </a:solidFill>
+      <a:ln w="9525" cap="flat" cmpd="sng" algn="ctr">
+        <a:solidFill>
+          <a:schemeClr val="tx1">
+            <a:lumMod val="65000"/>
+            <a:lumOff val="35000"/>
+          </a:schemeClr>
+        </a:solidFill>
+        <a:round/>
+      </a:ln>
+    </cs:spPr>
+  </cs:upBar>
+  <cs:valueAxis>
+    <cs:lnRef idx="0"/>
+    <cs:fillRef idx="0"/>
+    <cs:effectRef idx="0"/>
+    <cs:fontRef idx="minor">
+      <a:schemeClr val="tx1">
+        <a:lumMod val="65000"/>
+        <a:lumOff val="35000"/>
+      </a:schemeClr>
+    </cs:fontRef>
+    <cs:defRPr sz="1197" kern="1200"/>
+  </cs:valueAxis>
+  <cs:wall>
+    <cs:lnRef idx="0"/>
+    <cs:fillRef idx="0"/>
+    <cs:effectRef idx="0"/>
+    <cs:fontRef idx="minor">
+      <a:schemeClr val="tx1"/>
+    </cs:fontRef>
+    <cs:spPr>
+      <a:noFill/>
+      <a:ln>
+        <a:noFill/>
+      </a:ln>
+    </cs:spPr>
+  </cs:wall>
+</cs:chartStyle>
 </file>
 
 <file path=ppt/diagrams/colors1.xml><?xml version="1.0" encoding="utf-8"?>
@@ -5422,7 +6445,7 @@
           <a:p>
             <a:fld id="{1002A3FA-D19E-4168-98A7-1417A36215A9}" type="datetimeFigureOut">
               <a:rPr lang="en-US" smtClean="0"/>
-              <a:t>08/24/2018</a:t>
+              <a:t>09/06/2018</a:t>
             </a:fld>
             <a:endParaRPr lang="en-US"/>
           </a:p>
@@ -5592,7 +6615,7 @@
           <a:p>
             <a:fld id="{1002A3FA-D19E-4168-98A7-1417A36215A9}" type="datetimeFigureOut">
               <a:rPr lang="en-US" smtClean="0"/>
-              <a:t>08/24/2018</a:t>
+              <a:t>09/06/2018</a:t>
             </a:fld>
             <a:endParaRPr lang="en-US"/>
           </a:p>
@@ -5772,7 +6795,7 @@
           <a:p>
             <a:fld id="{1002A3FA-D19E-4168-98A7-1417A36215A9}" type="datetimeFigureOut">
               <a:rPr lang="en-US" smtClean="0"/>
-              <a:t>08/24/2018</a:t>
+              <a:t>09/06/2018</a:t>
             </a:fld>
             <a:endParaRPr lang="en-US"/>
           </a:p>
@@ -5942,7 +6965,7 @@
           <a:p>
             <a:fld id="{1002A3FA-D19E-4168-98A7-1417A36215A9}" type="datetimeFigureOut">
               <a:rPr lang="en-US" smtClean="0"/>
-              <a:t>08/24/2018</a:t>
+              <a:t>09/06/2018</a:t>
             </a:fld>
             <a:endParaRPr lang="en-US"/>
           </a:p>
@@ -6188,7 +7211,7 @@
           <a:p>
             <a:fld id="{1002A3FA-D19E-4168-98A7-1417A36215A9}" type="datetimeFigureOut">
               <a:rPr lang="en-US" smtClean="0"/>
-              <a:t>08/24/2018</a:t>
+              <a:t>09/06/2018</a:t>
             </a:fld>
             <a:endParaRPr lang="en-US"/>
           </a:p>
@@ -6476,7 +7499,7 @@
           <a:p>
             <a:fld id="{1002A3FA-D19E-4168-98A7-1417A36215A9}" type="datetimeFigureOut">
               <a:rPr lang="en-US" smtClean="0"/>
-              <a:t>08/24/2018</a:t>
+              <a:t>09/06/2018</a:t>
             </a:fld>
             <a:endParaRPr lang="en-US"/>
           </a:p>
@@ -6898,7 +7921,7 @@
           <a:p>
             <a:fld id="{1002A3FA-D19E-4168-98A7-1417A36215A9}" type="datetimeFigureOut">
               <a:rPr lang="en-US" smtClean="0"/>
-              <a:t>08/24/2018</a:t>
+              <a:t>09/06/2018</a:t>
             </a:fld>
             <a:endParaRPr lang="en-US"/>
           </a:p>
@@ -7016,7 +8039,7 @@
           <a:p>
             <a:fld id="{1002A3FA-D19E-4168-98A7-1417A36215A9}" type="datetimeFigureOut">
               <a:rPr lang="en-US" smtClean="0"/>
-              <a:t>08/24/2018</a:t>
+              <a:t>09/06/2018</a:t>
             </a:fld>
             <a:endParaRPr lang="en-US"/>
           </a:p>
@@ -7111,7 +8134,7 @@
           <a:p>
             <a:fld id="{1002A3FA-D19E-4168-98A7-1417A36215A9}" type="datetimeFigureOut">
               <a:rPr lang="en-US" smtClean="0"/>
-              <a:t>08/24/2018</a:t>
+              <a:t>09/06/2018</a:t>
             </a:fld>
             <a:endParaRPr lang="en-US"/>
           </a:p>
@@ -7388,7 +8411,7 @@
           <a:p>
             <a:fld id="{1002A3FA-D19E-4168-98A7-1417A36215A9}" type="datetimeFigureOut">
               <a:rPr lang="en-US" smtClean="0"/>
-              <a:t>08/24/2018</a:t>
+              <a:t>09/06/2018</a:t>
             </a:fld>
             <a:endParaRPr lang="en-US"/>
           </a:p>
@@ -7641,7 +8664,7 @@
           <a:p>
             <a:fld id="{1002A3FA-D19E-4168-98A7-1417A36215A9}" type="datetimeFigureOut">
               <a:rPr lang="en-US" smtClean="0"/>
-              <a:t>08/24/2018</a:t>
+              <a:t>09/06/2018</a:t>
             </a:fld>
             <a:endParaRPr lang="en-US"/>
           </a:p>
@@ -7854,7 +8877,7 @@
           <a:p>
             <a:fld id="{1002A3FA-D19E-4168-98A7-1417A36215A9}" type="datetimeFigureOut">
               <a:rPr lang="en-US" smtClean="0"/>
-              <a:t>08/24/2018</a:t>
+              <a:t>09/06/2018</a:t>
             </a:fld>
             <a:endParaRPr lang="en-US"/>
           </a:p>
@@ -27646,6 +28669,61 @@
 </p:sld>
 </file>
 
+<file path=ppt/slides/slide23.xml><?xml version="1.0" encoding="utf-8"?>
+<p:sld xmlns:a="http://schemas.openxmlformats.org/drawingml/2006/main" xmlns:r="http://schemas.openxmlformats.org/officeDocument/2006/relationships" xmlns:p="http://schemas.openxmlformats.org/presentationml/2006/main">
+  <p:cSld>
+    <p:spTree>
+      <p:nvGrpSpPr>
+        <p:cNvPr id="1" name=""/>
+        <p:cNvGrpSpPr/>
+        <p:nvPr/>
+      </p:nvGrpSpPr>
+      <p:grpSpPr>
+        <a:xfrm>
+          <a:off x="0" y="0"/>
+          <a:ext cx="0" cy="0"/>
+          <a:chOff x="0" y="0"/>
+          <a:chExt cx="0" cy="0"/>
+        </a:xfrm>
+      </p:grpSpPr>
+      <p:graphicFrame>
+        <p:nvGraphicFramePr>
+          <p:cNvPr id="6" name="Tijdelijke aanduiding voor inhoud 5"/>
+          <p:cNvGraphicFramePr>
+            <a:graphicFrameLocks noGrp="1"/>
+          </p:cNvGraphicFramePr>
+          <p:nvPr>
+            <p:ph idx="1"/>
+            <p:extLst>
+              <p:ext uri="{D42A27DB-BD31-4B8C-83A1-F6EECF244321}">
+                <p14:modId xmlns:p14="http://schemas.microsoft.com/office/powerpoint/2010/main" val="1826842322"/>
+              </p:ext>
+            </p:extLst>
+          </p:nvPr>
+        </p:nvGraphicFramePr>
+        <p:xfrm>
+          <a:off x="152400" y="1295400"/>
+          <a:ext cx="8915400" cy="4830763"/>
+        </p:xfrm>
+        <a:graphic>
+          <a:graphicData uri="http://schemas.openxmlformats.org/drawingml/2006/chart">
+            <c:chart xmlns:c="http://schemas.openxmlformats.org/drawingml/2006/chart" xmlns:r="http://schemas.openxmlformats.org/officeDocument/2006/relationships" r:id="rId2"/>
+          </a:graphicData>
+        </a:graphic>
+      </p:graphicFrame>
+    </p:spTree>
+    <p:extLst>
+      <p:ext uri="{BB962C8B-B14F-4D97-AF65-F5344CB8AC3E}">
+        <p14:creationId xmlns:p14="http://schemas.microsoft.com/office/powerpoint/2010/main" val="3982386659"/>
+      </p:ext>
+    </p:extLst>
+  </p:cSld>
+  <p:clrMapOvr>
+    <a:masterClrMapping/>
+  </p:clrMapOvr>
+</p:sld>
+</file>
+
 <file path=ppt/slides/slide3.xml><?xml version="1.0" encoding="utf-8"?>
 <p:sld xmlns:a="http://schemas.openxmlformats.org/drawingml/2006/main" xmlns:r="http://schemas.openxmlformats.org/officeDocument/2006/relationships" xmlns:p="http://schemas.openxmlformats.org/presentationml/2006/main">
   <p:cSld>

--- a/Figures/pictures.pptx
+++ b/Figures/pictures.pptx
@@ -29,6 +29,7 @@
     <p:sldId id="284" r:id="rId23"/>
     <p:sldId id="286" r:id="rId24"/>
     <p:sldId id="287" r:id="rId25"/>
+    <p:sldId id="288" r:id="rId26"/>
   </p:sldIdLst>
   <p:sldSz cx="9144000" cy="6858000" type="screen4x3"/>
   <p:notesSz cx="6858000" cy="9144000"/>
@@ -30516,6 +30517,756 @@
 </p:sld>
 </file>
 
+<file path=ppt/slides/slide25.xml><?xml version="1.0" encoding="utf-8"?>
+<p:sld xmlns:a="http://schemas.openxmlformats.org/drawingml/2006/main" xmlns:r="http://schemas.openxmlformats.org/officeDocument/2006/relationships" xmlns:p="http://schemas.openxmlformats.org/presentationml/2006/main">
+  <p:cSld>
+    <p:spTree>
+      <p:nvGrpSpPr>
+        <p:cNvPr id="1" name=""/>
+        <p:cNvGrpSpPr/>
+        <p:nvPr/>
+      </p:nvGrpSpPr>
+      <p:grpSpPr>
+        <a:xfrm>
+          <a:off x="0" y="0"/>
+          <a:ext cx="0" cy="0"/>
+          <a:chOff x="0" y="0"/>
+          <a:chExt cx="0" cy="0"/>
+        </a:xfrm>
+      </p:grpSpPr>
+      <p:pic>
+        <p:nvPicPr>
+          <p:cNvPr id="1028" name="Picture 4" descr="Afbeeldingsresultaat voor products"/>
+          <p:cNvPicPr>
+            <a:picLocks noChangeAspect="1" noChangeArrowheads="1"/>
+          </p:cNvPicPr>
+          <p:nvPr/>
+        </p:nvPicPr>
+        <p:blipFill>
+          <a:blip r:embed="rId2" cstate="print">
+            <a:extLst>
+              <a:ext uri="{28A0092B-C50C-407E-A947-70E740481C1C}">
+                <a14:useLocalDpi xmlns:a14="http://schemas.microsoft.com/office/drawing/2010/main" val="0"/>
+              </a:ext>
+            </a:extLst>
+          </a:blip>
+          <a:srcRect/>
+          <a:stretch>
+            <a:fillRect/>
+          </a:stretch>
+        </p:blipFill>
+        <p:spPr bwMode="auto">
+          <a:xfrm>
+            <a:off x="5024438" y="1460649"/>
+            <a:ext cx="3561490" cy="2250774"/>
+          </a:xfrm>
+          <a:prstGeom prst="rect">
+            <a:avLst/>
+          </a:prstGeom>
+          <a:noFill/>
+          <a:ln w="63500">
+            <a:solidFill>
+              <a:srgbClr val="002060"/>
+            </a:solidFill>
+          </a:ln>
+          <a:extLst>
+            <a:ext uri="{909E8E84-426E-40DD-AFC4-6F175D3DCCD1}">
+              <a14:hiddenFill xmlns:a14="http://schemas.microsoft.com/office/drawing/2010/main">
+                <a:solidFill>
+                  <a:srgbClr val="FFFFFF"/>
+                </a:solidFill>
+              </a14:hiddenFill>
+            </a:ext>
+          </a:extLst>
+        </p:spPr>
+      </p:pic>
+      <p:pic>
+        <p:nvPicPr>
+          <p:cNvPr id="1030" name="Picture 6"/>
+          <p:cNvPicPr>
+            <a:picLocks noChangeAspect="1" noChangeArrowheads="1"/>
+          </p:cNvPicPr>
+          <p:nvPr/>
+        </p:nvPicPr>
+        <p:blipFill>
+          <a:blip r:embed="rId3">
+            <a:extLst>
+              <a:ext uri="{28A0092B-C50C-407E-A947-70E740481C1C}">
+                <a14:useLocalDpi xmlns:a14="http://schemas.microsoft.com/office/drawing/2010/main" val="0"/>
+              </a:ext>
+            </a:extLst>
+          </a:blip>
+          <a:srcRect/>
+          <a:stretch/>
+        </p:blipFill>
+        <p:spPr bwMode="auto">
+          <a:xfrm>
+            <a:off x="5034064" y="4105758"/>
+            <a:ext cx="3586154" cy="2212310"/>
+          </a:xfrm>
+          <a:prstGeom prst="rect">
+            <a:avLst/>
+          </a:prstGeom>
+          <a:noFill/>
+          <a:ln w="63500">
+            <a:solidFill>
+              <a:srgbClr val="FFC000"/>
+            </a:solidFill>
+          </a:ln>
+          <a:extLst>
+            <a:ext uri="{909E8E84-426E-40DD-AFC4-6F175D3DCCD1}">
+              <a14:hiddenFill xmlns:a14="http://schemas.microsoft.com/office/drawing/2010/main">
+                <a:solidFill>
+                  <a:srgbClr val="FFFFFF"/>
+                </a:solidFill>
+              </a14:hiddenFill>
+            </a:ext>
+          </a:extLst>
+        </p:spPr>
+      </p:pic>
+      <p:pic>
+        <p:nvPicPr>
+          <p:cNvPr id="1031" name="Picture 7"/>
+          <p:cNvPicPr>
+            <a:picLocks noChangeAspect="1" noChangeArrowheads="1"/>
+          </p:cNvPicPr>
+          <p:nvPr/>
+        </p:nvPicPr>
+        <p:blipFill>
+          <a:blip r:embed="rId4">
+            <a:extLst>
+              <a:ext uri="{28A0092B-C50C-407E-A947-70E740481C1C}">
+                <a14:useLocalDpi xmlns:a14="http://schemas.microsoft.com/office/drawing/2010/main" val="0"/>
+              </a:ext>
+            </a:extLst>
+          </a:blip>
+          <a:srcRect/>
+          <a:stretch>
+            <a:fillRect/>
+          </a:stretch>
+        </p:blipFill>
+        <p:spPr bwMode="auto">
+          <a:xfrm>
+            <a:off x="4567238" y="3682848"/>
+            <a:ext cx="9525" cy="28575"/>
+          </a:xfrm>
+          <a:prstGeom prst="rect">
+            <a:avLst/>
+          </a:prstGeom>
+          <a:noFill/>
+          <a:ln>
+            <a:noFill/>
+          </a:ln>
+          <a:extLst>
+            <a:ext uri="{909E8E84-426E-40DD-AFC4-6F175D3DCCD1}">
+              <a14:hiddenFill xmlns:a14="http://schemas.microsoft.com/office/drawing/2010/main">
+                <a:solidFill>
+                  <a:schemeClr val="accent1"/>
+                </a:solidFill>
+              </a14:hiddenFill>
+            </a:ext>
+            <a:ext uri="{91240B29-F687-4F45-9708-019B960494DF}">
+              <a14:hiddenLine xmlns:a14="http://schemas.microsoft.com/office/drawing/2010/main" w="9525">
+                <a:solidFill>
+                  <a:schemeClr val="tx1"/>
+                </a:solidFill>
+                <a:miter lim="800000"/>
+                <a:headEnd/>
+                <a:tailEnd/>
+              </a14:hiddenLine>
+            </a:ext>
+          </a:extLst>
+        </p:spPr>
+      </p:pic>
+      <p:pic>
+        <p:nvPicPr>
+          <p:cNvPr id="1032" name="Picture 8"/>
+          <p:cNvPicPr>
+            <a:picLocks noChangeAspect="1" noChangeArrowheads="1"/>
+          </p:cNvPicPr>
+          <p:nvPr/>
+        </p:nvPicPr>
+        <p:blipFill>
+          <a:blip r:embed="rId4">
+            <a:extLst>
+              <a:ext uri="{28A0092B-C50C-407E-A947-70E740481C1C}">
+                <a14:useLocalDpi xmlns:a14="http://schemas.microsoft.com/office/drawing/2010/main" val="0"/>
+              </a:ext>
+            </a:extLst>
+          </a:blip>
+          <a:srcRect/>
+          <a:stretch>
+            <a:fillRect/>
+          </a:stretch>
+        </p:blipFill>
+        <p:spPr bwMode="auto">
+          <a:xfrm>
+            <a:off x="4719638" y="3835248"/>
+            <a:ext cx="9525" cy="28575"/>
+          </a:xfrm>
+          <a:prstGeom prst="rect">
+            <a:avLst/>
+          </a:prstGeom>
+          <a:noFill/>
+          <a:ln>
+            <a:noFill/>
+          </a:ln>
+          <a:extLst>
+            <a:ext uri="{909E8E84-426E-40DD-AFC4-6F175D3DCCD1}">
+              <a14:hiddenFill xmlns:a14="http://schemas.microsoft.com/office/drawing/2010/main">
+                <a:solidFill>
+                  <a:schemeClr val="accent1"/>
+                </a:solidFill>
+              </a14:hiddenFill>
+            </a:ext>
+            <a:ext uri="{91240B29-F687-4F45-9708-019B960494DF}">
+              <a14:hiddenLine xmlns:a14="http://schemas.microsoft.com/office/drawing/2010/main" w="9525">
+                <a:solidFill>
+                  <a:schemeClr val="tx1"/>
+                </a:solidFill>
+                <a:miter lim="800000"/>
+                <a:headEnd/>
+                <a:tailEnd/>
+              </a14:hiddenLine>
+            </a:ext>
+          </a:extLst>
+        </p:spPr>
+      </p:pic>
+      <p:pic>
+        <p:nvPicPr>
+          <p:cNvPr id="1033" name="Picture 9"/>
+          <p:cNvPicPr>
+            <a:picLocks noChangeAspect="1" noChangeArrowheads="1"/>
+          </p:cNvPicPr>
+          <p:nvPr/>
+        </p:nvPicPr>
+        <p:blipFill>
+          <a:blip r:embed="rId4">
+            <a:extLst>
+              <a:ext uri="{28A0092B-C50C-407E-A947-70E740481C1C}">
+                <a14:useLocalDpi xmlns:a14="http://schemas.microsoft.com/office/drawing/2010/main" val="0"/>
+              </a:ext>
+            </a:extLst>
+          </a:blip>
+          <a:srcRect/>
+          <a:stretch>
+            <a:fillRect/>
+          </a:stretch>
+        </p:blipFill>
+        <p:spPr bwMode="auto">
+          <a:xfrm>
+            <a:off x="4872038" y="3987648"/>
+            <a:ext cx="9525" cy="28575"/>
+          </a:xfrm>
+          <a:prstGeom prst="rect">
+            <a:avLst/>
+          </a:prstGeom>
+          <a:noFill/>
+          <a:ln>
+            <a:noFill/>
+          </a:ln>
+          <a:extLst>
+            <a:ext uri="{909E8E84-426E-40DD-AFC4-6F175D3DCCD1}">
+              <a14:hiddenFill xmlns:a14="http://schemas.microsoft.com/office/drawing/2010/main">
+                <a:solidFill>
+                  <a:schemeClr val="accent1"/>
+                </a:solidFill>
+              </a14:hiddenFill>
+            </a:ext>
+            <a:ext uri="{91240B29-F687-4F45-9708-019B960494DF}">
+              <a14:hiddenLine xmlns:a14="http://schemas.microsoft.com/office/drawing/2010/main" w="9525">
+                <a:solidFill>
+                  <a:schemeClr val="tx1"/>
+                </a:solidFill>
+                <a:miter lim="800000"/>
+                <a:headEnd/>
+                <a:tailEnd/>
+              </a14:hiddenLine>
+            </a:ext>
+          </a:extLst>
+        </p:spPr>
+      </p:pic>
+      <p:pic>
+        <p:nvPicPr>
+          <p:cNvPr id="1034" name="Picture 10"/>
+          <p:cNvPicPr>
+            <a:picLocks noChangeAspect="1" noChangeArrowheads="1"/>
+          </p:cNvPicPr>
+          <p:nvPr/>
+        </p:nvPicPr>
+        <p:blipFill>
+          <a:blip r:embed="rId4">
+            <a:extLst>
+              <a:ext uri="{28A0092B-C50C-407E-A947-70E740481C1C}">
+                <a14:useLocalDpi xmlns:a14="http://schemas.microsoft.com/office/drawing/2010/main" val="0"/>
+              </a:ext>
+            </a:extLst>
+          </a:blip>
+          <a:srcRect/>
+          <a:stretch>
+            <a:fillRect/>
+          </a:stretch>
+        </p:blipFill>
+        <p:spPr bwMode="auto">
+          <a:xfrm>
+            <a:off x="5024438" y="4140048"/>
+            <a:ext cx="9525" cy="28575"/>
+          </a:xfrm>
+          <a:prstGeom prst="rect">
+            <a:avLst/>
+          </a:prstGeom>
+          <a:noFill/>
+          <a:ln>
+            <a:noFill/>
+          </a:ln>
+          <a:extLst>
+            <a:ext uri="{909E8E84-426E-40DD-AFC4-6F175D3DCCD1}">
+              <a14:hiddenFill xmlns:a14="http://schemas.microsoft.com/office/drawing/2010/main">
+                <a:solidFill>
+                  <a:schemeClr val="accent1"/>
+                </a:solidFill>
+              </a14:hiddenFill>
+            </a:ext>
+            <a:ext uri="{91240B29-F687-4F45-9708-019B960494DF}">
+              <a14:hiddenLine xmlns:a14="http://schemas.microsoft.com/office/drawing/2010/main" w="9525">
+                <a:solidFill>
+                  <a:schemeClr val="tx1"/>
+                </a:solidFill>
+                <a:miter lim="800000"/>
+                <a:headEnd/>
+                <a:tailEnd/>
+              </a14:hiddenLine>
+            </a:ext>
+          </a:extLst>
+        </p:spPr>
+      </p:pic>
+      <p:pic>
+        <p:nvPicPr>
+          <p:cNvPr id="1035" name="Picture 11"/>
+          <p:cNvPicPr>
+            <a:picLocks noChangeAspect="1" noChangeArrowheads="1"/>
+          </p:cNvPicPr>
+          <p:nvPr/>
+        </p:nvPicPr>
+        <p:blipFill>
+          <a:blip r:embed="rId4">
+            <a:extLst>
+              <a:ext uri="{28A0092B-C50C-407E-A947-70E740481C1C}">
+                <a14:useLocalDpi xmlns:a14="http://schemas.microsoft.com/office/drawing/2010/main" val="0"/>
+              </a:ext>
+            </a:extLst>
+          </a:blip>
+          <a:srcRect/>
+          <a:stretch>
+            <a:fillRect/>
+          </a:stretch>
+        </p:blipFill>
+        <p:spPr bwMode="auto">
+          <a:xfrm>
+            <a:off x="5176838" y="4292448"/>
+            <a:ext cx="9525" cy="28575"/>
+          </a:xfrm>
+          <a:prstGeom prst="rect">
+            <a:avLst/>
+          </a:prstGeom>
+          <a:noFill/>
+          <a:ln>
+            <a:noFill/>
+          </a:ln>
+          <a:extLst>
+            <a:ext uri="{909E8E84-426E-40DD-AFC4-6F175D3DCCD1}">
+              <a14:hiddenFill xmlns:a14="http://schemas.microsoft.com/office/drawing/2010/main">
+                <a:solidFill>
+                  <a:schemeClr val="accent1"/>
+                </a:solidFill>
+              </a14:hiddenFill>
+            </a:ext>
+            <a:ext uri="{91240B29-F687-4F45-9708-019B960494DF}">
+              <a14:hiddenLine xmlns:a14="http://schemas.microsoft.com/office/drawing/2010/main" w="9525">
+                <a:solidFill>
+                  <a:schemeClr val="tx1"/>
+                </a:solidFill>
+                <a:miter lim="800000"/>
+                <a:headEnd/>
+                <a:tailEnd/>
+              </a14:hiddenLine>
+            </a:ext>
+          </a:extLst>
+        </p:spPr>
+      </p:pic>
+      <p:pic>
+        <p:nvPicPr>
+          <p:cNvPr id="1036" name="Picture 12"/>
+          <p:cNvPicPr>
+            <a:picLocks noChangeAspect="1" noChangeArrowheads="1"/>
+          </p:cNvPicPr>
+          <p:nvPr/>
+        </p:nvPicPr>
+        <p:blipFill>
+          <a:blip r:embed="rId4">
+            <a:extLst>
+              <a:ext uri="{28A0092B-C50C-407E-A947-70E740481C1C}">
+                <a14:useLocalDpi xmlns:a14="http://schemas.microsoft.com/office/drawing/2010/main" val="0"/>
+              </a:ext>
+            </a:extLst>
+          </a:blip>
+          <a:srcRect/>
+          <a:stretch>
+            <a:fillRect/>
+          </a:stretch>
+        </p:blipFill>
+        <p:spPr bwMode="auto">
+          <a:xfrm>
+            <a:off x="5329238" y="4176713"/>
+            <a:ext cx="9525" cy="28575"/>
+          </a:xfrm>
+          <a:prstGeom prst="rect">
+            <a:avLst/>
+          </a:prstGeom>
+          <a:noFill/>
+          <a:ln>
+            <a:noFill/>
+          </a:ln>
+          <a:extLst>
+            <a:ext uri="{909E8E84-426E-40DD-AFC4-6F175D3DCCD1}">
+              <a14:hiddenFill xmlns:a14="http://schemas.microsoft.com/office/drawing/2010/main">
+                <a:solidFill>
+                  <a:schemeClr val="accent1"/>
+                </a:solidFill>
+              </a14:hiddenFill>
+            </a:ext>
+            <a:ext uri="{91240B29-F687-4F45-9708-019B960494DF}">
+              <a14:hiddenLine xmlns:a14="http://schemas.microsoft.com/office/drawing/2010/main" w="9525">
+                <a:solidFill>
+                  <a:schemeClr val="tx1"/>
+                </a:solidFill>
+                <a:miter lim="800000"/>
+                <a:headEnd/>
+                <a:tailEnd/>
+              </a14:hiddenLine>
+            </a:ext>
+          </a:extLst>
+        </p:spPr>
+      </p:pic>
+      <p:pic>
+        <p:nvPicPr>
+          <p:cNvPr id="1037" name="Picture 13"/>
+          <p:cNvPicPr>
+            <a:picLocks noChangeAspect="1" noChangeArrowheads="1"/>
+          </p:cNvPicPr>
+          <p:nvPr/>
+        </p:nvPicPr>
+        <p:blipFill>
+          <a:blip r:embed="rId4">
+            <a:extLst>
+              <a:ext uri="{28A0092B-C50C-407E-A947-70E740481C1C}">
+                <a14:useLocalDpi xmlns:a14="http://schemas.microsoft.com/office/drawing/2010/main" val="0"/>
+              </a:ext>
+            </a:extLst>
+          </a:blip>
+          <a:srcRect/>
+          <a:stretch>
+            <a:fillRect/>
+          </a:stretch>
+        </p:blipFill>
+        <p:spPr bwMode="auto">
+          <a:xfrm>
+            <a:off x="5481638" y="4329113"/>
+            <a:ext cx="9525" cy="28575"/>
+          </a:xfrm>
+          <a:prstGeom prst="rect">
+            <a:avLst/>
+          </a:prstGeom>
+          <a:noFill/>
+          <a:ln>
+            <a:noFill/>
+          </a:ln>
+          <a:extLst>
+            <a:ext uri="{909E8E84-426E-40DD-AFC4-6F175D3DCCD1}">
+              <a14:hiddenFill xmlns:a14="http://schemas.microsoft.com/office/drawing/2010/main">
+                <a:solidFill>
+                  <a:schemeClr val="accent1"/>
+                </a:solidFill>
+              </a14:hiddenFill>
+            </a:ext>
+            <a:ext uri="{91240B29-F687-4F45-9708-019B960494DF}">
+              <a14:hiddenLine xmlns:a14="http://schemas.microsoft.com/office/drawing/2010/main" w="9525">
+                <a:solidFill>
+                  <a:schemeClr val="tx1"/>
+                </a:solidFill>
+                <a:miter lim="800000"/>
+                <a:headEnd/>
+                <a:tailEnd/>
+              </a14:hiddenLine>
+            </a:ext>
+          </a:extLst>
+        </p:spPr>
+      </p:pic>
+      <p:pic>
+        <p:nvPicPr>
+          <p:cNvPr id="1038" name="Picture 14"/>
+          <p:cNvPicPr>
+            <a:picLocks noChangeAspect="1" noChangeArrowheads="1"/>
+          </p:cNvPicPr>
+          <p:nvPr/>
+        </p:nvPicPr>
+        <p:blipFill>
+          <a:blip r:embed="rId4">
+            <a:extLst>
+              <a:ext uri="{28A0092B-C50C-407E-A947-70E740481C1C}">
+                <a14:useLocalDpi xmlns:a14="http://schemas.microsoft.com/office/drawing/2010/main" val="0"/>
+              </a:ext>
+            </a:extLst>
+          </a:blip>
+          <a:srcRect/>
+          <a:stretch>
+            <a:fillRect/>
+          </a:stretch>
+        </p:blipFill>
+        <p:spPr bwMode="auto">
+          <a:xfrm>
+            <a:off x="5634038" y="4481513"/>
+            <a:ext cx="9525" cy="28575"/>
+          </a:xfrm>
+          <a:prstGeom prst="rect">
+            <a:avLst/>
+          </a:prstGeom>
+          <a:noFill/>
+          <a:ln>
+            <a:noFill/>
+          </a:ln>
+          <a:extLst>
+            <a:ext uri="{909E8E84-426E-40DD-AFC4-6F175D3DCCD1}">
+              <a14:hiddenFill xmlns:a14="http://schemas.microsoft.com/office/drawing/2010/main">
+                <a:solidFill>
+                  <a:schemeClr val="accent1"/>
+                </a:solidFill>
+              </a14:hiddenFill>
+            </a:ext>
+            <a:ext uri="{91240B29-F687-4F45-9708-019B960494DF}">
+              <a14:hiddenLine xmlns:a14="http://schemas.microsoft.com/office/drawing/2010/main" w="9525">
+                <a:solidFill>
+                  <a:schemeClr val="tx1"/>
+                </a:solidFill>
+                <a:miter lim="800000"/>
+                <a:headEnd/>
+                <a:tailEnd/>
+              </a14:hiddenLine>
+            </a:ext>
+          </a:extLst>
+        </p:spPr>
+      </p:pic>
+      <p:pic>
+        <p:nvPicPr>
+          <p:cNvPr id="1039" name="Picture 15"/>
+          <p:cNvPicPr>
+            <a:picLocks noChangeAspect="1" noChangeArrowheads="1"/>
+          </p:cNvPicPr>
+          <p:nvPr/>
+        </p:nvPicPr>
+        <p:blipFill>
+          <a:blip r:embed="rId4">
+            <a:extLst>
+              <a:ext uri="{28A0092B-C50C-407E-A947-70E740481C1C}">
+                <a14:useLocalDpi xmlns:a14="http://schemas.microsoft.com/office/drawing/2010/main" val="0"/>
+              </a:ext>
+            </a:extLst>
+          </a:blip>
+          <a:srcRect/>
+          <a:stretch>
+            <a:fillRect/>
+          </a:stretch>
+        </p:blipFill>
+        <p:spPr bwMode="auto">
+          <a:xfrm>
+            <a:off x="5786438" y="4633913"/>
+            <a:ext cx="9525" cy="28575"/>
+          </a:xfrm>
+          <a:prstGeom prst="rect">
+            <a:avLst/>
+          </a:prstGeom>
+          <a:noFill/>
+          <a:ln>
+            <a:noFill/>
+          </a:ln>
+          <a:extLst>
+            <a:ext uri="{909E8E84-426E-40DD-AFC4-6F175D3DCCD1}">
+              <a14:hiddenFill xmlns:a14="http://schemas.microsoft.com/office/drawing/2010/main">
+                <a:solidFill>
+                  <a:schemeClr val="accent1"/>
+                </a:solidFill>
+              </a14:hiddenFill>
+            </a:ext>
+            <a:ext uri="{91240B29-F687-4F45-9708-019B960494DF}">
+              <a14:hiddenLine xmlns:a14="http://schemas.microsoft.com/office/drawing/2010/main" w="9525">
+                <a:solidFill>
+                  <a:schemeClr val="tx1"/>
+                </a:solidFill>
+                <a:miter lim="800000"/>
+                <a:headEnd/>
+                <a:tailEnd/>
+              </a14:hiddenLine>
+            </a:ext>
+          </a:extLst>
+        </p:spPr>
+      </p:pic>
+      <p:pic>
+        <p:nvPicPr>
+          <p:cNvPr id="1040" name="Picture 16"/>
+          <p:cNvPicPr>
+            <a:picLocks noChangeAspect="1" noChangeArrowheads="1"/>
+          </p:cNvPicPr>
+          <p:nvPr/>
+        </p:nvPicPr>
+        <p:blipFill>
+          <a:blip r:embed="rId4">
+            <a:extLst>
+              <a:ext uri="{28A0092B-C50C-407E-A947-70E740481C1C}">
+                <a14:useLocalDpi xmlns:a14="http://schemas.microsoft.com/office/drawing/2010/main" val="0"/>
+              </a:ext>
+            </a:extLst>
+          </a:blip>
+          <a:srcRect/>
+          <a:stretch>
+            <a:fillRect/>
+          </a:stretch>
+        </p:blipFill>
+        <p:spPr bwMode="auto">
+          <a:xfrm>
+            <a:off x="5938838" y="4786313"/>
+            <a:ext cx="9525" cy="28575"/>
+          </a:xfrm>
+          <a:prstGeom prst="rect">
+            <a:avLst/>
+          </a:prstGeom>
+          <a:noFill/>
+          <a:ln>
+            <a:noFill/>
+          </a:ln>
+          <a:extLst>
+            <a:ext uri="{909E8E84-426E-40DD-AFC4-6F175D3DCCD1}">
+              <a14:hiddenFill xmlns:a14="http://schemas.microsoft.com/office/drawing/2010/main">
+                <a:solidFill>
+                  <a:schemeClr val="accent1"/>
+                </a:solidFill>
+              </a14:hiddenFill>
+            </a:ext>
+            <a:ext uri="{91240B29-F687-4F45-9708-019B960494DF}">
+              <a14:hiddenLine xmlns:a14="http://schemas.microsoft.com/office/drawing/2010/main" w="9525">
+                <a:solidFill>
+                  <a:schemeClr val="tx1"/>
+                </a:solidFill>
+                <a:miter lim="800000"/>
+                <a:headEnd/>
+                <a:tailEnd/>
+              </a14:hiddenLine>
+            </a:ext>
+          </a:extLst>
+        </p:spPr>
+      </p:pic>
+      <p:pic>
+        <p:nvPicPr>
+          <p:cNvPr id="1042" name="Picture 18" descr="Afbeeldingsresultaat voor face recognition"/>
+          <p:cNvPicPr>
+            <a:picLocks noChangeAspect="1" noChangeArrowheads="1"/>
+          </p:cNvPicPr>
+          <p:nvPr/>
+        </p:nvPicPr>
+        <p:blipFill>
+          <a:blip r:embed="rId5" cstate="print">
+            <a:extLst>
+              <a:ext uri="{28A0092B-C50C-407E-A947-70E740481C1C}">
+                <a14:useLocalDpi xmlns:a14="http://schemas.microsoft.com/office/drawing/2010/main" val="0"/>
+              </a:ext>
+            </a:extLst>
+          </a:blip>
+          <a:srcRect/>
+          <a:stretch>
+            <a:fillRect/>
+          </a:stretch>
+        </p:blipFill>
+        <p:spPr bwMode="auto">
+          <a:xfrm>
+            <a:off x="558072" y="1447801"/>
+            <a:ext cx="3654146" cy="2228770"/>
+          </a:xfrm>
+          <a:prstGeom prst="rect">
+            <a:avLst/>
+          </a:prstGeom>
+          <a:noFill/>
+          <a:ln w="63500">
+            <a:solidFill>
+              <a:srgbClr val="C00000"/>
+            </a:solidFill>
+          </a:ln>
+          <a:extLst>
+            <a:ext uri="{909E8E84-426E-40DD-AFC4-6F175D3DCCD1}">
+              <a14:hiddenFill xmlns:a14="http://schemas.microsoft.com/office/drawing/2010/main">
+                <a:solidFill>
+                  <a:srgbClr val="FFFFFF"/>
+                </a:solidFill>
+              </a14:hiddenFill>
+            </a:ext>
+          </a:extLst>
+        </p:spPr>
+      </p:pic>
+      <p:pic>
+        <p:nvPicPr>
+          <p:cNvPr id="1044" name="Picture 20"/>
+          <p:cNvPicPr>
+            <a:picLocks noChangeAspect="1" noChangeArrowheads="1"/>
+          </p:cNvPicPr>
+          <p:nvPr/>
+        </p:nvPicPr>
+        <p:blipFill>
+          <a:blip r:embed="rId6">
+            <a:extLst>
+              <a:ext uri="{28A0092B-C50C-407E-A947-70E740481C1C}">
+                <a14:useLocalDpi xmlns:a14="http://schemas.microsoft.com/office/drawing/2010/main" val="0"/>
+              </a:ext>
+            </a:extLst>
+          </a:blip>
+          <a:srcRect/>
+          <a:stretch/>
+        </p:blipFill>
+        <p:spPr bwMode="auto">
+          <a:xfrm>
+            <a:off x="558072" y="4140087"/>
+            <a:ext cx="3473190" cy="2164629"/>
+          </a:xfrm>
+          <a:prstGeom prst="rect">
+            <a:avLst/>
+          </a:prstGeom>
+          <a:noFill/>
+          <a:ln w="63500">
+            <a:solidFill>
+              <a:srgbClr val="00B050"/>
+            </a:solidFill>
+          </a:ln>
+          <a:extLst>
+            <a:ext uri="{909E8E84-426E-40DD-AFC4-6F175D3DCCD1}">
+              <a14:hiddenFill xmlns:a14="http://schemas.microsoft.com/office/drawing/2010/main">
+                <a:solidFill>
+                  <a:srgbClr val="FFFFFF"/>
+                </a:solidFill>
+              </a14:hiddenFill>
+            </a:ext>
+          </a:extLst>
+        </p:spPr>
+      </p:pic>
+    </p:spTree>
+    <p:extLst>
+      <p:ext uri="{BB962C8B-B14F-4D97-AF65-F5344CB8AC3E}">
+        <p14:creationId xmlns:p14="http://schemas.microsoft.com/office/powerpoint/2010/main" val="324176961"/>
+      </p:ext>
+    </p:extLst>
+  </p:cSld>
+  <p:clrMapOvr>
+    <a:masterClrMapping/>
+  </p:clrMapOvr>
+</p:sld>
+</file>
+
 <file path=ppt/slides/slide3.xml><?xml version="1.0" encoding="utf-8"?>
 <p:sld xmlns:a="http://schemas.openxmlformats.org/drawingml/2006/main" xmlns:r="http://schemas.openxmlformats.org/officeDocument/2006/relationships" xmlns:p="http://schemas.openxmlformats.org/presentationml/2006/main">
   <p:cSld>
